--- a/slides.pptx
+++ b/slides.pptx
@@ -5,27 +5,35 @@
     <p:sldMasterId id="2147483648" r:id="rId1"/>
   </p:sldMasterIdLst>
   <p:notesMasterIdLst>
-    <p:notesMasterId r:id="rId17"/>
+    <p:notesMasterId r:id="rId25"/>
   </p:notesMasterIdLst>
   <p:handoutMasterIdLst>
-    <p:handoutMasterId r:id="rId18"/>
+    <p:handoutMasterId r:id="rId26"/>
   </p:handoutMasterIdLst>
   <p:sldIdLst>
     <p:sldId id="449" r:id="rId2"/>
-    <p:sldId id="644" r:id="rId3"/>
-    <p:sldId id="645" r:id="rId4"/>
-    <p:sldId id="646" r:id="rId5"/>
-    <p:sldId id="647" r:id="rId6"/>
-    <p:sldId id="648" r:id="rId7"/>
-    <p:sldId id="650" r:id="rId8"/>
+    <p:sldId id="658" r:id="rId3"/>
+    <p:sldId id="647" r:id="rId4"/>
+    <p:sldId id="648" r:id="rId5"/>
+    <p:sldId id="659" r:id="rId6"/>
+    <p:sldId id="650" r:id="rId7"/>
+    <p:sldId id="661" r:id="rId8"/>
     <p:sldId id="651" r:id="rId9"/>
-    <p:sldId id="652" r:id="rId10"/>
-    <p:sldId id="649" r:id="rId11"/>
-    <p:sldId id="653" r:id="rId12"/>
-    <p:sldId id="654" r:id="rId13"/>
-    <p:sldId id="655" r:id="rId14"/>
-    <p:sldId id="657" r:id="rId15"/>
-    <p:sldId id="656" r:id="rId16"/>
+    <p:sldId id="663" r:id="rId10"/>
+    <p:sldId id="660" r:id="rId11"/>
+    <p:sldId id="652" r:id="rId12"/>
+    <p:sldId id="662" r:id="rId13"/>
+    <p:sldId id="649" r:id="rId14"/>
+    <p:sldId id="664" r:id="rId15"/>
+    <p:sldId id="653" r:id="rId16"/>
+    <p:sldId id="654" r:id="rId17"/>
+    <p:sldId id="655" r:id="rId18"/>
+    <p:sldId id="665" r:id="rId19"/>
+    <p:sldId id="644" r:id="rId20"/>
+    <p:sldId id="645" r:id="rId21"/>
+    <p:sldId id="646" r:id="rId22"/>
+    <p:sldId id="657" r:id="rId23"/>
+    <p:sldId id="656" r:id="rId24"/>
   </p:sldIdLst>
   <p:sldSz cx="9144000" cy="6858000" type="screen4x3"/>
   <p:notesSz cx="6858000" cy="9144000"/>
@@ -208,7 +216,7 @@
           </a:lstStyle>
           <a:p>
             <a:fld id="{6A22DDCF-779C-174C-9903-D8CDFA9DE0D5}" type="datetimeFigureOut">
-              <a:t>1/29/16</a:t>
+              <a:t>5/17/16</a:t>
             </a:fld>
             <a:endParaRPr lang="en-US"/>
           </a:p>
@@ -373,7 +381,7 @@
           <a:p>
             <a:fld id="{95596A91-CB56-B448-9BE5-6B82A9A9167E}" type="datetimeFigureOut">
               <a:rPr lang="en-US" smtClean="0"/>
-              <a:t>1/29/16</a:t>
+              <a:t>5/17/16</a:t>
             </a:fld>
             <a:endParaRPr lang="en-US"/>
           </a:p>
@@ -686,18 +694,21 @@
           <a:bodyPr/>
           <a:lstStyle/>
           <a:p>
-            <a:endParaRPr lang="en-US"/>
-          </a:p>
-          <a:p>
-            <a:r>
-              <a:rPr lang="en-US"/>
-              <a:t>----- Meeting Notes (1/29/16 15:05) -----</a:t>
-            </a:r>
-          </a:p>
-          <a:p>
-            <a:r>
-              <a:rPr lang="en-US"/>
-              <a:t>memory bandwidth (latency on a bus vs. aggregate bandwidth). servers have multiple sockets. </a:t>
+            <a:pPr marL="171450" indent="-171450">
+              <a:buFontTx/>
+              <a:buChar char="•"/>
+            </a:pPr>
+            <a:r>
+              <a:rPr lang="en-US" dirty="0" smtClean="0"/>
+              <a:t>It’s difficult</a:t>
+            </a:r>
+            <a:r>
+              <a:rPr lang="en-US" baseline="0" dirty="0" smtClean="0"/>
+              <a:t> to</a:t>
+            </a:r>
+            <a:r>
+              <a:rPr lang="en-US" dirty="0" smtClean="0"/>
+              <a:t> predict the performance of an application</a:t>
             </a:r>
           </a:p>
         </p:txBody>
@@ -719,7 +730,191 @@
           <a:p>
             <a:fld id="{566EB027-39E9-D347-8F39-FE6A1C586B1A}" type="slidenum">
               <a:rPr lang="en-US" smtClean="0"/>
-              <a:t>15</a:t>
+              <a:t>2</a:t>
+            </a:fld>
+            <a:endParaRPr lang="en-US"/>
+          </a:p>
+        </p:txBody>
+      </p:sp>
+    </p:spTree>
+    <p:extLst>
+      <p:ext uri="{BB962C8B-B14F-4D97-AF65-F5344CB8AC3E}">
+        <p14:creationId xmlns:p14="http://schemas.microsoft.com/office/powerpoint/2010/main" val="1546034578"/>
+      </p:ext>
+    </p:extLst>
+  </p:cSld>
+  <p:clrMapOvr>
+    <a:masterClrMapping/>
+  </p:clrMapOvr>
+</p:notes>
+</file>
+
+<file path=ppt/notesSlides/notesSlide2.xml><?xml version="1.0" encoding="utf-8"?>
+<p:notes xmlns:a="http://schemas.openxmlformats.org/drawingml/2006/main" xmlns:r="http://schemas.openxmlformats.org/officeDocument/2006/relationships" xmlns:p="http://schemas.openxmlformats.org/presentationml/2006/main">
+  <p:cSld>
+    <p:spTree>
+      <p:nvGrpSpPr>
+        <p:cNvPr id="1" name=""/>
+        <p:cNvGrpSpPr/>
+        <p:nvPr/>
+      </p:nvGrpSpPr>
+      <p:grpSpPr>
+        <a:xfrm>
+          <a:off x="0" y="0"/>
+          <a:ext cx="0" cy="0"/>
+          <a:chOff x="0" y="0"/>
+          <a:chExt cx="0" cy="0"/>
+        </a:xfrm>
+      </p:grpSpPr>
+      <p:sp>
+        <p:nvSpPr>
+          <p:cNvPr id="2" name="Slide Image Placeholder 1"/>
+          <p:cNvSpPr>
+            <a:spLocks noGrp="1" noRot="1" noChangeAspect="1"/>
+          </p:cNvSpPr>
+          <p:nvPr>
+            <p:ph type="sldImg"/>
+          </p:nvPr>
+        </p:nvSpPr>
+        <p:spPr/>
+      </p:sp>
+      <p:sp>
+        <p:nvSpPr>
+          <p:cNvPr id="3" name="Notes Placeholder 2"/>
+          <p:cNvSpPr>
+            <a:spLocks noGrp="1"/>
+          </p:cNvSpPr>
+          <p:nvPr>
+            <p:ph type="body" idx="1"/>
+          </p:nvPr>
+        </p:nvSpPr>
+        <p:spPr/>
+        <p:txBody>
+          <a:bodyPr/>
+          <a:lstStyle/>
+          <a:p>
+            <a:r>
+              <a:rPr lang="en-US" dirty="0" smtClean="0"/>
+              <a:t>Check op/s overall</a:t>
+            </a:r>
+            <a:endParaRPr lang="en-US" dirty="0"/>
+          </a:p>
+        </p:txBody>
+      </p:sp>
+      <p:sp>
+        <p:nvSpPr>
+          <p:cNvPr id="4" name="Slide Number Placeholder 3"/>
+          <p:cNvSpPr>
+            <a:spLocks noGrp="1"/>
+          </p:cNvSpPr>
+          <p:nvPr>
+            <p:ph type="sldNum" sz="quarter" idx="10"/>
+          </p:nvPr>
+        </p:nvSpPr>
+        <p:spPr/>
+        <p:txBody>
+          <a:bodyPr/>
+          <a:lstStyle/>
+          <a:p>
+            <a:fld id="{566EB027-39E9-D347-8F39-FE6A1C586B1A}" type="slidenum">
+              <a:rPr lang="en-US" smtClean="0"/>
+              <a:t>11</a:t>
+            </a:fld>
+            <a:endParaRPr lang="en-US"/>
+          </a:p>
+        </p:txBody>
+      </p:sp>
+    </p:spTree>
+    <p:extLst>
+      <p:ext uri="{BB962C8B-B14F-4D97-AF65-F5344CB8AC3E}">
+        <p14:creationId xmlns:p14="http://schemas.microsoft.com/office/powerpoint/2010/main" val="571118476"/>
+      </p:ext>
+    </p:extLst>
+  </p:cSld>
+  <p:clrMapOvr>
+    <a:masterClrMapping/>
+  </p:clrMapOvr>
+</p:notes>
+</file>
+
+<file path=ppt/notesSlides/notesSlide3.xml><?xml version="1.0" encoding="utf-8"?>
+<p:notes xmlns:a="http://schemas.openxmlformats.org/drawingml/2006/main" xmlns:r="http://schemas.openxmlformats.org/officeDocument/2006/relationships" xmlns:p="http://schemas.openxmlformats.org/presentationml/2006/main">
+  <p:cSld>
+    <p:spTree>
+      <p:nvGrpSpPr>
+        <p:cNvPr id="1" name=""/>
+        <p:cNvGrpSpPr/>
+        <p:nvPr/>
+      </p:nvGrpSpPr>
+      <p:grpSpPr>
+        <a:xfrm>
+          <a:off x="0" y="0"/>
+          <a:ext cx="0" cy="0"/>
+          <a:chOff x="0" y="0"/>
+          <a:chExt cx="0" cy="0"/>
+        </a:xfrm>
+      </p:grpSpPr>
+      <p:sp>
+        <p:nvSpPr>
+          <p:cNvPr id="2" name="Slide Image Placeholder 1"/>
+          <p:cNvSpPr>
+            <a:spLocks noGrp="1" noRot="1" noChangeAspect="1"/>
+          </p:cNvSpPr>
+          <p:nvPr>
+            <p:ph type="sldImg"/>
+          </p:nvPr>
+        </p:nvSpPr>
+        <p:spPr/>
+      </p:sp>
+      <p:sp>
+        <p:nvSpPr>
+          <p:cNvPr id="3" name="Notes Placeholder 2"/>
+          <p:cNvSpPr>
+            <a:spLocks noGrp="1"/>
+          </p:cNvSpPr>
+          <p:nvPr>
+            <p:ph type="body" idx="1"/>
+          </p:nvPr>
+        </p:nvSpPr>
+        <p:spPr/>
+        <p:txBody>
+          <a:bodyPr/>
+          <a:lstStyle/>
+          <a:p>
+            <a:endParaRPr lang="en-US"/>
+          </a:p>
+          <a:p>
+            <a:r>
+              <a:rPr lang="en-US"/>
+              <a:t>----- Meeting Notes (1/29/16 15:05) -----</a:t>
+            </a:r>
+          </a:p>
+          <a:p>
+            <a:r>
+              <a:rPr lang="en-US"/>
+              <a:t>memory bandwidth (latency on a bus vs. aggregate bandwidth). servers have multiple sockets. </a:t>
+            </a:r>
+          </a:p>
+        </p:txBody>
+      </p:sp>
+      <p:sp>
+        <p:nvSpPr>
+          <p:cNvPr id="4" name="Slide Number Placeholder 3"/>
+          <p:cNvSpPr>
+            <a:spLocks noGrp="1"/>
+          </p:cNvSpPr>
+          <p:nvPr>
+            <p:ph type="sldNum" sz="quarter" idx="10"/>
+          </p:nvPr>
+        </p:nvSpPr>
+        <p:spPr/>
+        <p:txBody>
+          <a:bodyPr/>
+          <a:lstStyle/>
+          <a:p>
+            <a:fld id="{566EB027-39E9-D347-8F39-FE6A1C586B1A}" type="slidenum">
+              <a:rPr lang="en-US" smtClean="0"/>
+              <a:t>23</a:t>
             </a:fld>
             <a:endParaRPr lang="en-US"/>
           </a:p>
@@ -918,7 +1113,7 @@
           <a:lstStyle/>
           <a:p>
             <a:fld id="{17F390FC-1017-524F-BD21-D789E9E71A53}" type="datetime1">
-              <a:t>1/29/16</a:t>
+              <a:t>5/17/16</a:t>
             </a:fld>
             <a:endParaRPr lang="en-US"/>
           </a:p>
@@ -1087,7 +1282,7 @@
           <a:lstStyle/>
           <a:p>
             <a:fld id="{9889D893-464A-1240-9647-C48FFD77BF3D}" type="datetime1">
-              <a:t>1/29/16</a:t>
+              <a:t>5/17/16</a:t>
             </a:fld>
             <a:endParaRPr lang="en-US"/>
           </a:p>
@@ -1266,7 +1461,7 @@
           <a:lstStyle/>
           <a:p>
             <a:fld id="{71987AD2-986E-ED4A-8BC6-0697235229C2}" type="datetime1">
-              <a:t>1/29/16</a:t>
+              <a:t>5/17/16</a:t>
             </a:fld>
             <a:endParaRPr lang="en-US"/>
           </a:p>
@@ -1435,7 +1630,7 @@
           <a:lstStyle/>
           <a:p>
             <a:fld id="{9563E7A5-6629-514D-9222-C87A76D4521B}" type="datetime1">
-              <a:t>1/29/16</a:t>
+              <a:t>5/17/16</a:t>
             </a:fld>
             <a:endParaRPr lang="en-US"/>
           </a:p>
@@ -1680,7 +1875,7 @@
           <a:lstStyle/>
           <a:p>
             <a:fld id="{E5E9B956-0C21-E141-B613-EBFCBDC8679F}" type="datetime1">
-              <a:t>1/29/16</a:t>
+              <a:t>5/17/16</a:t>
             </a:fld>
             <a:endParaRPr lang="en-US"/>
           </a:p>
@@ -1967,7 +2162,7 @@
           <a:lstStyle/>
           <a:p>
             <a:fld id="{4D02E97F-3CB0-E848-9697-EFF14C1E0868}" type="datetime1">
-              <a:t>1/29/16</a:t>
+              <a:t>5/17/16</a:t>
             </a:fld>
             <a:endParaRPr lang="en-US"/>
           </a:p>
@@ -2388,7 +2583,7 @@
           <a:lstStyle/>
           <a:p>
             <a:fld id="{29EABE32-6883-F347-9AB4-E11D1F39E019}" type="datetime1">
-              <a:t>1/29/16</a:t>
+              <a:t>5/17/16</a:t>
             </a:fld>
             <a:endParaRPr lang="en-US"/>
           </a:p>
@@ -2505,7 +2700,7 @@
           <a:lstStyle/>
           <a:p>
             <a:fld id="{028AE1D5-DF5B-CD44-9C7E-20FAC74C91BE}" type="datetime1">
-              <a:t>1/29/16</a:t>
+              <a:t>5/17/16</a:t>
             </a:fld>
             <a:endParaRPr lang="en-US"/>
           </a:p>
@@ -2599,7 +2794,7 @@
           <a:lstStyle/>
           <a:p>
             <a:fld id="{0D15BDDE-9E8A-BD47-B2EA-F1E18EF005FE}" type="datetime1">
-              <a:t>1/29/16</a:t>
+              <a:t>5/17/16</a:t>
             </a:fld>
             <a:endParaRPr lang="en-US"/>
           </a:p>
@@ -2875,7 +3070,7 @@
           <a:lstStyle/>
           <a:p>
             <a:fld id="{05B8ECDE-8B41-914E-B854-3B195E2A8285}" type="datetime1">
-              <a:t>1/29/16</a:t>
+              <a:t>5/17/16</a:t>
             </a:fld>
             <a:endParaRPr lang="en-US"/>
           </a:p>
@@ -3127,7 +3322,7 @@
           <a:lstStyle/>
           <a:p>
             <a:fld id="{99823130-BDAD-404C-805D-54ECA8C7781F}" type="datetime1">
-              <a:t>1/29/16</a:t>
+              <a:t>5/17/16</a:t>
             </a:fld>
             <a:endParaRPr lang="en-US"/>
           </a:p>
@@ -3339,7 +3534,7 @@
           </a:lstStyle>
           <a:p>
             <a:fld id="{6034FFD0-0026-C645-A2D3-807419F1FE80}" type="datetime1">
-              <a:t>1/29/16</a:t>
+              <a:t>5/17/16</a:t>
             </a:fld>
             <a:endParaRPr lang="en-US"/>
           </a:p>
@@ -3742,20 +3937,28 @@
                 <a:latin typeface="PT Sans"/>
                 <a:cs typeface="PT Sans"/>
               </a:rPr>
-              <a:t>Predicting Cross-Platform Performance Variability Using</a:t>
-            </a:r>
-            <a:br>
+              <a:t>Characterizing and Reducing     Cross-Platform Performance </a:t>
+            </a:r>
+            <a:r>
               <a:rPr lang="en-US" dirty="0" smtClean="0">
                 <a:latin typeface="PT Sans"/>
                 <a:cs typeface="PT Sans"/>
               </a:rPr>
-            </a:br>
+              <a:t>Variability </a:t>
+            </a:r>
             <a:r>
               <a:rPr lang="en-US" dirty="0" smtClean="0">
                 <a:latin typeface="PT Sans"/>
                 <a:cs typeface="PT Sans"/>
               </a:rPr>
-              <a:t>OS-level Virtualization</a:t>
+              <a:t>Using OS</a:t>
+            </a:r>
+            <a:r>
+              <a:rPr lang="en-US" dirty="0" smtClean="0">
+                <a:latin typeface="PT Sans"/>
+                <a:cs typeface="PT Sans"/>
+              </a:rPr>
+              <a:t>-level Virtualization</a:t>
             </a:r>
             <a:endParaRPr lang="en-US" dirty="0">
               <a:latin typeface="PT Sans"/>
@@ -3776,8 +3979,8 @@
         </p:nvSpPr>
         <p:spPr>
           <a:xfrm>
-            <a:off x="1371600" y="4209460"/>
-            <a:ext cx="6400800" cy="1505527"/>
+            <a:off x="641048" y="4209460"/>
+            <a:ext cx="7922381" cy="1505527"/>
           </a:xfrm>
         </p:spPr>
         <p:txBody>
@@ -3787,28 +3990,42 @@
           <a:lstStyle/>
           <a:p>
             <a:r>
-              <a:rPr lang="en-US" b="1">
+              <a:rPr lang="en-US" b="1" dirty="0">
                 <a:latin typeface="PT Sans"/>
                 <a:cs typeface="PT Sans"/>
               </a:rPr>
               <a:t>Ivo Jimenez</a:t>
             </a:r>
             <a:r>
-              <a:rPr lang="en-US">
-                <a:latin typeface="PT Sans"/>
-                <a:cs typeface="PT Sans"/>
-              </a:rPr>
-              <a:t>, Carlos Maltzahn (</a:t>
-            </a:r>
-            <a:r>
-              <a:rPr lang="en-US" i="1">
+              <a:rPr lang="en-US" dirty="0">
+                <a:latin typeface="PT Sans"/>
+                <a:cs typeface="PT Sans"/>
+              </a:rPr>
+              <a:t>, Carlos </a:t>
+            </a:r>
+            <a:r>
+              <a:rPr lang="en-US" dirty="0" err="1">
+                <a:latin typeface="PT Sans"/>
+                <a:cs typeface="PT Sans"/>
+              </a:rPr>
+              <a:t>Maltzahn</a:t>
+            </a:r>
+            <a:r>
+              <a:rPr lang="en-US" dirty="0">
+                <a:latin typeface="PT Sans"/>
+                <a:cs typeface="PT Sans"/>
+              </a:rPr>
+              <a:t> (</a:t>
+            </a:r>
+            <a:r>
+              <a:rPr lang="en-US" i="1" dirty="0">
                 <a:latin typeface="PT Sans"/>
                 <a:cs typeface="PT Sans"/>
               </a:rPr>
               <a:t>UCSC</a:t>
             </a:r>
             <a:r>
-              <a:rPr lang="en-US">
+              <a:rPr lang="en-US" dirty="0">
                 <a:latin typeface="PT Sans"/>
                 <a:cs typeface="PT Sans"/>
               </a:rPr>
@@ -3817,21 +4034,35 @@
           </a:p>
           <a:p>
             <a:r>
-              <a:rPr lang="en-US">
-                <a:latin typeface="PT Sans"/>
-                <a:cs typeface="PT Sans"/>
-              </a:rPr>
-              <a:t>Adam Moody, Kathryn Mohror (</a:t>
-            </a:r>
-            <a:r>
-              <a:rPr lang="en-US" i="1">
+              <a:rPr lang="en-US" dirty="0">
+                <a:latin typeface="PT Sans"/>
+                <a:cs typeface="PT Sans"/>
+              </a:rPr>
+              <a:t>Adam Moody, Kathryn </a:t>
+            </a:r>
+            <a:r>
+              <a:rPr lang="en-US" dirty="0" err="1">
+                <a:latin typeface="PT Sans"/>
+                <a:cs typeface="PT Sans"/>
+              </a:rPr>
+              <a:t>Mohror</a:t>
+            </a:r>
+            <a:r>
+              <a:rPr lang="en-US" dirty="0">
+                <a:latin typeface="PT Sans"/>
+                <a:cs typeface="PT Sans"/>
+              </a:rPr>
+              <a:t> (</a:t>
+            </a:r>
+            <a:r>
+              <a:rPr lang="en-US" i="1" dirty="0">
                 <a:latin typeface="PT Sans"/>
                 <a:cs typeface="PT Sans"/>
               </a:rPr>
               <a:t>LLNL</a:t>
             </a:r>
             <a:r>
-              <a:rPr lang="en-US">
+              <a:rPr lang="en-US" dirty="0">
                 <a:latin typeface="PT Sans"/>
                 <a:cs typeface="PT Sans"/>
               </a:rPr>
@@ -3840,21 +4071,35 @@
           </a:p>
           <a:p>
             <a:r>
-              <a:rPr lang="en-US">
-                <a:latin typeface="PT Sans"/>
-                <a:cs typeface="PT Sans"/>
-              </a:rPr>
-              <a:t>Jay Lofstead (</a:t>
-            </a:r>
-            <a:r>
-              <a:rPr lang="en-US" i="1">
+              <a:rPr lang="en-US" dirty="0">
+                <a:latin typeface="PT Sans"/>
+                <a:cs typeface="PT Sans"/>
+              </a:rPr>
+              <a:t>Jay </a:t>
+            </a:r>
+            <a:r>
+              <a:rPr lang="en-US" dirty="0" err="1">
+                <a:latin typeface="PT Sans"/>
+                <a:cs typeface="PT Sans"/>
+              </a:rPr>
+              <a:t>Lofstead</a:t>
+            </a:r>
+            <a:r>
+              <a:rPr lang="en-US" dirty="0">
+                <a:latin typeface="PT Sans"/>
+                <a:cs typeface="PT Sans"/>
+              </a:rPr>
+              <a:t> (</a:t>
+            </a:r>
+            <a:r>
+              <a:rPr lang="en-US" i="1" dirty="0">
                 <a:latin typeface="PT Sans"/>
                 <a:cs typeface="PT Sans"/>
               </a:rPr>
               <a:t>Sandia</a:t>
             </a:r>
             <a:r>
-              <a:rPr lang="en-US">
+              <a:rPr lang="en-US" dirty="0">
                 <a:latin typeface="PT Sans"/>
                 <a:cs typeface="PT Sans"/>
               </a:rPr>
@@ -3863,26 +4108,72 @@
           </a:p>
           <a:p>
             <a:r>
-              <a:rPr lang="en-US">
-                <a:latin typeface="PT Sans"/>
-                <a:cs typeface="PT Sans"/>
-              </a:rPr>
-              <a:t>Andrea Arpaci-Dusseau, Remzi Arpaci-Dusseau (</a:t>
-            </a:r>
-            <a:r>
-              <a:rPr lang="en-US" i="1">
-                <a:latin typeface="PT Sans"/>
-                <a:cs typeface="PT Sans"/>
-              </a:rPr>
-              <a:t>UW</a:t>
-            </a:r>
-            <a:r>
-              <a:rPr lang="en-US">
+              <a:rPr lang="en-US" dirty="0">
+                <a:latin typeface="PT Sans"/>
+                <a:cs typeface="PT Sans"/>
+              </a:rPr>
+              <a:t>Andrea </a:t>
+            </a:r>
+            <a:r>
+              <a:rPr lang="en-US" dirty="0" err="1">
+                <a:latin typeface="PT Sans"/>
+                <a:cs typeface="PT Sans"/>
+              </a:rPr>
+              <a:t>Arpaci-Dusseau</a:t>
+            </a:r>
+            <a:r>
+              <a:rPr lang="en-US" dirty="0">
+                <a:latin typeface="PT Sans"/>
+                <a:cs typeface="PT Sans"/>
+              </a:rPr>
+              <a:t>, </a:t>
+            </a:r>
+            <a:r>
+              <a:rPr lang="en-US" dirty="0" err="1">
+                <a:latin typeface="PT Sans"/>
+                <a:cs typeface="PT Sans"/>
+              </a:rPr>
+              <a:t>Remzi</a:t>
+            </a:r>
+            <a:r>
+              <a:rPr lang="en-US" dirty="0">
+                <a:latin typeface="PT Sans"/>
+                <a:cs typeface="PT Sans"/>
+              </a:rPr>
+              <a:t> </a:t>
+            </a:r>
+            <a:r>
+              <a:rPr lang="en-US" dirty="0" err="1">
+                <a:latin typeface="PT Sans"/>
+                <a:cs typeface="PT Sans"/>
+              </a:rPr>
+              <a:t>Arpaci-Dusseau</a:t>
+            </a:r>
+            <a:r>
+              <a:rPr lang="en-US" dirty="0">
+                <a:latin typeface="PT Sans"/>
+                <a:cs typeface="PT Sans"/>
+              </a:rPr>
+              <a:t> (</a:t>
+            </a:r>
+            <a:r>
+              <a:rPr lang="en-US" i="1" dirty="0" smtClean="0">
+                <a:latin typeface="PT Sans"/>
+                <a:cs typeface="PT Sans"/>
+              </a:rPr>
+              <a:t>UW Madison</a:t>
+            </a:r>
+            <a:r>
+              <a:rPr lang="en-US" dirty="0" smtClean="0">
                 <a:latin typeface="PT Sans"/>
                 <a:cs typeface="PT Sans"/>
               </a:rPr>
               <a:t>)</a:t>
             </a:r>
+            <a:endParaRPr lang="en-US" dirty="0">
+              <a:latin typeface="PT Sans"/>
+              <a:cs typeface="PT Sans"/>
+            </a:endParaRPr>
           </a:p>
         </p:txBody>
       </p:sp>
@@ -3933,22 +4224,25 @@
             <p:ph type="title"/>
           </p:nvPr>
         </p:nvSpPr>
-        <p:spPr/>
-        <p:txBody>
-          <a:bodyPr>
-            <a:normAutofit/>
-          </a:bodyPr>
+        <p:spPr>
+          <a:xfrm>
+            <a:off x="457200" y="274638"/>
+            <a:ext cx="8229600" cy="1143000"/>
+          </a:xfrm>
+        </p:spPr>
+        <p:txBody>
+          <a:bodyPr/>
           <a:lstStyle/>
           <a:p>
             <a:pPr algn="l"/>
             <a:r>
-              <a:rPr lang="en-US" sz="4000" b="1" dirty="0" smtClean="0">
-                <a:latin typeface="PT Sans"/>
-                <a:cs typeface="PT Sans"/>
-              </a:rPr>
-              <a:t>Environmental Variables</a:t>
-            </a:r>
-            <a:endParaRPr lang="en-US" sz="4000" b="1" dirty="0">
+              <a:rPr lang="en-US" b="1" dirty="0" smtClean="0">
+                <a:latin typeface="PT Sans"/>
+                <a:cs typeface="PT Sans"/>
+              </a:rPr>
+              <a:t>Outline</a:t>
+            </a:r>
+            <a:endParaRPr lang="en-US" b="1" dirty="0">
               <a:latin typeface="PT Sans"/>
               <a:cs typeface="PT Sans"/>
             </a:endParaRPr>
@@ -3967,9 +4261,7 @@
         </p:nvSpPr>
         <p:spPr/>
         <p:txBody>
-          <a:bodyPr>
-            <a:normAutofit lnSpcReduction="10000"/>
-          </a:bodyPr>
+          <a:bodyPr/>
           <a:lstStyle/>
           <a:p>
             <a:r>
@@ -3977,38 +4269,59 @@
                 <a:latin typeface="PT Sans"/>
                 <a:cs typeface="PT Sans"/>
               </a:rPr>
-              <a:t>Variables in our scenario:</a:t>
-            </a:r>
-          </a:p>
-          <a:p>
-            <a:pPr lvl="1"/>
+              <a:t>Problem </a:t>
+            </a:r>
             <a:r>
               <a:rPr lang="en-US" dirty="0" smtClean="0">
                 <a:latin typeface="PT Sans"/>
                 <a:cs typeface="PT Sans"/>
               </a:rPr>
-              <a:t>CPU physical subsystems.</a:t>
-            </a:r>
-          </a:p>
-          <a:p>
-            <a:pPr lvl="1"/>
+              <a:t>Definition.</a:t>
+            </a:r>
+            <a:endParaRPr lang="en-US" dirty="0" smtClean="0">
+              <a:latin typeface="PT Sans"/>
+              <a:cs typeface="PT Sans"/>
+            </a:endParaRPr>
+          </a:p>
+          <a:p>
             <a:r>
               <a:rPr lang="en-US" dirty="0" smtClean="0">
                 <a:latin typeface="PT Sans"/>
                 <a:cs typeface="PT Sans"/>
               </a:rPr>
-              <a:t>Memory bandwidth.</a:t>
-            </a:r>
-          </a:p>
-          <a:p>
-            <a:pPr lvl="1"/>
+              <a:t>Characterize performance of a </a:t>
+            </a:r>
             <a:r>
               <a:rPr lang="en-US" dirty="0" smtClean="0">
                 <a:latin typeface="PT Sans"/>
                 <a:cs typeface="PT Sans"/>
               </a:rPr>
-              <a:t>Compiler flags.</a:t>
-            </a:r>
+              <a:t>machine.</a:t>
+            </a:r>
+            <a:endParaRPr lang="en-US" dirty="0" smtClean="0">
+              <a:latin typeface="PT Sans"/>
+              <a:cs typeface="PT Sans"/>
+            </a:endParaRPr>
+          </a:p>
+          <a:p>
+            <a:r>
+              <a:rPr lang="en-US" b="1" dirty="0" smtClean="0">
+                <a:latin typeface="PT Sans"/>
+                <a:cs typeface="PT Sans"/>
+              </a:rPr>
+              <a:t>Quantify variability across </a:t>
+            </a:r>
+            <a:r>
+              <a:rPr lang="en-US" b="1" dirty="0" smtClean="0">
+                <a:latin typeface="PT Sans"/>
+                <a:cs typeface="PT Sans"/>
+              </a:rPr>
+              <a:t>machines.</a:t>
+            </a:r>
+            <a:endParaRPr lang="en-US" b="1" dirty="0" smtClean="0">
+              <a:latin typeface="PT Sans"/>
+              <a:cs typeface="PT Sans"/>
+            </a:endParaRPr>
           </a:p>
           <a:p>
             <a:r>
@@ -4016,18 +4329,19 @@
                 <a:latin typeface="PT Sans"/>
                 <a:cs typeface="PT Sans"/>
               </a:rPr>
-              <a:t>Can’t control:</a:t>
-            </a:r>
-          </a:p>
-          <a:p>
-            <a:pPr lvl="1"/>
+              <a:t>Reduce variability using </a:t>
+            </a:r>
             <a:r>
               <a:rPr lang="en-US" dirty="0" smtClean="0">
                 <a:latin typeface="PT Sans"/>
                 <a:cs typeface="PT Sans"/>
               </a:rPr>
-              <a:t>CPU physical subsystems nor RAM bandwidth.</a:t>
-            </a:r>
+              <a:t>containers.</a:t>
+            </a:r>
+            <a:endParaRPr lang="en-US" dirty="0" smtClean="0">
+              <a:latin typeface="PT Sans"/>
+              <a:cs typeface="PT Sans"/>
+            </a:endParaRPr>
           </a:p>
           <a:p>
             <a:r>
@@ -4035,28 +4349,19 @@
                 <a:latin typeface="PT Sans"/>
                 <a:cs typeface="PT Sans"/>
               </a:rPr>
-              <a:t>Can control:</a:t>
-            </a:r>
-          </a:p>
-          <a:p>
-            <a:pPr lvl="1"/>
+              <a:t>Next </a:t>
+            </a:r>
             <a:r>
               <a:rPr lang="en-US" dirty="0" smtClean="0">
                 <a:latin typeface="PT Sans"/>
                 <a:cs typeface="PT Sans"/>
               </a:rPr>
-              <a:t>Compiler flags.</a:t>
-            </a:r>
-          </a:p>
-          <a:p>
-            <a:pPr lvl="1"/>
-            <a:r>
-              <a:rPr lang="en-US" dirty="0" smtClean="0">
-                <a:latin typeface="PT Sans"/>
-                <a:cs typeface="PT Sans"/>
-              </a:rPr>
-              <a:t>CPU bandwidth (with containers).</a:t>
-            </a:r>
+              <a:t>steps.</a:t>
+            </a:r>
+            <a:endParaRPr lang="en-US" dirty="0" smtClean="0">
+              <a:latin typeface="PT Sans"/>
+              <a:cs typeface="PT Sans"/>
+            </a:endParaRPr>
           </a:p>
           <a:p>
             <a:endParaRPr lang="en-US" dirty="0">
@@ -4092,7 +4397,7 @@
     </p:spTree>
     <p:extLst>
       <p:ext uri="{BB962C8B-B14F-4D97-AF65-F5344CB8AC3E}">
-        <p14:creationId xmlns:p14="http://schemas.microsoft.com/office/powerpoint/2010/main" val="2452108615"/>
+        <p14:creationId xmlns:p14="http://schemas.microsoft.com/office/powerpoint/2010/main" val="1969846809"/>
       </p:ext>
     </p:extLst>
   </p:cSld>
@@ -4128,6 +4433,932 @@
       </p:grpSpPr>
       <p:sp>
         <p:nvSpPr>
+          <p:cNvPr id="3" name="Slide Number Placeholder 2"/>
+          <p:cNvSpPr>
+            <a:spLocks noGrp="1"/>
+          </p:cNvSpPr>
+          <p:nvPr>
+            <p:ph type="sldNum" sz="quarter" idx="12"/>
+          </p:nvPr>
+        </p:nvSpPr>
+        <p:spPr/>
+        <p:txBody>
+          <a:bodyPr/>
+          <a:lstStyle/>
+          <a:p>
+            <a:fld id="{FA8338FA-16C6-9C42-9987-80EFEA67B0E4}" type="slidenum">
+              <a:rPr lang="en-US" smtClean="0"/>
+              <a:t>11</a:t>
+            </a:fld>
+            <a:endParaRPr lang="en-US"/>
+          </a:p>
+        </p:txBody>
+      </p:sp>
+      <p:grpSp>
+        <p:nvGrpSpPr>
+          <p:cNvPr id="21" name="Group 20"/>
+          <p:cNvGrpSpPr/>
+          <p:nvPr/>
+        </p:nvGrpSpPr>
+        <p:grpSpPr>
+          <a:xfrm>
+            <a:off x="1377116" y="104031"/>
+            <a:ext cx="1759691" cy="4514502"/>
+            <a:chOff x="1377116" y="104031"/>
+            <a:chExt cx="1759691" cy="4514502"/>
+          </a:xfrm>
+        </p:grpSpPr>
+        <p:grpSp>
+          <p:nvGrpSpPr>
+            <p:cNvPr id="6" name="Group 5"/>
+            <p:cNvGrpSpPr/>
+            <p:nvPr/>
+          </p:nvGrpSpPr>
+          <p:grpSpPr>
+            <a:xfrm>
+              <a:off x="1377116" y="473363"/>
+              <a:ext cx="1759691" cy="4145170"/>
+              <a:chOff x="1982097" y="3198027"/>
+              <a:chExt cx="1759691" cy="4145170"/>
+            </a:xfrm>
+          </p:grpSpPr>
+          <p:pic>
+            <p:nvPicPr>
+              <p:cNvPr id="7" name="Picture 6"/>
+              <p:cNvPicPr>
+                <a:picLocks noChangeAspect="1"/>
+              </p:cNvPicPr>
+              <p:nvPr/>
+            </p:nvPicPr>
+            <p:blipFill>
+              <a:blip r:embed="rId3"/>
+              <a:stretch>
+                <a:fillRect/>
+              </a:stretch>
+            </p:blipFill>
+            <p:spPr>
+              <a:xfrm>
+                <a:off x="1982097" y="3198027"/>
+                <a:ext cx="1748495" cy="2563137"/>
+              </a:xfrm>
+              <a:prstGeom prst="rect">
+                <a:avLst/>
+              </a:prstGeom>
+            </p:spPr>
+          </p:pic>
+          <p:sp>
+            <p:nvSpPr>
+              <p:cNvPr id="8" name="TextBox 7"/>
+              <p:cNvSpPr txBox="1"/>
+              <p:nvPr/>
+            </p:nvSpPr>
+            <p:spPr>
+              <a:xfrm>
+                <a:off x="1982097" y="5773537"/>
+                <a:ext cx="1759691" cy="1569660"/>
+              </a:xfrm>
+              <a:prstGeom prst="rect">
+                <a:avLst/>
+              </a:prstGeom>
+              <a:noFill/>
+            </p:spPr>
+            <p:txBody>
+              <a:bodyPr wrap="none" rtlCol="0">
+                <a:spAutoFit/>
+              </a:bodyPr>
+              <a:lstStyle/>
+              <a:p>
+                <a:r>
+                  <a:rPr lang="en-US" sz="1200" dirty="0" smtClean="0">
+                    <a:latin typeface="DejaVu Sans Mono"/>
+                    <a:cs typeface="DejaVu Sans Mono"/>
+                  </a:rPr>
+                  <a:t> stressor | op/s</a:t>
+                </a:r>
+              </a:p>
+              <a:p>
+                <a:r>
+                  <a:rPr lang="en-US" sz="1200" dirty="0" smtClean="0">
+                    <a:latin typeface="DejaVu Sans Mono"/>
+                    <a:cs typeface="DejaVu Sans Mono"/>
+                  </a:rPr>
+                  <a:t>-----------------</a:t>
+                </a:r>
+              </a:p>
+              <a:p>
+                <a:r>
+                  <a:rPr lang="en-US" sz="1200" dirty="0" smtClean="0">
+                    <a:latin typeface="DejaVu Sans Mono"/>
+                    <a:cs typeface="DejaVu Sans Mono"/>
+                  </a:rPr>
+                  <a:t> </a:t>
+                </a:r>
+                <a:r>
+                  <a:rPr lang="en-US" sz="1200" dirty="0" err="1" smtClean="0">
+                    <a:latin typeface="DejaVu Sans Mono"/>
+                    <a:cs typeface="DejaVu Sans Mono"/>
+                  </a:rPr>
+                  <a:t>ackerman</a:t>
+                </a:r>
+                <a:r>
+                  <a:rPr lang="en-US" sz="1200" dirty="0" smtClean="0">
+                    <a:latin typeface="DejaVu Sans Mono"/>
+                    <a:cs typeface="DejaVu Sans Mono"/>
+                  </a:rPr>
+                  <a:t> |  530</a:t>
+                </a:r>
+              </a:p>
+              <a:p>
+                <a:r>
+                  <a:rPr lang="en-US" sz="1200" dirty="0" smtClean="0">
+                    <a:latin typeface="DejaVu Sans Mono"/>
+                    <a:cs typeface="DejaVu Sans Mono"/>
+                  </a:rPr>
+                  <a:t> matrix   | 1343</a:t>
+                </a:r>
+                <a:endParaRPr lang="en-US" sz="1200" dirty="0" smtClean="0">
+                  <a:latin typeface="DejaVu Sans Mono"/>
+                  <a:cs typeface="DejaVu Sans Mono"/>
+                </a:endParaRPr>
+              </a:p>
+              <a:p>
+                <a:r>
+                  <a:rPr lang="en-US" sz="1200" dirty="0" smtClean="0">
+                    <a:latin typeface="DejaVu Sans Mono"/>
+                    <a:cs typeface="DejaVu Sans Mono"/>
+                  </a:rPr>
+                  <a:t> int32    |  433</a:t>
+                </a:r>
+                <a:endParaRPr lang="en-US" sz="1200" dirty="0" smtClean="0">
+                  <a:latin typeface="DejaVu Sans Mono"/>
+                  <a:cs typeface="DejaVu Sans Mono"/>
+                </a:endParaRPr>
+              </a:p>
+              <a:p>
+                <a:r>
+                  <a:rPr lang="en-US" sz="1200" dirty="0" smtClean="0">
+                    <a:latin typeface="DejaVu Sans Mono"/>
+                    <a:cs typeface="DejaVu Sans Mono"/>
+                  </a:rPr>
+                  <a:t> int64    |  333</a:t>
+                </a:r>
+                <a:endParaRPr lang="en-US" sz="1200" dirty="0">
+                  <a:latin typeface="DejaVu Sans Mono"/>
+                  <a:cs typeface="DejaVu Sans Mono"/>
+                </a:endParaRPr>
+              </a:p>
+              <a:p>
+                <a:r>
+                  <a:rPr lang="en-US" sz="1200" dirty="0" smtClean="0">
+                    <a:latin typeface="DejaVu Sans Mono"/>
+                    <a:cs typeface="DejaVu Sans Mono"/>
+                  </a:rPr>
+                  <a:t> int128   |  233</a:t>
+                </a:r>
+                <a:endParaRPr lang="en-US" sz="1200" dirty="0">
+                  <a:latin typeface="DejaVu Sans Mono"/>
+                  <a:cs typeface="DejaVu Sans Mono"/>
+                </a:endParaRPr>
+              </a:p>
+              <a:p>
+                <a:r>
+                  <a:rPr lang="is-IS" sz="1200" dirty="0" smtClean="0">
+                    <a:latin typeface="DejaVu Sans Mono"/>
+                    <a:cs typeface="DejaVu Sans Mono"/>
+                  </a:rPr>
+                  <a:t>…</a:t>
+                </a:r>
+                <a:endParaRPr lang="en-US" sz="1200" dirty="0">
+                  <a:latin typeface="DejaVu Sans Mono"/>
+                  <a:cs typeface="DejaVu Sans Mono"/>
+                </a:endParaRPr>
+              </a:p>
+            </p:txBody>
+          </p:sp>
+        </p:grpSp>
+        <p:sp>
+          <p:nvSpPr>
+            <p:cNvPr id="13" name="TextBox 12"/>
+            <p:cNvSpPr txBox="1"/>
+            <p:nvPr/>
+          </p:nvSpPr>
+          <p:spPr>
+            <a:xfrm>
+              <a:off x="1842651" y="104031"/>
+              <a:ext cx="1186330" cy="369332"/>
+            </a:xfrm>
+            <a:prstGeom prst="rect">
+              <a:avLst/>
+            </a:prstGeom>
+            <a:noFill/>
+          </p:spPr>
+          <p:txBody>
+            <a:bodyPr wrap="none" rtlCol="0">
+              <a:spAutoFit/>
+            </a:bodyPr>
+            <a:lstStyle/>
+            <a:p>
+              <a:r>
+                <a:rPr lang="en-US" dirty="0" smtClean="0"/>
+                <a:t>Machine A</a:t>
+              </a:r>
+              <a:endParaRPr lang="en-US" dirty="0"/>
+            </a:p>
+          </p:txBody>
+        </p:sp>
+      </p:grpSp>
+      <p:grpSp>
+        <p:nvGrpSpPr>
+          <p:cNvPr id="4" name="Group 3"/>
+          <p:cNvGrpSpPr/>
+          <p:nvPr/>
+        </p:nvGrpSpPr>
+        <p:grpSpPr>
+          <a:xfrm>
+            <a:off x="4756729" y="60158"/>
+            <a:ext cx="2782454" cy="4606043"/>
+            <a:chOff x="4756729" y="60158"/>
+            <a:chExt cx="2782454" cy="4606043"/>
+          </a:xfrm>
+        </p:grpSpPr>
+        <p:sp>
+          <p:nvSpPr>
+            <p:cNvPr id="26" name="TextBox 25"/>
+            <p:cNvSpPr txBox="1"/>
+            <p:nvPr/>
+          </p:nvSpPr>
+          <p:spPr>
+            <a:xfrm>
+              <a:off x="5288716" y="3096541"/>
+              <a:ext cx="1759691" cy="1569660"/>
+            </a:xfrm>
+            <a:prstGeom prst="rect">
+              <a:avLst/>
+            </a:prstGeom>
+            <a:noFill/>
+          </p:spPr>
+          <p:txBody>
+            <a:bodyPr wrap="none" rtlCol="0">
+              <a:spAutoFit/>
+            </a:bodyPr>
+            <a:lstStyle/>
+            <a:p>
+              <a:r>
+                <a:rPr lang="en-US" sz="1200" dirty="0" smtClean="0">
+                  <a:latin typeface="DejaVu Sans Mono"/>
+                  <a:cs typeface="DejaVu Sans Mono"/>
+                </a:rPr>
+                <a:t> stressor | op/s</a:t>
+              </a:r>
+            </a:p>
+            <a:p>
+              <a:r>
+                <a:rPr lang="en-US" sz="1200" dirty="0" smtClean="0">
+                  <a:latin typeface="DejaVu Sans Mono"/>
+                  <a:cs typeface="DejaVu Sans Mono"/>
+                </a:rPr>
+                <a:t>-----------------</a:t>
+              </a:r>
+            </a:p>
+            <a:p>
+              <a:r>
+                <a:rPr lang="en-US" sz="1200" dirty="0" smtClean="0">
+                  <a:latin typeface="DejaVu Sans Mono"/>
+                  <a:cs typeface="DejaVu Sans Mono"/>
+                </a:rPr>
+                <a:t> </a:t>
+              </a:r>
+              <a:r>
+                <a:rPr lang="en-US" sz="1200" dirty="0" err="1" smtClean="0">
+                  <a:latin typeface="DejaVu Sans Mono"/>
+                  <a:cs typeface="DejaVu Sans Mono"/>
+                </a:rPr>
+                <a:t>ackerman</a:t>
+              </a:r>
+              <a:r>
+                <a:rPr lang="en-US" sz="1200" dirty="0" smtClean="0">
+                  <a:latin typeface="DejaVu Sans Mono"/>
+                  <a:cs typeface="DejaVu Sans Mono"/>
+                </a:rPr>
+                <a:t> |  750</a:t>
+              </a:r>
+            </a:p>
+            <a:p>
+              <a:r>
+                <a:rPr lang="en-US" sz="1200" dirty="0" smtClean="0">
+                  <a:latin typeface="DejaVu Sans Mono"/>
+                  <a:cs typeface="DejaVu Sans Mono"/>
+                </a:rPr>
+                <a:t> matrix   | 2403</a:t>
+              </a:r>
+              <a:endParaRPr lang="en-US" sz="1200" dirty="0" smtClean="0">
+                <a:latin typeface="DejaVu Sans Mono"/>
+                <a:cs typeface="DejaVu Sans Mono"/>
+              </a:endParaRPr>
+            </a:p>
+            <a:p>
+              <a:r>
+                <a:rPr lang="en-US" sz="1200" dirty="0" smtClean="0">
+                  <a:latin typeface="DejaVu Sans Mono"/>
+                  <a:cs typeface="DejaVu Sans Mono"/>
+                </a:rPr>
+                <a:t> int32    |  684</a:t>
+              </a:r>
+              <a:endParaRPr lang="en-US" sz="1200" dirty="0" smtClean="0">
+                <a:latin typeface="DejaVu Sans Mono"/>
+                <a:cs typeface="DejaVu Sans Mono"/>
+              </a:endParaRPr>
+            </a:p>
+            <a:p>
+              <a:r>
+                <a:rPr lang="en-US" sz="1200" dirty="0" smtClean="0">
+                  <a:latin typeface="DejaVu Sans Mono"/>
+                  <a:cs typeface="DejaVu Sans Mono"/>
+                </a:rPr>
+                <a:t> int64    |  892</a:t>
+              </a:r>
+              <a:endParaRPr lang="en-US" sz="1200" dirty="0">
+                <a:latin typeface="DejaVu Sans Mono"/>
+                <a:cs typeface="DejaVu Sans Mono"/>
+              </a:endParaRPr>
+            </a:p>
+            <a:p>
+              <a:r>
+                <a:rPr lang="en-US" sz="1200" dirty="0" smtClean="0">
+                  <a:latin typeface="DejaVu Sans Mono"/>
+                  <a:cs typeface="DejaVu Sans Mono"/>
+                </a:rPr>
+                <a:t> int128   | 1302</a:t>
+              </a:r>
+              <a:endParaRPr lang="en-US" sz="1200" dirty="0">
+                <a:latin typeface="DejaVu Sans Mono"/>
+                <a:cs typeface="DejaVu Sans Mono"/>
+              </a:endParaRPr>
+            </a:p>
+            <a:p>
+              <a:r>
+                <a:rPr lang="is-IS" sz="1200" dirty="0" smtClean="0">
+                  <a:latin typeface="DejaVu Sans Mono"/>
+                  <a:cs typeface="DejaVu Sans Mono"/>
+                </a:rPr>
+                <a:t>…</a:t>
+              </a:r>
+              <a:endParaRPr lang="en-US" sz="1200" dirty="0">
+                <a:latin typeface="DejaVu Sans Mono"/>
+                <a:cs typeface="DejaVu Sans Mono"/>
+              </a:endParaRPr>
+            </a:p>
+          </p:txBody>
+        </p:sp>
+        <p:pic>
+          <p:nvPicPr>
+            <p:cNvPr id="10" name="Picture 9"/>
+            <p:cNvPicPr>
+              <a:picLocks noChangeAspect="1"/>
+            </p:cNvPicPr>
+            <p:nvPr/>
+          </p:nvPicPr>
+          <p:blipFill>
+            <a:blip r:embed="rId4"/>
+            <a:stretch>
+              <a:fillRect/>
+            </a:stretch>
+          </p:blipFill>
+          <p:spPr>
+            <a:xfrm>
+              <a:off x="4756729" y="334861"/>
+              <a:ext cx="2782454" cy="2761680"/>
+            </a:xfrm>
+            <a:prstGeom prst="rect">
+              <a:avLst/>
+            </a:prstGeom>
+          </p:spPr>
+        </p:pic>
+        <p:sp>
+          <p:nvSpPr>
+            <p:cNvPr id="14" name="TextBox 13"/>
+            <p:cNvSpPr txBox="1"/>
+            <p:nvPr/>
+          </p:nvSpPr>
+          <p:spPr>
+            <a:xfrm>
+              <a:off x="5705759" y="60158"/>
+              <a:ext cx="1184940" cy="369332"/>
+            </a:xfrm>
+            <a:prstGeom prst="rect">
+              <a:avLst/>
+            </a:prstGeom>
+            <a:noFill/>
+          </p:spPr>
+          <p:txBody>
+            <a:bodyPr wrap="none" rtlCol="0">
+              <a:spAutoFit/>
+            </a:bodyPr>
+            <a:lstStyle/>
+            <a:p>
+              <a:r>
+                <a:rPr lang="en-US" dirty="0" smtClean="0"/>
+                <a:t>Machine B</a:t>
+              </a:r>
+              <a:endParaRPr lang="en-US" dirty="0"/>
+            </a:p>
+          </p:txBody>
+        </p:sp>
+      </p:grpSp>
+      <p:cxnSp>
+        <p:nvCxnSpPr>
+          <p:cNvPr id="17" name="Straight Connector 16"/>
+          <p:cNvCxnSpPr/>
+          <p:nvPr/>
+        </p:nvCxnSpPr>
+        <p:spPr>
+          <a:xfrm flipV="1">
+            <a:off x="3556000" y="219364"/>
+            <a:ext cx="1200729" cy="4192901"/>
+          </a:xfrm>
+          <a:prstGeom prst="line">
+            <a:avLst/>
+          </a:prstGeom>
+          <a:ln w="76200" cmpd="sng"/>
+          <a:effectLst/>
+        </p:spPr>
+        <p:style>
+          <a:lnRef idx="3">
+            <a:schemeClr val="dk1"/>
+          </a:lnRef>
+          <a:fillRef idx="0">
+            <a:schemeClr val="dk1"/>
+          </a:fillRef>
+          <a:effectRef idx="2">
+            <a:schemeClr val="dk1"/>
+          </a:effectRef>
+          <a:fontRef idx="minor">
+            <a:schemeClr val="tx1"/>
+          </a:fontRef>
+        </p:style>
+      </p:cxnSp>
+      <p:grpSp>
+        <p:nvGrpSpPr>
+          <p:cNvPr id="39" name="Group 38"/>
+          <p:cNvGrpSpPr/>
+          <p:nvPr/>
+        </p:nvGrpSpPr>
+        <p:grpSpPr>
+          <a:xfrm>
+            <a:off x="0" y="3096541"/>
+            <a:ext cx="9143999" cy="3821760"/>
+            <a:chOff x="1" y="3096281"/>
+            <a:chExt cx="9143999" cy="3821760"/>
+          </a:xfrm>
+        </p:grpSpPr>
+        <p:pic>
+          <p:nvPicPr>
+            <p:cNvPr id="20" name="Picture 19" descr="without.png"/>
+            <p:cNvPicPr>
+              <a:picLocks noChangeAspect="1"/>
+            </p:cNvPicPr>
+            <p:nvPr/>
+          </p:nvPicPr>
+          <p:blipFill>
+            <a:blip r:embed="rId5">
+              <a:extLst>
+                <a:ext uri="{28A0092B-C50C-407E-A947-70E740481C1C}">
+                  <a14:useLocalDpi xmlns:a14="http://schemas.microsoft.com/office/drawing/2010/main" val="0"/>
+                </a:ext>
+              </a:extLst>
+            </a:blip>
+            <a:stretch>
+              <a:fillRect/>
+            </a:stretch>
+          </p:blipFill>
+          <p:spPr>
+            <a:xfrm>
+              <a:off x="1" y="3096541"/>
+              <a:ext cx="9143999" cy="3821500"/>
+            </a:xfrm>
+            <a:prstGeom prst="rect">
+              <a:avLst/>
+            </a:prstGeom>
+          </p:spPr>
+        </p:pic>
+        <p:cxnSp>
+          <p:nvCxnSpPr>
+            <p:cNvPr id="24" name="Straight Connector 23"/>
+            <p:cNvCxnSpPr/>
+            <p:nvPr/>
+          </p:nvCxnSpPr>
+          <p:spPr>
+            <a:xfrm flipV="1">
+              <a:off x="884367" y="3194050"/>
+              <a:ext cx="0" cy="3402637"/>
+            </a:xfrm>
+            <a:prstGeom prst="line">
+              <a:avLst/>
+            </a:prstGeom>
+            <a:ln w="38100" cmpd="sng">
+              <a:solidFill>
+                <a:schemeClr val="accent4">
+                  <a:lumMod val="60000"/>
+                  <a:lumOff val="40000"/>
+                </a:schemeClr>
+              </a:solidFill>
+            </a:ln>
+            <a:effectLst/>
+          </p:spPr>
+          <p:style>
+            <a:lnRef idx="3">
+              <a:schemeClr val="dk1"/>
+            </a:lnRef>
+            <a:fillRef idx="0">
+              <a:schemeClr val="dk1"/>
+            </a:fillRef>
+            <a:effectRef idx="2">
+              <a:schemeClr val="dk1"/>
+            </a:effectRef>
+            <a:fontRef idx="minor">
+              <a:schemeClr val="tx1"/>
+            </a:fontRef>
+          </p:style>
+        </p:cxnSp>
+        <p:cxnSp>
+          <p:nvCxnSpPr>
+            <p:cNvPr id="32" name="Straight Arrow Connector 31"/>
+            <p:cNvCxnSpPr/>
+            <p:nvPr/>
+          </p:nvCxnSpPr>
+          <p:spPr>
+            <a:xfrm>
+              <a:off x="900866" y="3450166"/>
+              <a:ext cx="476250" cy="0"/>
+            </a:xfrm>
+            <a:prstGeom prst="straightConnector1">
+              <a:avLst/>
+            </a:prstGeom>
+            <a:ln>
+              <a:solidFill>
+                <a:schemeClr val="tx1"/>
+              </a:solidFill>
+              <a:headEnd type="none"/>
+              <a:tailEnd type="triangle" w="lg" len="lg"/>
+            </a:ln>
+            <a:effectLst/>
+          </p:spPr>
+          <p:style>
+            <a:lnRef idx="2">
+              <a:schemeClr val="accent4"/>
+            </a:lnRef>
+            <a:fillRef idx="0">
+              <a:schemeClr val="accent4"/>
+            </a:fillRef>
+            <a:effectRef idx="1">
+              <a:schemeClr val="accent4"/>
+            </a:effectRef>
+            <a:fontRef idx="minor">
+              <a:schemeClr val="tx1"/>
+            </a:fontRef>
+          </p:style>
+        </p:cxnSp>
+        <p:sp>
+          <p:nvSpPr>
+            <p:cNvPr id="34" name="TextBox 33"/>
+            <p:cNvSpPr txBox="1"/>
+            <p:nvPr/>
+          </p:nvSpPr>
+          <p:spPr>
+            <a:xfrm>
+              <a:off x="865891" y="3096281"/>
+              <a:ext cx="699831" cy="338554"/>
+            </a:xfrm>
+            <a:prstGeom prst="rect">
+              <a:avLst/>
+            </a:prstGeom>
+            <a:noFill/>
+          </p:spPr>
+          <p:txBody>
+            <a:bodyPr wrap="none" rtlCol="0">
+              <a:spAutoFit/>
+            </a:bodyPr>
+            <a:lstStyle/>
+            <a:p>
+              <a:r>
+                <a:rPr lang="en-US" sz="1600" dirty="0" smtClean="0"/>
+                <a:t>Faster</a:t>
+              </a:r>
+              <a:endParaRPr lang="en-US" sz="1600" dirty="0"/>
+            </a:p>
+          </p:txBody>
+        </p:sp>
+        <p:sp>
+          <p:nvSpPr>
+            <p:cNvPr id="35" name="TextBox 34"/>
+            <p:cNvSpPr txBox="1"/>
+            <p:nvPr/>
+          </p:nvSpPr>
+          <p:spPr>
+            <a:xfrm>
+              <a:off x="194221" y="3551139"/>
+              <a:ext cx="917027" cy="338554"/>
+            </a:xfrm>
+            <a:prstGeom prst="rect">
+              <a:avLst/>
+            </a:prstGeom>
+            <a:noFill/>
+          </p:spPr>
+          <p:txBody>
+            <a:bodyPr wrap="square" rtlCol="0">
+              <a:spAutoFit/>
+            </a:bodyPr>
+            <a:lstStyle/>
+            <a:p>
+              <a:r>
+                <a:rPr lang="en-US" sz="1600" dirty="0" smtClean="0"/>
+                <a:t>Slower</a:t>
+              </a:r>
+              <a:endParaRPr lang="en-US" sz="1600" dirty="0"/>
+            </a:p>
+          </p:txBody>
+        </p:sp>
+        <p:cxnSp>
+          <p:nvCxnSpPr>
+            <p:cNvPr id="36" name="Straight Arrow Connector 35"/>
+            <p:cNvCxnSpPr/>
+            <p:nvPr/>
+          </p:nvCxnSpPr>
+          <p:spPr>
+            <a:xfrm flipH="1">
+              <a:off x="338668" y="3581400"/>
+              <a:ext cx="545699" cy="0"/>
+            </a:xfrm>
+            <a:prstGeom prst="straightConnector1">
+              <a:avLst/>
+            </a:prstGeom>
+            <a:ln>
+              <a:solidFill>
+                <a:schemeClr val="tx1"/>
+              </a:solidFill>
+              <a:headEnd type="none"/>
+              <a:tailEnd type="triangle" w="lg" len="lg"/>
+            </a:ln>
+            <a:effectLst/>
+          </p:spPr>
+          <p:style>
+            <a:lnRef idx="2">
+              <a:schemeClr val="accent4"/>
+            </a:lnRef>
+            <a:fillRef idx="0">
+              <a:schemeClr val="accent4"/>
+            </a:fillRef>
+            <a:effectRef idx="1">
+              <a:schemeClr val="accent4"/>
+            </a:effectRef>
+            <a:fontRef idx="minor">
+              <a:schemeClr val="tx1"/>
+            </a:fontRef>
+          </p:style>
+        </p:cxnSp>
+      </p:grpSp>
+    </p:spTree>
+    <p:extLst>
+      <p:ext uri="{BB962C8B-B14F-4D97-AF65-F5344CB8AC3E}">
+        <p14:creationId xmlns:p14="http://schemas.microsoft.com/office/powerpoint/2010/main" val="2082483610"/>
+      </p:ext>
+    </p:extLst>
+  </p:cSld>
+  <p:clrMapOvr>
+    <a:masterClrMapping/>
+  </p:clrMapOvr>
+  <p:timing>
+    <p:tnLst>
+      <p:par>
+        <p:cTn xmlns:p14="http://schemas.microsoft.com/office/powerpoint/2010/main" id="1" dur="indefinite" restart="never" nodeType="tmRoot">
+          <p:childTnLst>
+            <p:seq concurrent="1" nextAc="seek">
+              <p:cTn id="2" dur="indefinite" nodeType="mainSeq">
+                <p:childTnLst>
+                  <p:par>
+                    <p:cTn id="3" fill="hold">
+                      <p:stCondLst>
+                        <p:cond delay="indefinite"/>
+                      </p:stCondLst>
+                      <p:childTnLst>
+                        <p:par>
+                          <p:cTn id="4" fill="hold">
+                            <p:stCondLst>
+                              <p:cond delay="0"/>
+                            </p:stCondLst>
+                            <p:childTnLst>
+                              <p:par>
+                                <p:cTn id="5" presetID="1" presetClass="entr" presetSubtype="0" fill="hold" nodeType="clickEffect">
+                                  <p:stCondLst>
+                                    <p:cond delay="0"/>
+                                  </p:stCondLst>
+                                  <p:childTnLst>
+                                    <p:set>
+                                      <p:cBhvr>
+                                        <p:cTn id="6" dur="1" fill="hold">
+                                          <p:stCondLst>
+                                            <p:cond delay="0"/>
+                                          </p:stCondLst>
+                                        </p:cTn>
+                                        <p:tgtEl>
+                                          <p:spTgt spid="21"/>
+                                        </p:tgtEl>
+                                        <p:attrNameLst>
+                                          <p:attrName>style.visibility</p:attrName>
+                                        </p:attrNameLst>
+                                      </p:cBhvr>
+                                      <p:to>
+                                        <p:strVal val="visible"/>
+                                      </p:to>
+                                    </p:set>
+                                  </p:childTnLst>
+                                </p:cTn>
+                              </p:par>
+                            </p:childTnLst>
+                          </p:cTn>
+                        </p:par>
+                      </p:childTnLst>
+                    </p:cTn>
+                  </p:par>
+                  <p:par>
+                    <p:cTn id="7" fill="hold">
+                      <p:stCondLst>
+                        <p:cond delay="indefinite"/>
+                      </p:stCondLst>
+                      <p:childTnLst>
+                        <p:par>
+                          <p:cTn id="8" fill="hold">
+                            <p:stCondLst>
+                              <p:cond delay="0"/>
+                            </p:stCondLst>
+                            <p:childTnLst>
+                              <p:par>
+                                <p:cTn id="9" presetID="1" presetClass="entr" presetSubtype="0" fill="hold" nodeType="clickEffect">
+                                  <p:stCondLst>
+                                    <p:cond delay="0"/>
+                                  </p:stCondLst>
+                                  <p:childTnLst>
+                                    <p:set>
+                                      <p:cBhvr>
+                                        <p:cTn id="10" dur="1" fill="hold">
+                                          <p:stCondLst>
+                                            <p:cond delay="0"/>
+                                          </p:stCondLst>
+                                        </p:cTn>
+                                        <p:tgtEl>
+                                          <p:spTgt spid="4"/>
+                                        </p:tgtEl>
+                                        <p:attrNameLst>
+                                          <p:attrName>style.visibility</p:attrName>
+                                        </p:attrNameLst>
+                                      </p:cBhvr>
+                                      <p:to>
+                                        <p:strVal val="visible"/>
+                                      </p:to>
+                                    </p:set>
+                                  </p:childTnLst>
+                                </p:cTn>
+                              </p:par>
+                            </p:childTnLst>
+                          </p:cTn>
+                        </p:par>
+                      </p:childTnLst>
+                    </p:cTn>
+                  </p:par>
+                  <p:par>
+                    <p:cTn id="11" fill="hold">
+                      <p:stCondLst>
+                        <p:cond delay="indefinite"/>
+                      </p:stCondLst>
+                      <p:childTnLst>
+                        <p:par>
+                          <p:cTn id="12" fill="hold">
+                            <p:stCondLst>
+                              <p:cond delay="0"/>
+                            </p:stCondLst>
+                            <p:childTnLst>
+                              <p:par>
+                                <p:cTn id="13" presetID="1" presetClass="entr" presetSubtype="0" fill="hold" nodeType="clickEffect">
+                                  <p:stCondLst>
+                                    <p:cond delay="0"/>
+                                  </p:stCondLst>
+                                  <p:childTnLst>
+                                    <p:set>
+                                      <p:cBhvr>
+                                        <p:cTn id="14" dur="1" fill="hold">
+                                          <p:stCondLst>
+                                            <p:cond delay="0"/>
+                                          </p:stCondLst>
+                                        </p:cTn>
+                                        <p:tgtEl>
+                                          <p:spTgt spid="17"/>
+                                        </p:tgtEl>
+                                        <p:attrNameLst>
+                                          <p:attrName>style.visibility</p:attrName>
+                                        </p:attrNameLst>
+                                      </p:cBhvr>
+                                      <p:to>
+                                        <p:strVal val="visible"/>
+                                      </p:to>
+                                    </p:set>
+                                  </p:childTnLst>
+                                </p:cTn>
+                              </p:par>
+                            </p:childTnLst>
+                          </p:cTn>
+                        </p:par>
+                      </p:childTnLst>
+                    </p:cTn>
+                  </p:par>
+                  <p:par>
+                    <p:cTn id="15" fill="hold">
+                      <p:stCondLst>
+                        <p:cond delay="indefinite"/>
+                      </p:stCondLst>
+                      <p:childTnLst>
+                        <p:par>
+                          <p:cTn id="16" fill="hold">
+                            <p:stCondLst>
+                              <p:cond delay="0"/>
+                            </p:stCondLst>
+                            <p:childTnLst>
+                              <p:par>
+                                <p:cTn id="17" presetID="1" presetClass="entr" presetSubtype="0" fill="hold" nodeType="clickEffect">
+                                  <p:stCondLst>
+                                    <p:cond delay="0"/>
+                                  </p:stCondLst>
+                                  <p:childTnLst>
+                                    <p:set>
+                                      <p:cBhvr>
+                                        <p:cTn id="18" dur="1" fill="hold">
+                                          <p:stCondLst>
+                                            <p:cond delay="0"/>
+                                          </p:stCondLst>
+                                        </p:cTn>
+                                        <p:tgtEl>
+                                          <p:spTgt spid="39"/>
+                                        </p:tgtEl>
+                                        <p:attrNameLst>
+                                          <p:attrName>style.visibility</p:attrName>
+                                        </p:attrNameLst>
+                                      </p:cBhvr>
+                                      <p:to>
+                                        <p:strVal val="visible"/>
+                                      </p:to>
+                                    </p:set>
+                                  </p:childTnLst>
+                                </p:cTn>
+                              </p:par>
+                            </p:childTnLst>
+                          </p:cTn>
+                        </p:par>
+                      </p:childTnLst>
+                    </p:cTn>
+                  </p:par>
+                </p:childTnLst>
+              </p:cTn>
+              <p:prevCondLst>
+                <p:cond evt="onPrev" delay="0">
+                  <p:tgtEl>
+                    <p:sldTgt/>
+                  </p:tgtEl>
+                </p:cond>
+              </p:prevCondLst>
+              <p:nextCondLst>
+                <p:cond evt="onNext" delay="0">
+                  <p:tgtEl>
+                    <p:sldTgt/>
+                  </p:tgtEl>
+                </p:cond>
+              </p:nextCondLst>
+            </p:seq>
+          </p:childTnLst>
+        </p:cTn>
+      </p:par>
+    </p:tnLst>
+  </p:timing>
+</p:sld>
+</file>
+
+<file path=ppt/slides/slide12.xml><?xml version="1.0" encoding="utf-8"?>
+<p:sld xmlns:a="http://schemas.openxmlformats.org/drawingml/2006/main" xmlns:r="http://schemas.openxmlformats.org/officeDocument/2006/relationships" xmlns:p="http://schemas.openxmlformats.org/presentationml/2006/main">
+  <p:cSld>
+    <p:spTree>
+      <p:nvGrpSpPr>
+        <p:cNvPr id="1" name=""/>
+        <p:cNvGrpSpPr/>
+        <p:nvPr/>
+      </p:nvGrpSpPr>
+      <p:grpSpPr>
+        <a:xfrm>
+          <a:off x="0" y="0"/>
+          <a:ext cx="0" cy="0"/>
+          <a:chOff x="0" y="0"/>
+          <a:chExt cx="0" cy="0"/>
+        </a:xfrm>
+      </p:grpSpPr>
+      <p:sp>
+        <p:nvSpPr>
           <p:cNvPr id="2" name="Title 1"/>
           <p:cNvSpPr>
             <a:spLocks noGrp="1"/>
@@ -4143,9 +5374,7 @@
           </a:xfrm>
         </p:spPr>
         <p:txBody>
-          <a:bodyPr>
-            <a:normAutofit/>
-          </a:bodyPr>
+          <a:bodyPr/>
           <a:lstStyle/>
           <a:p>
             <a:pPr algn="l"/>
@@ -4154,7 +5383,7 @@
                 <a:latin typeface="PT Sans"/>
                 <a:cs typeface="PT Sans"/>
               </a:rPr>
-              <a:t>Controlling CPU bandwidth</a:t>
+              <a:t>Outline</a:t>
             </a:r>
             <a:endParaRPr lang="en-US" b="1" dirty="0">
               <a:latin typeface="PT Sans"/>
@@ -4179,50 +5408,109 @@
           <a:lstStyle/>
           <a:p>
             <a:r>
-              <a:rPr lang="en-US" dirty="0" err="1" smtClean="0">
-                <a:latin typeface="PT Sans"/>
-                <a:cs typeface="PT Sans"/>
-              </a:rPr>
-              <a:t>Docker</a:t>
-            </a:r>
-            <a:r>
               <a:rPr lang="en-US" dirty="0" smtClean="0">
                 <a:latin typeface="PT Sans"/>
                 <a:cs typeface="PT Sans"/>
               </a:rPr>
-              <a:t> (</a:t>
-            </a:r>
-            <a:r>
-              <a:rPr lang="en-US" dirty="0" err="1" smtClean="0">
-                <a:latin typeface="PT Sans"/>
-                <a:cs typeface="PT Sans"/>
-              </a:rPr>
-              <a:t>cgroups</a:t>
-            </a:r>
-            <a:r>
-              <a:rPr lang="en-US" dirty="0">
-                <a:latin typeface="PT Sans"/>
-                <a:cs typeface="PT Sans"/>
-              </a:rPr>
-              <a:t>)</a:t>
+              <a:t>Problem </a:t>
             </a:r>
             <a:r>
               <a:rPr lang="en-US" dirty="0" smtClean="0">
                 <a:latin typeface="PT Sans"/>
                 <a:cs typeface="PT Sans"/>
               </a:rPr>
-              <a:t> exposes some parameters of Linux’s CFS scheduler.</a:t>
-            </a:r>
-          </a:p>
-          <a:p>
-            <a:pPr lvl="1"/>
+              <a:t>Definition.</a:t>
+            </a:r>
+            <a:endParaRPr lang="en-US" dirty="0" smtClean="0">
+              <a:latin typeface="PT Sans"/>
+              <a:cs typeface="PT Sans"/>
+            </a:endParaRPr>
+          </a:p>
+          <a:p>
             <a:r>
               <a:rPr lang="en-US" dirty="0" smtClean="0">
                 <a:latin typeface="PT Sans"/>
                 <a:cs typeface="PT Sans"/>
               </a:rPr>
-              <a:t>Can specify quota/period for a container.</a:t>
-            </a:r>
+              <a:t>Characterize performance of a </a:t>
+            </a:r>
+            <a:r>
+              <a:rPr lang="en-US" dirty="0" smtClean="0">
+                <a:latin typeface="PT Sans"/>
+                <a:cs typeface="PT Sans"/>
+              </a:rPr>
+              <a:t>machine.</a:t>
+            </a:r>
+            <a:endParaRPr lang="en-US" dirty="0" smtClean="0">
+              <a:latin typeface="PT Sans"/>
+              <a:cs typeface="PT Sans"/>
+            </a:endParaRPr>
+          </a:p>
+          <a:p>
+            <a:r>
+              <a:rPr lang="en-US" dirty="0" smtClean="0">
+                <a:latin typeface="PT Sans"/>
+                <a:cs typeface="PT Sans"/>
+              </a:rPr>
+              <a:t>Quantify variability across </a:t>
+            </a:r>
+            <a:r>
+              <a:rPr lang="en-US" dirty="0" smtClean="0">
+                <a:latin typeface="PT Sans"/>
+                <a:cs typeface="PT Sans"/>
+              </a:rPr>
+              <a:t>machines.</a:t>
+            </a:r>
+            <a:endParaRPr lang="en-US" dirty="0" smtClean="0">
+              <a:latin typeface="PT Sans"/>
+              <a:cs typeface="PT Sans"/>
+            </a:endParaRPr>
+          </a:p>
+          <a:p>
+            <a:r>
+              <a:rPr lang="en-US" b="1" dirty="0" smtClean="0">
+                <a:latin typeface="PT Sans"/>
+                <a:cs typeface="PT Sans"/>
+              </a:rPr>
+              <a:t>Reduce variability using </a:t>
+            </a:r>
+            <a:r>
+              <a:rPr lang="en-US" b="1" dirty="0" smtClean="0">
+                <a:latin typeface="PT Sans"/>
+                <a:cs typeface="PT Sans"/>
+              </a:rPr>
+              <a:t>containers.</a:t>
+            </a:r>
+            <a:endParaRPr lang="en-US" b="1" dirty="0" smtClean="0">
+              <a:latin typeface="PT Sans"/>
+              <a:cs typeface="PT Sans"/>
+            </a:endParaRPr>
+          </a:p>
+          <a:p>
+            <a:r>
+              <a:rPr lang="en-US" dirty="0" smtClean="0">
+                <a:latin typeface="PT Sans"/>
+                <a:cs typeface="PT Sans"/>
+              </a:rPr>
+              <a:t>Next </a:t>
+            </a:r>
+            <a:r>
+              <a:rPr lang="en-US" dirty="0" smtClean="0">
+                <a:latin typeface="PT Sans"/>
+                <a:cs typeface="PT Sans"/>
+              </a:rPr>
+              <a:t>steps.</a:t>
+            </a:r>
+            <a:endParaRPr lang="en-US" dirty="0" smtClean="0">
+              <a:latin typeface="PT Sans"/>
+              <a:cs typeface="PT Sans"/>
+            </a:endParaRPr>
+          </a:p>
+          <a:p>
+            <a:endParaRPr lang="en-US" dirty="0">
+              <a:latin typeface="PT Sans"/>
+              <a:cs typeface="PT Sans"/>
+            </a:endParaRPr>
           </a:p>
         </p:txBody>
       </p:sp>
@@ -4243,7 +5531,530 @@
           <a:p>
             <a:fld id="{FA8338FA-16C6-9C42-9987-80EFEA67B0E4}" type="slidenum">
               <a:rPr lang="en-US" smtClean="0"/>
-              <a:t>11</a:t>
+              <a:t>12</a:t>
+            </a:fld>
+            <a:endParaRPr lang="en-US"/>
+          </a:p>
+        </p:txBody>
+      </p:sp>
+    </p:spTree>
+    <p:extLst>
+      <p:ext uri="{BB962C8B-B14F-4D97-AF65-F5344CB8AC3E}">
+        <p14:creationId xmlns:p14="http://schemas.microsoft.com/office/powerpoint/2010/main" val="1853956116"/>
+      </p:ext>
+    </p:extLst>
+  </p:cSld>
+  <p:clrMapOvr>
+    <a:masterClrMapping/>
+  </p:clrMapOvr>
+  <p:timing>
+    <p:tnLst>
+      <p:par>
+        <p:cTn xmlns:p14="http://schemas.microsoft.com/office/powerpoint/2010/main" id="1" dur="indefinite" restart="never" nodeType="tmRoot"/>
+      </p:par>
+    </p:tnLst>
+  </p:timing>
+</p:sld>
+</file>
+
+<file path=ppt/slides/slide13.xml><?xml version="1.0" encoding="utf-8"?>
+<p:sld xmlns:a="http://schemas.openxmlformats.org/drawingml/2006/main" xmlns:r="http://schemas.openxmlformats.org/officeDocument/2006/relationships" xmlns:p="http://schemas.openxmlformats.org/presentationml/2006/main">
+  <p:cSld>
+    <p:spTree>
+      <p:nvGrpSpPr>
+        <p:cNvPr id="1" name=""/>
+        <p:cNvGrpSpPr/>
+        <p:nvPr/>
+      </p:nvGrpSpPr>
+      <p:grpSpPr>
+        <a:xfrm>
+          <a:off x="0" y="0"/>
+          <a:ext cx="0" cy="0"/>
+          <a:chOff x="0" y="0"/>
+          <a:chExt cx="0" cy="0"/>
+        </a:xfrm>
+      </p:grpSpPr>
+      <p:sp>
+        <p:nvSpPr>
+          <p:cNvPr id="2" name="Title 1"/>
+          <p:cNvSpPr>
+            <a:spLocks noGrp="1"/>
+          </p:cNvSpPr>
+          <p:nvPr>
+            <p:ph type="title"/>
+          </p:nvPr>
+        </p:nvSpPr>
+        <p:spPr/>
+        <p:txBody>
+          <a:bodyPr>
+            <a:normAutofit/>
+          </a:bodyPr>
+          <a:lstStyle/>
+          <a:p>
+            <a:pPr algn="l"/>
+            <a:r>
+              <a:rPr lang="en-US" sz="4000" b="1" dirty="0" smtClean="0">
+                <a:latin typeface="PT Sans"/>
+                <a:cs typeface="PT Sans"/>
+              </a:rPr>
+              <a:t>Environmental Variables</a:t>
+            </a:r>
+            <a:endParaRPr lang="en-US" sz="4000" b="1" dirty="0">
+              <a:latin typeface="PT Sans"/>
+              <a:cs typeface="PT Sans"/>
+            </a:endParaRPr>
+          </a:p>
+        </p:txBody>
+      </p:sp>
+      <p:sp>
+        <p:nvSpPr>
+          <p:cNvPr id="4" name="Content Placeholder 3"/>
+          <p:cNvSpPr>
+            <a:spLocks noGrp="1"/>
+          </p:cNvSpPr>
+          <p:nvPr>
+            <p:ph idx="1"/>
+          </p:nvPr>
+        </p:nvSpPr>
+        <p:spPr/>
+        <p:txBody>
+          <a:bodyPr>
+            <a:normAutofit/>
+          </a:bodyPr>
+          <a:lstStyle/>
+          <a:p>
+            <a:r>
+              <a:rPr lang="en-US" dirty="0" smtClean="0">
+                <a:latin typeface="PT Sans"/>
+                <a:cs typeface="PT Sans"/>
+              </a:rPr>
+              <a:t>Variables in our scenario:</a:t>
+            </a:r>
+          </a:p>
+          <a:p>
+            <a:pPr marL="971550" lvl="1" indent="-514350">
+              <a:buFont typeface="+mj-lt"/>
+              <a:buAutoNum type="arabicPeriod"/>
+            </a:pPr>
+            <a:r>
+              <a:rPr lang="en-US" dirty="0">
+                <a:latin typeface="PT Sans"/>
+                <a:cs typeface="PT Sans"/>
+              </a:rPr>
+              <a:t>T</a:t>
+            </a:r>
+            <a:r>
+              <a:rPr lang="en-US" dirty="0" smtClean="0">
+                <a:latin typeface="PT Sans"/>
+                <a:cs typeface="PT Sans"/>
+              </a:rPr>
+              <a:t>ime spent on a CPU subsystem (e.g. FPU).</a:t>
+            </a:r>
+            <a:endParaRPr lang="en-US" dirty="0" smtClean="0">
+              <a:latin typeface="PT Sans"/>
+              <a:cs typeface="PT Sans"/>
+            </a:endParaRPr>
+          </a:p>
+          <a:p>
+            <a:pPr marL="971550" lvl="1" indent="-514350">
+              <a:buFont typeface="+mj-lt"/>
+              <a:buAutoNum type="arabicPeriod"/>
+            </a:pPr>
+            <a:r>
+              <a:rPr lang="en-US" dirty="0" smtClean="0">
+                <a:latin typeface="PT Sans"/>
+                <a:cs typeface="PT Sans"/>
+              </a:rPr>
+              <a:t>Memory bandwidth.</a:t>
+            </a:r>
+          </a:p>
+          <a:p>
+            <a:pPr marL="971550" lvl="1" indent="-514350">
+              <a:buFont typeface="+mj-lt"/>
+              <a:buAutoNum type="arabicPeriod"/>
+            </a:pPr>
+            <a:r>
+              <a:rPr lang="en-US" dirty="0" smtClean="0">
+                <a:latin typeface="PT Sans"/>
+                <a:cs typeface="PT Sans"/>
+              </a:rPr>
+              <a:t>Compiler flags.</a:t>
+            </a:r>
+          </a:p>
+          <a:p>
+            <a:r>
+              <a:rPr lang="en-US" dirty="0" smtClean="0">
+                <a:latin typeface="PT Sans"/>
+                <a:cs typeface="PT Sans"/>
+              </a:rPr>
+              <a:t>Can’t control</a:t>
+            </a:r>
+            <a:r>
+              <a:rPr lang="en-US" dirty="0" smtClean="0">
+                <a:latin typeface="PT Sans"/>
+                <a:cs typeface="PT Sans"/>
+              </a:rPr>
+              <a:t>: 2</a:t>
+            </a:r>
+            <a:endParaRPr lang="en-US" dirty="0" smtClean="0">
+              <a:latin typeface="PT Sans"/>
+              <a:cs typeface="PT Sans"/>
+            </a:endParaRPr>
+          </a:p>
+          <a:p>
+            <a:r>
+              <a:rPr lang="en-US" dirty="0" smtClean="0">
+                <a:latin typeface="PT Sans"/>
+                <a:cs typeface="PT Sans"/>
+              </a:rPr>
+              <a:t>Can </a:t>
+            </a:r>
+            <a:r>
+              <a:rPr lang="en-US" dirty="0" smtClean="0">
+                <a:latin typeface="PT Sans"/>
+                <a:cs typeface="PT Sans"/>
+              </a:rPr>
+              <a:t>control</a:t>
+            </a:r>
+            <a:r>
+              <a:rPr lang="en-US" dirty="0" smtClean="0">
+                <a:latin typeface="PT Sans"/>
+                <a:cs typeface="PT Sans"/>
+              </a:rPr>
+              <a:t>: 3</a:t>
+            </a:r>
+          </a:p>
+          <a:p>
+            <a:r>
+              <a:rPr lang="en-US" dirty="0" smtClean="0">
+                <a:latin typeface="PT Sans"/>
+                <a:cs typeface="PT Sans"/>
+              </a:rPr>
+              <a:t>Partially control: 1</a:t>
+            </a:r>
+          </a:p>
+          <a:p>
+            <a:pPr lvl="1"/>
+            <a:r>
+              <a:rPr lang="en-US" dirty="0" smtClean="0">
+                <a:latin typeface="PT Sans"/>
+                <a:cs typeface="PT Sans"/>
+              </a:rPr>
+              <a:t>Time spent on CPU (overall).</a:t>
+            </a:r>
+            <a:endParaRPr lang="en-US" dirty="0" smtClean="0">
+              <a:latin typeface="PT Sans"/>
+              <a:cs typeface="PT Sans"/>
+            </a:endParaRPr>
+          </a:p>
+          <a:p>
+            <a:endParaRPr lang="en-US" dirty="0">
+              <a:latin typeface="PT Sans"/>
+              <a:cs typeface="PT Sans"/>
+            </a:endParaRPr>
+          </a:p>
+        </p:txBody>
+      </p:sp>
+      <p:sp>
+        <p:nvSpPr>
+          <p:cNvPr id="3" name="Slide Number Placeholder 2"/>
+          <p:cNvSpPr>
+            <a:spLocks noGrp="1"/>
+          </p:cNvSpPr>
+          <p:nvPr>
+            <p:ph type="sldNum" sz="quarter" idx="12"/>
+          </p:nvPr>
+        </p:nvSpPr>
+        <p:spPr/>
+        <p:txBody>
+          <a:bodyPr/>
+          <a:lstStyle/>
+          <a:p>
+            <a:fld id="{FA8338FA-16C6-9C42-9987-80EFEA67B0E4}" type="slidenum">
+              <a:rPr lang="en-US" smtClean="0"/>
+              <a:t>13</a:t>
+            </a:fld>
+            <a:endParaRPr lang="en-US"/>
+          </a:p>
+        </p:txBody>
+      </p:sp>
+    </p:spTree>
+    <p:extLst>
+      <p:ext uri="{BB962C8B-B14F-4D97-AF65-F5344CB8AC3E}">
+        <p14:creationId xmlns:p14="http://schemas.microsoft.com/office/powerpoint/2010/main" val="2452108615"/>
+      </p:ext>
+    </p:extLst>
+  </p:cSld>
+  <p:clrMapOvr>
+    <a:masterClrMapping/>
+  </p:clrMapOvr>
+  <p:timing>
+    <p:tnLst>
+      <p:par>
+        <p:cTn xmlns:p14="http://schemas.microsoft.com/office/powerpoint/2010/main" id="1" dur="indefinite" restart="never" nodeType="tmRoot"/>
+      </p:par>
+    </p:tnLst>
+  </p:timing>
+</p:sld>
+</file>
+
+<file path=ppt/slides/slide14.xml><?xml version="1.0" encoding="utf-8"?>
+<p:sld xmlns:a="http://schemas.openxmlformats.org/drawingml/2006/main" xmlns:r="http://schemas.openxmlformats.org/officeDocument/2006/relationships" xmlns:p="http://schemas.openxmlformats.org/presentationml/2006/main">
+  <p:cSld>
+    <p:spTree>
+      <p:nvGrpSpPr>
+        <p:cNvPr id="1" name=""/>
+        <p:cNvGrpSpPr/>
+        <p:nvPr/>
+      </p:nvGrpSpPr>
+      <p:grpSpPr>
+        <a:xfrm>
+          <a:off x="0" y="0"/>
+          <a:ext cx="0" cy="0"/>
+          <a:chOff x="0" y="0"/>
+          <a:chExt cx="0" cy="0"/>
+        </a:xfrm>
+      </p:grpSpPr>
+      <p:sp>
+        <p:nvSpPr>
+          <p:cNvPr id="2" name="Title 1"/>
+          <p:cNvSpPr>
+            <a:spLocks noGrp="1"/>
+          </p:cNvSpPr>
+          <p:nvPr>
+            <p:ph type="title"/>
+          </p:nvPr>
+        </p:nvSpPr>
+        <p:spPr/>
+        <p:txBody>
+          <a:bodyPr>
+            <a:normAutofit/>
+          </a:bodyPr>
+          <a:lstStyle/>
+          <a:p>
+            <a:pPr algn="l"/>
+            <a:r>
+              <a:rPr lang="en-US" sz="4000" b="1" dirty="0" smtClean="0">
+                <a:latin typeface="PT Sans"/>
+                <a:cs typeface="PT Sans"/>
+              </a:rPr>
+              <a:t>Period-based CPU bandwidth control</a:t>
+            </a:r>
+            <a:endParaRPr lang="en-US" sz="4000" b="1" dirty="0">
+              <a:latin typeface="PT Sans"/>
+              <a:cs typeface="PT Sans"/>
+            </a:endParaRPr>
+          </a:p>
+        </p:txBody>
+      </p:sp>
+      <p:sp>
+        <p:nvSpPr>
+          <p:cNvPr id="3" name="Slide Number Placeholder 2"/>
+          <p:cNvSpPr>
+            <a:spLocks noGrp="1"/>
+          </p:cNvSpPr>
+          <p:nvPr>
+            <p:ph type="sldNum" sz="quarter" idx="12"/>
+          </p:nvPr>
+        </p:nvSpPr>
+        <p:spPr/>
+        <p:txBody>
+          <a:bodyPr/>
+          <a:lstStyle/>
+          <a:p>
+            <a:fld id="{FA8338FA-16C6-9C42-9987-80EFEA67B0E4}" type="slidenum">
+              <a:rPr lang="en-US" smtClean="0"/>
+              <a:t>14</a:t>
+            </a:fld>
+            <a:endParaRPr lang="en-US"/>
+          </a:p>
+        </p:txBody>
+      </p:sp>
+      <p:pic>
+        <p:nvPicPr>
+          <p:cNvPr id="7" name="Picture 6" descr="IMG_20160517_114129.jpg"/>
+          <p:cNvPicPr>
+            <a:picLocks noChangeAspect="1"/>
+          </p:cNvPicPr>
+          <p:nvPr/>
+        </p:nvPicPr>
+        <p:blipFill>
+          <a:blip r:embed="rId2">
+            <a:extLst>
+              <a:ext uri="{28A0092B-C50C-407E-A947-70E740481C1C}">
+                <a14:useLocalDpi xmlns:a14="http://schemas.microsoft.com/office/drawing/2010/main" val="0"/>
+              </a:ext>
+            </a:extLst>
+          </a:blip>
+          <a:stretch>
+            <a:fillRect/>
+          </a:stretch>
+        </p:blipFill>
+        <p:spPr>
+          <a:xfrm>
+            <a:off x="541865" y="1272702"/>
+            <a:ext cx="7349068" cy="5455270"/>
+          </a:xfrm>
+          <a:prstGeom prst="rect">
+            <a:avLst/>
+          </a:prstGeom>
+        </p:spPr>
+      </p:pic>
+    </p:spTree>
+    <p:extLst>
+      <p:ext uri="{BB962C8B-B14F-4D97-AF65-F5344CB8AC3E}">
+        <p14:creationId xmlns:p14="http://schemas.microsoft.com/office/powerpoint/2010/main" val="2552000211"/>
+      </p:ext>
+    </p:extLst>
+  </p:cSld>
+  <p:clrMapOvr>
+    <a:masterClrMapping/>
+  </p:clrMapOvr>
+  <p:timing>
+    <p:tnLst>
+      <p:par>
+        <p:cTn xmlns:p14="http://schemas.microsoft.com/office/powerpoint/2010/main" id="1" dur="indefinite" restart="never" nodeType="tmRoot"/>
+      </p:par>
+    </p:tnLst>
+  </p:timing>
+</p:sld>
+</file>
+
+<file path=ppt/slides/slide15.xml><?xml version="1.0" encoding="utf-8"?>
+<p:sld xmlns:a="http://schemas.openxmlformats.org/drawingml/2006/main" xmlns:r="http://schemas.openxmlformats.org/officeDocument/2006/relationships" xmlns:p="http://schemas.openxmlformats.org/presentationml/2006/main">
+  <p:cSld>
+    <p:spTree>
+      <p:nvGrpSpPr>
+        <p:cNvPr id="1" name=""/>
+        <p:cNvGrpSpPr/>
+        <p:nvPr/>
+      </p:nvGrpSpPr>
+      <p:grpSpPr>
+        <a:xfrm>
+          <a:off x="0" y="0"/>
+          <a:ext cx="0" cy="0"/>
+          <a:chOff x="0" y="0"/>
+          <a:chExt cx="0" cy="0"/>
+        </a:xfrm>
+      </p:grpSpPr>
+      <p:sp>
+        <p:nvSpPr>
+          <p:cNvPr id="2" name="Title 1"/>
+          <p:cNvSpPr>
+            <a:spLocks noGrp="1"/>
+          </p:cNvSpPr>
+          <p:nvPr>
+            <p:ph type="title"/>
+          </p:nvPr>
+        </p:nvSpPr>
+        <p:spPr>
+          <a:xfrm>
+            <a:off x="457200" y="274638"/>
+            <a:ext cx="8229600" cy="1143000"/>
+          </a:xfrm>
+        </p:spPr>
+        <p:txBody>
+          <a:bodyPr>
+            <a:normAutofit/>
+          </a:bodyPr>
+          <a:lstStyle/>
+          <a:p>
+            <a:pPr algn="l"/>
+            <a:r>
+              <a:rPr lang="en-US" b="1" dirty="0" smtClean="0">
+                <a:latin typeface="PT Sans"/>
+                <a:cs typeface="PT Sans"/>
+              </a:rPr>
+              <a:t>Controlling CPU bandwidth</a:t>
+            </a:r>
+            <a:endParaRPr lang="en-US" b="1" dirty="0">
+              <a:latin typeface="PT Sans"/>
+              <a:cs typeface="PT Sans"/>
+            </a:endParaRPr>
+          </a:p>
+        </p:txBody>
+      </p:sp>
+      <p:sp>
+        <p:nvSpPr>
+          <p:cNvPr id="4" name="Content Placeholder 3"/>
+          <p:cNvSpPr>
+            <a:spLocks noGrp="1"/>
+          </p:cNvSpPr>
+          <p:nvPr>
+            <p:ph idx="1"/>
+          </p:nvPr>
+        </p:nvSpPr>
+        <p:spPr/>
+        <p:txBody>
+          <a:bodyPr/>
+          <a:lstStyle/>
+          <a:p>
+            <a:r>
+              <a:rPr lang="en-US" dirty="0" err="1" smtClean="0">
+                <a:latin typeface="PT Sans"/>
+                <a:cs typeface="PT Sans"/>
+              </a:rPr>
+              <a:t>Docker</a:t>
+            </a:r>
+            <a:r>
+              <a:rPr lang="en-US" dirty="0" smtClean="0">
+                <a:latin typeface="PT Sans"/>
+                <a:cs typeface="PT Sans"/>
+              </a:rPr>
+              <a:t> (</a:t>
+            </a:r>
+            <a:r>
+              <a:rPr lang="en-US" dirty="0" err="1" smtClean="0">
+                <a:latin typeface="PT Sans"/>
+                <a:cs typeface="PT Sans"/>
+              </a:rPr>
+              <a:t>cgroups</a:t>
+            </a:r>
+            <a:r>
+              <a:rPr lang="en-US" dirty="0">
+                <a:latin typeface="PT Sans"/>
+                <a:cs typeface="PT Sans"/>
+              </a:rPr>
+              <a:t>)</a:t>
+            </a:r>
+            <a:r>
+              <a:rPr lang="en-US" dirty="0" smtClean="0">
+                <a:latin typeface="PT Sans"/>
+                <a:cs typeface="PT Sans"/>
+              </a:rPr>
+              <a:t> exposes some parameters of Linux’s CFS scheduler.</a:t>
+            </a:r>
+          </a:p>
+          <a:p>
+            <a:pPr lvl="1"/>
+            <a:r>
+              <a:rPr lang="en-US" dirty="0" smtClean="0">
+                <a:latin typeface="PT Sans"/>
+                <a:cs typeface="PT Sans"/>
+              </a:rPr>
+              <a:t>Can specify quota/period for a container.</a:t>
+            </a:r>
+          </a:p>
+        </p:txBody>
+      </p:sp>
+      <p:sp>
+        <p:nvSpPr>
+          <p:cNvPr id="3" name="Slide Number Placeholder 2"/>
+          <p:cNvSpPr>
+            <a:spLocks noGrp="1"/>
+          </p:cNvSpPr>
+          <p:nvPr>
+            <p:ph type="sldNum" sz="quarter" idx="12"/>
+          </p:nvPr>
+        </p:nvSpPr>
+        <p:spPr/>
+        <p:txBody>
+          <a:bodyPr/>
+          <a:lstStyle/>
+          <a:p>
+            <a:fld id="{FA8338FA-16C6-9C42-9987-80EFEA67B0E4}" type="slidenum">
+              <a:rPr lang="en-US" smtClean="0"/>
+              <a:t>15</a:t>
             </a:fld>
             <a:endParaRPr lang="en-US"/>
           </a:p>
@@ -4279,6 +6090,109 @@
           </a:prstGeom>
         </p:spPr>
       </p:pic>
+      <p:sp>
+        <p:nvSpPr>
+          <p:cNvPr id="6" name="Rectangle 5"/>
+          <p:cNvSpPr/>
+          <p:nvPr/>
+        </p:nvSpPr>
+        <p:spPr>
+          <a:xfrm>
+            <a:off x="1400713" y="6405035"/>
+            <a:ext cx="6561975" cy="307777"/>
+          </a:xfrm>
+          <a:prstGeom prst="rect">
+            <a:avLst/>
+          </a:prstGeom>
+          <a:solidFill>
+            <a:schemeClr val="bg1"/>
+          </a:solidFill>
+          <a:ln>
+            <a:solidFill>
+              <a:schemeClr val="tx1"/>
+            </a:solidFill>
+          </a:ln>
+        </p:spPr>
+        <p:txBody>
+          <a:bodyPr wrap="none">
+            <a:spAutoFit/>
+          </a:bodyPr>
+          <a:lstStyle/>
+          <a:p>
+            <a:r>
+              <a:rPr lang="en-US" sz="1400" dirty="0" smtClean="0">
+                <a:solidFill>
+                  <a:prstClr val="black"/>
+                </a:solidFill>
+                <a:latin typeface="DejaVu Sans Mono"/>
+                <a:cs typeface="DejaVu Sans Mono"/>
+              </a:rPr>
+              <a:t>docker run --</a:t>
+            </a:r>
+            <a:r>
+              <a:rPr lang="en-US" sz="1400" dirty="0" err="1" smtClean="0">
+                <a:solidFill>
+                  <a:prstClr val="black"/>
+                </a:solidFill>
+                <a:latin typeface="DejaVu Sans Mono"/>
+                <a:cs typeface="DejaVu Sans Mono"/>
+              </a:rPr>
+              <a:t>cpu</a:t>
+            </a:r>
+            <a:r>
+              <a:rPr lang="en-US" sz="1400" dirty="0" smtClean="0">
+                <a:solidFill>
+                  <a:prstClr val="black"/>
+                </a:solidFill>
+                <a:latin typeface="DejaVu Sans Mono"/>
+                <a:cs typeface="DejaVu Sans Mono"/>
+              </a:rPr>
+              <a:t>-quota=X --</a:t>
+            </a:r>
+            <a:r>
+              <a:rPr lang="en-US" sz="1400" dirty="0" err="1" smtClean="0">
+                <a:solidFill>
+                  <a:prstClr val="black"/>
+                </a:solidFill>
+                <a:latin typeface="DejaVu Sans Mono"/>
+                <a:cs typeface="DejaVu Sans Mono"/>
+              </a:rPr>
+              <a:t>cpu</a:t>
+            </a:r>
+            <a:r>
+              <a:rPr lang="en-US" sz="1400" dirty="0" smtClean="0">
+                <a:solidFill>
+                  <a:prstClr val="black"/>
+                </a:solidFill>
+                <a:latin typeface="DejaVu Sans Mono"/>
+                <a:cs typeface="DejaVu Sans Mono"/>
+              </a:rPr>
+              <a:t>-period=100000 </a:t>
+            </a:r>
+            <a:r>
+              <a:rPr lang="en-US" sz="1400" dirty="0" err="1" smtClean="0">
+                <a:solidFill>
+                  <a:prstClr val="black"/>
+                </a:solidFill>
+                <a:latin typeface="DejaVu Sans Mono"/>
+                <a:cs typeface="DejaVu Sans Mono"/>
+              </a:rPr>
+              <a:t>ivotron</a:t>
+            </a:r>
+            <a:r>
+              <a:rPr lang="en-US" sz="1400" dirty="0" smtClean="0">
+                <a:solidFill>
+                  <a:prstClr val="black"/>
+                </a:solidFill>
+                <a:latin typeface="DejaVu Sans Mono"/>
+                <a:cs typeface="DejaVu Sans Mono"/>
+              </a:rPr>
+              <a:t>/crafty</a:t>
+            </a:r>
+            <a:endParaRPr lang="en-US" sz="2000" dirty="0"/>
+          </a:p>
+        </p:txBody>
+      </p:sp>
     </p:spTree>
     <p:extLst>
       <p:ext uri="{BB962C8B-B14F-4D97-AF65-F5344CB8AC3E}">
@@ -4367,7 +6281,7 @@
 </p:sld>
 </file>
 
-<file path=ppt/slides/slide12.xml><?xml version="1.0" encoding="utf-8"?>
+<file path=ppt/slides/slide16.xml><?xml version="1.0" encoding="utf-8"?>
 <p:sld xmlns:a="http://schemas.openxmlformats.org/drawingml/2006/main" xmlns:r="http://schemas.openxmlformats.org/officeDocument/2006/relationships" xmlns:p="http://schemas.openxmlformats.org/presentationml/2006/main">
   <p:cSld>
     <p:spTree>
@@ -4438,7 +6352,7 @@
           <a:p>
             <a:fld id="{FA8338FA-16C6-9C42-9987-80EFEA67B0E4}" type="slidenum">
               <a:rPr lang="en-US" smtClean="0"/>
-              <a:t>12</a:t>
+              <a:t>16</a:t>
             </a:fld>
             <a:endParaRPr lang="en-US"/>
           </a:p>
@@ -5032,7 +6946,7 @@
 </p:sld>
 </file>
 
-<file path=ppt/slides/slide13.xml><?xml version="1.0" encoding="utf-8"?>
+<file path=ppt/slides/slide17.xml><?xml version="1.0" encoding="utf-8"?>
 <p:sld xmlns:a="http://schemas.openxmlformats.org/drawingml/2006/main" xmlns:r="http://schemas.openxmlformats.org/officeDocument/2006/relationships" xmlns:p="http://schemas.openxmlformats.org/presentationml/2006/main">
   <p:cSld>
     <p:spTree>
@@ -5103,7 +7017,7 @@
           <a:p>
             <a:fld id="{FA8338FA-16C6-9C42-9987-80EFEA67B0E4}" type="slidenum">
               <a:rPr lang="en-US" smtClean="0"/>
-              <a:t>13</a:t>
+              <a:t>17</a:t>
             </a:fld>
             <a:endParaRPr lang="en-US"/>
           </a:p>
@@ -5131,7 +7045,7 @@
         </p:blipFill>
         <p:spPr>
           <a:xfrm>
-            <a:off x="0" y="2492714"/>
+            <a:off x="0" y="2678988"/>
             <a:ext cx="9144000" cy="3698536"/>
           </a:xfrm>
           <a:prstGeom prst="rect">
@@ -5417,7 +7331,7 @@
 </p:sld>
 </file>
 
-<file path=ppt/slides/slide14.xml><?xml version="1.0" encoding="utf-8"?>
+<file path=ppt/slides/slide18.xml><?xml version="1.0" encoding="utf-8"?>
 <p:sld xmlns:a="http://schemas.openxmlformats.org/drawingml/2006/main" xmlns:r="http://schemas.openxmlformats.org/officeDocument/2006/relationships" xmlns:p="http://schemas.openxmlformats.org/presentationml/2006/main">
   <p:cSld>
     <p:spTree>
@@ -5444,22 +7358,25 @@
             <p:ph type="title"/>
           </p:nvPr>
         </p:nvSpPr>
-        <p:spPr/>
-        <p:txBody>
-          <a:bodyPr>
-            <a:normAutofit/>
-          </a:bodyPr>
+        <p:spPr>
+          <a:xfrm>
+            <a:off x="457200" y="274638"/>
+            <a:ext cx="8229600" cy="1143000"/>
+          </a:xfrm>
+        </p:spPr>
+        <p:txBody>
+          <a:bodyPr/>
           <a:lstStyle/>
           <a:p>
             <a:pPr algn="l"/>
             <a:r>
-              <a:rPr lang="en-US" sz="4000" b="1" dirty="0" smtClean="0">
-                <a:latin typeface="PT Sans"/>
-                <a:cs typeface="PT Sans"/>
-              </a:rPr>
-              <a:t>Conclusion</a:t>
-            </a:r>
-            <a:endParaRPr lang="en-US" sz="4000" b="1" dirty="0">
+              <a:rPr lang="en-US" b="1" dirty="0" smtClean="0">
+                <a:latin typeface="PT Sans"/>
+                <a:cs typeface="PT Sans"/>
+              </a:rPr>
+              <a:t>Outline</a:t>
+            </a:r>
+            <a:endParaRPr lang="en-US" b="1" dirty="0">
               <a:latin typeface="PT Sans"/>
               <a:cs typeface="PT Sans"/>
             </a:endParaRPr>
@@ -5478,9 +7395,7 @@
         </p:nvSpPr>
         <p:spPr/>
         <p:txBody>
-          <a:bodyPr>
-            <a:normAutofit/>
-          </a:bodyPr>
+          <a:bodyPr/>
           <a:lstStyle/>
           <a:p>
             <a:r>
@@ -5488,17 +7403,19 @@
                 <a:latin typeface="PT Sans"/>
                 <a:cs typeface="PT Sans"/>
               </a:rPr>
-              <a:t>OS-level virtualization let’s us have control over environmental variables that affect application performance.</a:t>
-            </a:r>
-          </a:p>
-          <a:p>
+              <a:t>Problem </a:t>
+            </a:r>
             <a:r>
               <a:rPr lang="en-US" dirty="0" smtClean="0">
                 <a:latin typeface="PT Sans"/>
                 <a:cs typeface="PT Sans"/>
               </a:rPr>
-              <a:t>Limiting CPU bandwidth results in having predictable variability between machines.</a:t>
-            </a:r>
+              <a:t>Definition.</a:t>
+            </a:r>
+            <a:endParaRPr lang="en-US" dirty="0" smtClean="0">
+              <a:latin typeface="PT Sans"/>
+              <a:cs typeface="PT Sans"/>
+            </a:endParaRPr>
           </a:p>
           <a:p>
             <a:r>
@@ -5506,18 +7423,72 @@
                 <a:latin typeface="PT Sans"/>
                 <a:cs typeface="PT Sans"/>
               </a:rPr>
-              <a:t>Initial steps towards having new category of  “Controlled Experiments”.</a:t>
-            </a:r>
-          </a:p>
-          <a:p>
-            <a:pPr lvl="1"/>
+              <a:t>Characterize performance of a </a:t>
+            </a:r>
             <a:r>
               <a:rPr lang="en-US" dirty="0" smtClean="0">
                 <a:latin typeface="PT Sans"/>
                 <a:cs typeface="PT Sans"/>
               </a:rPr>
-              <a:t>Slow and predictable vs. fast and noisy</a:t>
-            </a:r>
+              <a:t>machine.</a:t>
+            </a:r>
+            <a:endParaRPr lang="en-US" dirty="0" smtClean="0">
+              <a:latin typeface="PT Sans"/>
+              <a:cs typeface="PT Sans"/>
+            </a:endParaRPr>
+          </a:p>
+          <a:p>
+            <a:r>
+              <a:rPr lang="en-US" dirty="0" smtClean="0">
+                <a:latin typeface="PT Sans"/>
+                <a:cs typeface="PT Sans"/>
+              </a:rPr>
+              <a:t>Quantify variability across </a:t>
+            </a:r>
+            <a:r>
+              <a:rPr lang="en-US" dirty="0" smtClean="0">
+                <a:latin typeface="PT Sans"/>
+                <a:cs typeface="PT Sans"/>
+              </a:rPr>
+              <a:t>machines.</a:t>
+            </a:r>
+            <a:endParaRPr lang="en-US" dirty="0" smtClean="0">
+              <a:latin typeface="PT Sans"/>
+              <a:cs typeface="PT Sans"/>
+            </a:endParaRPr>
+          </a:p>
+          <a:p>
+            <a:r>
+              <a:rPr lang="en-US" dirty="0" smtClean="0">
+                <a:latin typeface="PT Sans"/>
+                <a:cs typeface="PT Sans"/>
+              </a:rPr>
+              <a:t>Reduce variability using </a:t>
+            </a:r>
+            <a:r>
+              <a:rPr lang="en-US" dirty="0" smtClean="0">
+                <a:latin typeface="PT Sans"/>
+                <a:cs typeface="PT Sans"/>
+              </a:rPr>
+              <a:t>containers.</a:t>
+            </a:r>
+            <a:endParaRPr lang="en-US" dirty="0" smtClean="0">
+              <a:latin typeface="PT Sans"/>
+              <a:cs typeface="PT Sans"/>
+            </a:endParaRPr>
+          </a:p>
+          <a:p>
+            <a:r>
+              <a:rPr lang="en-US" b="1" dirty="0" smtClean="0">
+                <a:latin typeface="PT Sans"/>
+                <a:cs typeface="PT Sans"/>
+              </a:rPr>
+              <a:t>Next steps.</a:t>
+            </a:r>
+            <a:endParaRPr lang="en-US" b="1" dirty="0" smtClean="0">
+              <a:latin typeface="PT Sans"/>
+              <a:cs typeface="PT Sans"/>
+            </a:endParaRPr>
           </a:p>
           <a:p>
             <a:endParaRPr lang="en-US" dirty="0">
@@ -5544,7 +7515,7 @@
           <a:p>
             <a:fld id="{FA8338FA-16C6-9C42-9987-80EFEA67B0E4}" type="slidenum">
               <a:rPr lang="en-US" smtClean="0"/>
-              <a:t>14</a:t>
+              <a:t>18</a:t>
             </a:fld>
             <a:endParaRPr lang="en-US"/>
           </a:p>
@@ -5553,7 +7524,7 @@
     </p:spTree>
     <p:extLst>
       <p:ext uri="{BB962C8B-B14F-4D97-AF65-F5344CB8AC3E}">
-        <p14:creationId xmlns:p14="http://schemas.microsoft.com/office/powerpoint/2010/main" val="3640826676"/>
+        <p14:creationId xmlns:p14="http://schemas.microsoft.com/office/powerpoint/2010/main" val="1948560829"/>
       </p:ext>
     </p:extLst>
   </p:cSld>
@@ -5570,7 +7541,7 @@
 </p:sld>
 </file>
 
-<file path=ppt/slides/slide15.xml><?xml version="1.0" encoding="utf-8"?>
+<file path=ppt/slides/slide19.xml><?xml version="1.0" encoding="utf-8"?>
 <p:sld xmlns:a="http://schemas.openxmlformats.org/drawingml/2006/main" xmlns:r="http://schemas.openxmlformats.org/officeDocument/2006/relationships" xmlns:p="http://schemas.openxmlformats.org/presentationml/2006/main">
   <p:cSld>
     <p:spTree>
@@ -5589,179 +7560,6 @@
       </p:grpSpPr>
       <p:sp>
         <p:nvSpPr>
-          <p:cNvPr id="2" name="Title 1"/>
-          <p:cNvSpPr>
-            <a:spLocks noGrp="1"/>
-          </p:cNvSpPr>
-          <p:nvPr>
-            <p:ph type="title"/>
-          </p:nvPr>
-        </p:nvSpPr>
-        <p:spPr/>
-        <p:txBody>
-          <a:bodyPr>
-            <a:normAutofit/>
-          </a:bodyPr>
-          <a:lstStyle/>
-          <a:p>
-            <a:pPr algn="l"/>
-            <a:r>
-              <a:rPr lang="en-US" sz="4000" b="1" dirty="0" smtClean="0">
-                <a:latin typeface="PT Sans"/>
-                <a:cs typeface="PT Sans"/>
-              </a:rPr>
-              <a:t>Next Steps</a:t>
-            </a:r>
-            <a:endParaRPr lang="en-US" sz="4000" b="1" dirty="0">
-              <a:latin typeface="PT Sans"/>
-              <a:cs typeface="PT Sans"/>
-            </a:endParaRPr>
-          </a:p>
-        </p:txBody>
-      </p:sp>
-      <p:sp>
-        <p:nvSpPr>
-          <p:cNvPr id="4" name="Content Placeholder 3"/>
-          <p:cNvSpPr>
-            <a:spLocks noGrp="1"/>
-          </p:cNvSpPr>
-          <p:nvPr>
-            <p:ph idx="1"/>
-          </p:nvPr>
-        </p:nvSpPr>
-        <p:spPr/>
-        <p:txBody>
-          <a:bodyPr>
-            <a:normAutofit/>
-          </a:bodyPr>
-          <a:lstStyle/>
-          <a:p>
-            <a:r>
-              <a:rPr lang="en-US" dirty="0" smtClean="0">
-                <a:latin typeface="PT Sans"/>
-                <a:cs typeface="PT Sans"/>
-              </a:rPr>
-              <a:t>What’s the impact of controlling memory bandwidth?</a:t>
-            </a:r>
-          </a:p>
-          <a:p>
-            <a:pPr lvl="1"/>
-            <a:r>
-              <a:rPr lang="en-US" dirty="0" smtClean="0">
-                <a:latin typeface="PT Sans"/>
-                <a:cs typeface="PT Sans"/>
-              </a:rPr>
-              <a:t>Can we narrow the variability around x=1.0</a:t>
-            </a:r>
-          </a:p>
-          <a:p>
-            <a:r>
-              <a:rPr lang="en-US" dirty="0" smtClean="0">
-                <a:latin typeface="PT Sans"/>
-                <a:cs typeface="PT Sans"/>
-              </a:rPr>
-              <a:t>Consider other types of applications:</a:t>
-            </a:r>
-          </a:p>
-          <a:p>
-            <a:pPr lvl="1"/>
-            <a:r>
-              <a:rPr lang="en-US" dirty="0" smtClean="0">
-                <a:latin typeface="PT Sans"/>
-                <a:cs typeface="PT Sans"/>
-              </a:rPr>
-              <a:t>Multi-threaded applications, IO- and net-bound.</a:t>
-            </a:r>
-          </a:p>
-          <a:p>
-            <a:pPr lvl="1"/>
-            <a:r>
-              <a:rPr lang="en-US" dirty="0" smtClean="0">
-                <a:latin typeface="PT Sans"/>
-                <a:cs typeface="PT Sans"/>
-              </a:rPr>
-              <a:t>What is the impact</a:t>
-            </a:r>
-          </a:p>
-          <a:p>
-            <a:pPr marL="457200" lvl="1" indent="0">
-              <a:buNone/>
-            </a:pPr>
-            <a:endParaRPr lang="en-US" dirty="0" smtClean="0">
-              <a:latin typeface="PT Sans"/>
-              <a:cs typeface="PT Sans"/>
-            </a:endParaRPr>
-          </a:p>
-          <a:p>
-            <a:endParaRPr lang="en-US" dirty="0">
-              <a:latin typeface="PT Sans"/>
-              <a:cs typeface="PT Sans"/>
-            </a:endParaRPr>
-          </a:p>
-        </p:txBody>
-      </p:sp>
-      <p:sp>
-        <p:nvSpPr>
-          <p:cNvPr id="3" name="Slide Number Placeholder 2"/>
-          <p:cNvSpPr>
-            <a:spLocks noGrp="1"/>
-          </p:cNvSpPr>
-          <p:nvPr>
-            <p:ph type="sldNum" sz="quarter" idx="12"/>
-          </p:nvPr>
-        </p:nvSpPr>
-        <p:spPr/>
-        <p:txBody>
-          <a:bodyPr/>
-          <a:lstStyle/>
-          <a:p>
-            <a:fld id="{FA8338FA-16C6-9C42-9987-80EFEA67B0E4}" type="slidenum">
-              <a:rPr lang="en-US" smtClean="0"/>
-              <a:t>15</a:t>
-            </a:fld>
-            <a:endParaRPr lang="en-US"/>
-          </a:p>
-        </p:txBody>
-      </p:sp>
-    </p:spTree>
-    <p:extLst>
-      <p:ext uri="{BB962C8B-B14F-4D97-AF65-F5344CB8AC3E}">
-        <p14:creationId xmlns:p14="http://schemas.microsoft.com/office/powerpoint/2010/main" val="142945982"/>
-      </p:ext>
-    </p:extLst>
-  </p:cSld>
-  <p:clrMapOvr>
-    <a:masterClrMapping/>
-  </p:clrMapOvr>
-  <p:timing>
-    <p:tnLst>
-      <p:par>
-        <p:cTn xmlns:p14="http://schemas.microsoft.com/office/powerpoint/2010/main" id="1" dur="indefinite" restart="never" nodeType="tmRoot"/>
-      </p:par>
-    </p:tnLst>
-  </p:timing>
-</p:sld>
-</file>
-
-<file path=ppt/slides/slide2.xml><?xml version="1.0" encoding="utf-8"?>
-<p:sld xmlns:a="http://schemas.openxmlformats.org/drawingml/2006/main" xmlns:r="http://schemas.openxmlformats.org/officeDocument/2006/relationships" xmlns:p="http://schemas.openxmlformats.org/presentationml/2006/main">
-  <p:cSld>
-    <p:spTree>
-      <p:nvGrpSpPr>
-        <p:cNvPr id="1" name=""/>
-        <p:cNvGrpSpPr/>
-        <p:nvPr/>
-      </p:nvGrpSpPr>
-      <p:grpSpPr>
-        <a:xfrm>
-          <a:off x="0" y="0"/>
-          <a:ext cx="0" cy="0"/>
-          <a:chOff x="0" y="0"/>
-          <a:chExt cx="0" cy="0"/>
-        </a:xfrm>
-      </p:grpSpPr>
-      <p:sp>
-        <p:nvSpPr>
           <p:cNvPr id="4" name="Content Placeholder 3"/>
           <p:cNvSpPr>
             <a:spLocks noGrp="1"/>
@@ -5908,7 +7706,7 @@
           <a:p>
             <a:fld id="{FA8338FA-16C6-9C42-9987-80EFEA67B0E4}" type="slidenum">
               <a:rPr lang="en-US" smtClean="0"/>
-              <a:t>2</a:t>
+              <a:t>19</a:t>
             </a:fld>
             <a:endParaRPr lang="en-US"/>
           </a:p>
@@ -6169,7 +7967,7 @@
 </p:sld>
 </file>
 
-<file path=ppt/slides/slide3.xml><?xml version="1.0" encoding="utf-8"?>
+<file path=ppt/slides/slide2.xml><?xml version="1.0" encoding="utf-8"?>
 <p:sld xmlns:a="http://schemas.openxmlformats.org/drawingml/2006/main" xmlns:r="http://schemas.openxmlformats.org/officeDocument/2006/relationships" xmlns:p="http://schemas.openxmlformats.org/presentationml/2006/main">
   <p:cSld>
     <p:spTree>
@@ -6209,6 +8007,1065 @@
                 <a:latin typeface="PT Sans"/>
                 <a:cs typeface="PT Sans"/>
               </a:rPr>
+              <a:t>Performance Variability</a:t>
+            </a:r>
+            <a:endParaRPr lang="en-US" b="1" dirty="0">
+              <a:latin typeface="PT Sans"/>
+              <a:cs typeface="PT Sans"/>
+            </a:endParaRPr>
+          </a:p>
+        </p:txBody>
+      </p:sp>
+      <p:sp>
+        <p:nvSpPr>
+          <p:cNvPr id="3" name="Slide Number Placeholder 2"/>
+          <p:cNvSpPr>
+            <a:spLocks noGrp="1"/>
+          </p:cNvSpPr>
+          <p:nvPr>
+            <p:ph type="sldNum" sz="quarter" idx="12"/>
+          </p:nvPr>
+        </p:nvSpPr>
+        <p:spPr/>
+        <p:txBody>
+          <a:bodyPr/>
+          <a:lstStyle/>
+          <a:p>
+            <a:fld id="{FA8338FA-16C6-9C42-9987-80EFEA67B0E4}" type="slidenum">
+              <a:rPr lang="en-US" smtClean="0"/>
+              <a:t>2</a:t>
+            </a:fld>
+            <a:endParaRPr lang="en-US"/>
+          </a:p>
+        </p:txBody>
+      </p:sp>
+      <p:grpSp>
+        <p:nvGrpSpPr>
+          <p:cNvPr id="8" name="Group 7"/>
+          <p:cNvGrpSpPr/>
+          <p:nvPr/>
+        </p:nvGrpSpPr>
+        <p:grpSpPr>
+          <a:xfrm>
+            <a:off x="2811872" y="2154184"/>
+            <a:ext cx="1183857" cy="1811998"/>
+            <a:chOff x="1982097" y="3198027"/>
+            <a:chExt cx="1748495" cy="2979556"/>
+          </a:xfrm>
+        </p:grpSpPr>
+        <p:pic>
+          <p:nvPicPr>
+            <p:cNvPr id="9" name="Picture 8"/>
+            <p:cNvPicPr>
+              <a:picLocks noChangeAspect="1"/>
+            </p:cNvPicPr>
+            <p:nvPr/>
+          </p:nvPicPr>
+          <p:blipFill>
+            <a:blip r:embed="rId3"/>
+            <a:stretch>
+              <a:fillRect/>
+            </a:stretch>
+          </p:blipFill>
+          <p:spPr>
+            <a:xfrm>
+              <a:off x="1982097" y="3198027"/>
+              <a:ext cx="1748495" cy="2563136"/>
+            </a:xfrm>
+            <a:prstGeom prst="rect">
+              <a:avLst/>
+            </a:prstGeom>
+          </p:spPr>
+        </p:pic>
+        <p:sp>
+          <p:nvSpPr>
+            <p:cNvPr id="10" name="TextBox 9"/>
+            <p:cNvSpPr txBox="1"/>
+            <p:nvPr/>
+          </p:nvSpPr>
+          <p:spPr>
+            <a:xfrm>
+              <a:off x="2272141" y="5772710"/>
+              <a:ext cx="1087180" cy="404873"/>
+            </a:xfrm>
+            <a:prstGeom prst="rect">
+              <a:avLst/>
+            </a:prstGeom>
+            <a:noFill/>
+          </p:spPr>
+          <p:txBody>
+            <a:bodyPr wrap="none" rtlCol="0">
+              <a:spAutoFit/>
+            </a:bodyPr>
+            <a:lstStyle/>
+            <a:p>
+              <a:r>
+                <a:rPr lang="en-US" sz="1000" dirty="0" smtClean="0">
+                  <a:latin typeface="PT Sans"/>
+                  <a:cs typeface="PT Sans"/>
+                </a:rPr>
+                <a:t>2500 </a:t>
+              </a:r>
+              <a:r>
+                <a:rPr lang="en-US" sz="1000" dirty="0" smtClean="0">
+                  <a:latin typeface="PT Sans"/>
+                  <a:cs typeface="PT Sans"/>
+                </a:rPr>
+                <a:t>op/s</a:t>
+              </a:r>
+              <a:endParaRPr lang="en-US" sz="1000" dirty="0">
+                <a:latin typeface="PT Sans"/>
+                <a:cs typeface="PT Sans"/>
+              </a:endParaRPr>
+            </a:p>
+          </p:txBody>
+        </p:sp>
+      </p:grpSp>
+      <p:grpSp>
+        <p:nvGrpSpPr>
+          <p:cNvPr id="14" name="Group 13"/>
+          <p:cNvGrpSpPr/>
+          <p:nvPr/>
+        </p:nvGrpSpPr>
+        <p:grpSpPr>
+          <a:xfrm>
+            <a:off x="4276675" y="2032836"/>
+            <a:ext cx="1852083" cy="1933346"/>
+            <a:chOff x="4641274" y="2584957"/>
+            <a:chExt cx="2782454" cy="3249139"/>
+          </a:xfrm>
+        </p:grpSpPr>
+        <p:pic>
+          <p:nvPicPr>
+            <p:cNvPr id="15" name="Picture 14"/>
+            <p:cNvPicPr>
+              <a:picLocks noChangeAspect="1"/>
+            </p:cNvPicPr>
+            <p:nvPr/>
+          </p:nvPicPr>
+          <p:blipFill>
+            <a:blip r:embed="rId4"/>
+            <a:stretch>
+              <a:fillRect/>
+            </a:stretch>
+          </p:blipFill>
+          <p:spPr>
+            <a:xfrm>
+              <a:off x="4641274" y="2584957"/>
+              <a:ext cx="2782454" cy="2897909"/>
+            </a:xfrm>
+            <a:prstGeom prst="rect">
+              <a:avLst/>
+            </a:prstGeom>
+          </p:spPr>
+        </p:pic>
+        <p:sp>
+          <p:nvSpPr>
+            <p:cNvPr id="16" name="TextBox 15"/>
+            <p:cNvSpPr txBox="1"/>
+            <p:nvPr/>
+          </p:nvSpPr>
+          <p:spPr>
+            <a:xfrm>
+              <a:off x="5509325" y="5420302"/>
+              <a:ext cx="1105869" cy="413794"/>
+            </a:xfrm>
+            <a:prstGeom prst="rect">
+              <a:avLst/>
+            </a:prstGeom>
+            <a:noFill/>
+          </p:spPr>
+          <p:txBody>
+            <a:bodyPr wrap="none" rtlCol="0">
+              <a:spAutoFit/>
+            </a:bodyPr>
+            <a:lstStyle/>
+            <a:p>
+              <a:r>
+                <a:rPr lang="en-US" sz="1000" dirty="0" smtClean="0">
+                  <a:latin typeface="PT Sans"/>
+                  <a:cs typeface="PT Sans"/>
+                </a:rPr>
+                <a:t>2750</a:t>
+              </a:r>
+              <a:r>
+                <a:rPr lang="en-US" sz="1000" dirty="0" smtClean="0">
+                  <a:latin typeface="PT Sans"/>
+                  <a:cs typeface="PT Sans"/>
+                </a:rPr>
+                <a:t> op/s</a:t>
+              </a:r>
+              <a:endParaRPr lang="en-US" sz="1000" dirty="0">
+                <a:latin typeface="PT Sans"/>
+                <a:cs typeface="PT Sans"/>
+              </a:endParaRPr>
+            </a:p>
+          </p:txBody>
+        </p:sp>
+      </p:grpSp>
+      <p:sp>
+        <p:nvSpPr>
+          <p:cNvPr id="17" name="Rectangle 16"/>
+          <p:cNvSpPr/>
+          <p:nvPr/>
+        </p:nvSpPr>
+        <p:spPr>
+          <a:xfrm>
+            <a:off x="6133138" y="2350518"/>
+            <a:ext cx="501457" cy="584776"/>
+          </a:xfrm>
+          <a:prstGeom prst="rect">
+            <a:avLst/>
+          </a:prstGeom>
+        </p:spPr>
+        <p:txBody>
+          <a:bodyPr wrap="none">
+            <a:spAutoFit/>
+          </a:bodyPr>
+          <a:lstStyle/>
+          <a:p>
+            <a:r>
+              <a:rPr lang="is-IS" sz="3200" dirty="0" smtClean="0">
+                <a:solidFill>
+                  <a:prstClr val="black"/>
+                </a:solidFill>
+                <a:latin typeface="PT Sans"/>
+                <a:cs typeface="PT Sans"/>
+              </a:rPr>
+              <a:t>…</a:t>
+            </a:r>
+            <a:endParaRPr lang="en-US" dirty="0"/>
+          </a:p>
+        </p:txBody>
+      </p:sp>
+      <p:grpSp>
+        <p:nvGrpSpPr>
+          <p:cNvPr id="20" name="Group 19"/>
+          <p:cNvGrpSpPr/>
+          <p:nvPr/>
+        </p:nvGrpSpPr>
+        <p:grpSpPr>
+          <a:xfrm>
+            <a:off x="775011" y="2485492"/>
+            <a:ext cx="1000654" cy="1175976"/>
+            <a:chOff x="957527" y="1942583"/>
+            <a:chExt cx="1000654" cy="1175976"/>
+          </a:xfrm>
+        </p:grpSpPr>
+        <p:pic>
+          <p:nvPicPr>
+            <p:cNvPr id="5" name="Picture 4"/>
+            <p:cNvPicPr>
+              <a:picLocks noChangeAspect="1"/>
+            </p:cNvPicPr>
+            <p:nvPr/>
+          </p:nvPicPr>
+          <p:blipFill>
+            <a:blip r:embed="rId5"/>
+            <a:stretch>
+              <a:fillRect/>
+            </a:stretch>
+          </p:blipFill>
+          <p:spPr>
+            <a:xfrm>
+              <a:off x="957527" y="1942583"/>
+              <a:ext cx="1000654" cy="1000654"/>
+            </a:xfrm>
+            <a:prstGeom prst="rect">
+              <a:avLst/>
+            </a:prstGeom>
+          </p:spPr>
+        </p:pic>
+        <p:sp>
+          <p:nvSpPr>
+            <p:cNvPr id="19" name="TextBox 18"/>
+            <p:cNvSpPr txBox="1"/>
+            <p:nvPr/>
+          </p:nvSpPr>
+          <p:spPr>
+            <a:xfrm>
+              <a:off x="1062878" y="2872338"/>
+              <a:ext cx="789952" cy="246221"/>
+            </a:xfrm>
+            <a:prstGeom prst="rect">
+              <a:avLst/>
+            </a:prstGeom>
+            <a:noFill/>
+          </p:spPr>
+          <p:txBody>
+            <a:bodyPr wrap="none" rtlCol="0">
+              <a:spAutoFit/>
+            </a:bodyPr>
+            <a:lstStyle/>
+            <a:p>
+              <a:r>
+                <a:rPr lang="en-US" sz="1000" dirty="0" smtClean="0">
+                  <a:latin typeface="PT Sans"/>
+                  <a:cs typeface="PT Sans"/>
+                </a:rPr>
+                <a:t>benchmark</a:t>
+              </a:r>
+              <a:endParaRPr lang="en-US" sz="1000" dirty="0">
+                <a:latin typeface="PT Sans"/>
+                <a:cs typeface="PT Sans"/>
+              </a:endParaRPr>
+            </a:p>
+          </p:txBody>
+        </p:sp>
+      </p:grpSp>
+      <p:grpSp>
+        <p:nvGrpSpPr>
+          <p:cNvPr id="23" name="Group 22"/>
+          <p:cNvGrpSpPr/>
+          <p:nvPr/>
+        </p:nvGrpSpPr>
+        <p:grpSpPr>
+          <a:xfrm>
+            <a:off x="6634595" y="2032836"/>
+            <a:ext cx="1659466" cy="2301018"/>
+            <a:chOff x="6634595" y="2742501"/>
+            <a:chExt cx="1659466" cy="2301018"/>
+          </a:xfrm>
+        </p:grpSpPr>
+        <p:sp>
+          <p:nvSpPr>
+            <p:cNvPr id="18" name="Rectangle 17"/>
+            <p:cNvSpPr/>
+            <p:nvPr/>
+          </p:nvSpPr>
+          <p:spPr>
+            <a:xfrm>
+              <a:off x="7264885" y="4458743"/>
+              <a:ext cx="363582" cy="584776"/>
+            </a:xfrm>
+            <a:prstGeom prst="rect">
+              <a:avLst/>
+            </a:prstGeom>
+          </p:spPr>
+          <p:txBody>
+            <a:bodyPr wrap="none">
+              <a:spAutoFit/>
+            </a:bodyPr>
+            <a:lstStyle/>
+            <a:p>
+              <a:r>
+                <a:rPr lang="is-IS" sz="3200" dirty="0" smtClean="0">
+                  <a:solidFill>
+                    <a:prstClr val="black"/>
+                  </a:solidFill>
+                  <a:latin typeface="PT Sans"/>
+                  <a:cs typeface="PT Sans"/>
+                </a:rPr>
+                <a:t>?</a:t>
+              </a:r>
+              <a:endParaRPr lang="en-US" dirty="0"/>
+            </a:p>
+          </p:txBody>
+        </p:sp>
+        <p:pic>
+          <p:nvPicPr>
+            <p:cNvPr id="22" name="Picture 21"/>
+            <p:cNvPicPr>
+              <a:picLocks noChangeAspect="1"/>
+            </p:cNvPicPr>
+            <p:nvPr/>
+          </p:nvPicPr>
+          <p:blipFill>
+            <a:blip r:embed="rId6"/>
+            <a:stretch>
+              <a:fillRect/>
+            </a:stretch>
+          </p:blipFill>
+          <p:spPr>
+            <a:xfrm>
+              <a:off x="6634595" y="2742501"/>
+              <a:ext cx="1659466" cy="1659466"/>
+            </a:xfrm>
+            <a:prstGeom prst="rect">
+              <a:avLst/>
+            </a:prstGeom>
+          </p:spPr>
+        </p:pic>
+      </p:grpSp>
+      <p:sp>
+        <p:nvSpPr>
+          <p:cNvPr id="24" name="Content Placeholder 3"/>
+          <p:cNvSpPr>
+            <a:spLocks noGrp="1"/>
+          </p:cNvSpPr>
+          <p:nvPr>
+            <p:ph idx="1"/>
+          </p:nvPr>
+        </p:nvSpPr>
+        <p:spPr>
+          <a:xfrm>
+            <a:off x="567266" y="5774268"/>
+            <a:ext cx="7899401" cy="656188"/>
+          </a:xfrm>
+          <a:ln>
+            <a:solidFill>
+              <a:schemeClr val="tx1"/>
+            </a:solidFill>
+          </a:ln>
+        </p:spPr>
+        <p:txBody>
+          <a:bodyPr/>
+          <a:lstStyle/>
+          <a:p>
+            <a:pPr marL="0" indent="0">
+              <a:buNone/>
+            </a:pPr>
+            <a:r>
+              <a:rPr lang="en-US" b="1" dirty="0" smtClean="0">
+                <a:latin typeface="PT Sans"/>
+                <a:cs typeface="PT Sans"/>
+              </a:rPr>
+              <a:t>Characterize, quantify and reduce variability</a:t>
+            </a:r>
+            <a:endParaRPr lang="en-US" b="1" dirty="0" smtClean="0">
+              <a:latin typeface="PT Sans"/>
+              <a:cs typeface="PT Sans"/>
+            </a:endParaRPr>
+          </a:p>
+        </p:txBody>
+      </p:sp>
+      <p:sp>
+        <p:nvSpPr>
+          <p:cNvPr id="25" name="Content Placeholder 3"/>
+          <p:cNvSpPr txBox="1">
+            <a:spLocks/>
+          </p:cNvSpPr>
+          <p:nvPr/>
+        </p:nvSpPr>
+        <p:spPr>
+          <a:xfrm>
+            <a:off x="457200" y="4531725"/>
+            <a:ext cx="8229600" cy="1276411"/>
+          </a:xfrm>
+          <a:prstGeom prst="rect">
+            <a:avLst/>
+          </a:prstGeom>
+        </p:spPr>
+        <p:txBody>
+          <a:bodyPr vert="horz" lIns="91440" tIns="45720" rIns="91440" bIns="45720" rtlCol="0">
+            <a:normAutofit fontScale="92500"/>
+          </a:bodyPr>
+          <a:lstStyle>
+            <a:lvl1pPr marL="342900" indent="-342900" algn="l" defTabSz="457200" rtl="0" eaLnBrk="1" latinLnBrk="0" hangingPunct="1">
+              <a:spcBef>
+                <a:spcPct val="20000"/>
+              </a:spcBef>
+              <a:buFont typeface="Arial"/>
+              <a:buChar char="•"/>
+              <a:defRPr sz="3200" kern="1200">
+                <a:solidFill>
+                  <a:schemeClr val="tx1"/>
+                </a:solidFill>
+                <a:latin typeface="+mn-lt"/>
+                <a:ea typeface="+mn-ea"/>
+                <a:cs typeface="+mn-cs"/>
+              </a:defRPr>
+            </a:lvl1pPr>
+            <a:lvl2pPr marL="742950" indent="-285750" algn="l" defTabSz="457200" rtl="0" eaLnBrk="1" latinLnBrk="0" hangingPunct="1">
+              <a:spcBef>
+                <a:spcPct val="20000"/>
+              </a:spcBef>
+              <a:buFont typeface="Arial"/>
+              <a:buChar char="–"/>
+              <a:defRPr sz="2800" kern="1200">
+                <a:solidFill>
+                  <a:schemeClr val="tx1"/>
+                </a:solidFill>
+                <a:latin typeface="+mn-lt"/>
+                <a:ea typeface="+mn-ea"/>
+                <a:cs typeface="+mn-cs"/>
+              </a:defRPr>
+            </a:lvl2pPr>
+            <a:lvl3pPr marL="1143000" indent="-228600" algn="l" defTabSz="457200" rtl="0" eaLnBrk="1" latinLnBrk="0" hangingPunct="1">
+              <a:spcBef>
+                <a:spcPct val="20000"/>
+              </a:spcBef>
+              <a:buFont typeface="Arial"/>
+              <a:buChar char="•"/>
+              <a:defRPr sz="2400" kern="1200">
+                <a:solidFill>
+                  <a:schemeClr val="tx1"/>
+                </a:solidFill>
+                <a:latin typeface="+mn-lt"/>
+                <a:ea typeface="+mn-ea"/>
+                <a:cs typeface="+mn-cs"/>
+              </a:defRPr>
+            </a:lvl3pPr>
+            <a:lvl4pPr marL="1600200" indent="-228600" algn="l" defTabSz="457200" rtl="0" eaLnBrk="1" latinLnBrk="0" hangingPunct="1">
+              <a:spcBef>
+                <a:spcPct val="20000"/>
+              </a:spcBef>
+              <a:buFont typeface="Arial"/>
+              <a:buChar char="–"/>
+              <a:defRPr sz="2000" kern="1200">
+                <a:solidFill>
+                  <a:schemeClr val="tx1"/>
+                </a:solidFill>
+                <a:latin typeface="+mn-lt"/>
+                <a:ea typeface="+mn-ea"/>
+                <a:cs typeface="+mn-cs"/>
+              </a:defRPr>
+            </a:lvl4pPr>
+            <a:lvl5pPr marL="2057400" indent="-228600" algn="l" defTabSz="457200" rtl="0" eaLnBrk="1" latinLnBrk="0" hangingPunct="1">
+              <a:spcBef>
+                <a:spcPct val="20000"/>
+              </a:spcBef>
+              <a:buFont typeface="Arial"/>
+              <a:buChar char="»"/>
+              <a:defRPr sz="2000" kern="1200">
+                <a:solidFill>
+                  <a:schemeClr val="tx1"/>
+                </a:solidFill>
+                <a:latin typeface="+mn-lt"/>
+                <a:ea typeface="+mn-ea"/>
+                <a:cs typeface="+mn-cs"/>
+              </a:defRPr>
+            </a:lvl5pPr>
+            <a:lvl6pPr marL="2514600" indent="-228600" algn="l" defTabSz="457200" rtl="0" eaLnBrk="1" latinLnBrk="0" hangingPunct="1">
+              <a:spcBef>
+                <a:spcPct val="20000"/>
+              </a:spcBef>
+              <a:buFont typeface="Arial"/>
+              <a:buChar char="•"/>
+              <a:defRPr sz="2000" kern="1200">
+                <a:solidFill>
+                  <a:schemeClr val="tx1"/>
+                </a:solidFill>
+                <a:latin typeface="+mn-lt"/>
+                <a:ea typeface="+mn-ea"/>
+                <a:cs typeface="+mn-cs"/>
+              </a:defRPr>
+            </a:lvl6pPr>
+            <a:lvl7pPr marL="2971800" indent="-228600" algn="l" defTabSz="457200" rtl="0" eaLnBrk="1" latinLnBrk="0" hangingPunct="1">
+              <a:spcBef>
+                <a:spcPct val="20000"/>
+              </a:spcBef>
+              <a:buFont typeface="Arial"/>
+              <a:buChar char="•"/>
+              <a:defRPr sz="2000" kern="1200">
+                <a:solidFill>
+                  <a:schemeClr val="tx1"/>
+                </a:solidFill>
+                <a:latin typeface="+mn-lt"/>
+                <a:ea typeface="+mn-ea"/>
+                <a:cs typeface="+mn-cs"/>
+              </a:defRPr>
+            </a:lvl7pPr>
+            <a:lvl8pPr marL="3429000" indent="-228600" algn="l" defTabSz="457200" rtl="0" eaLnBrk="1" latinLnBrk="0" hangingPunct="1">
+              <a:spcBef>
+                <a:spcPct val="20000"/>
+              </a:spcBef>
+              <a:buFont typeface="Arial"/>
+              <a:buChar char="•"/>
+              <a:defRPr sz="2000" kern="1200">
+                <a:solidFill>
+                  <a:schemeClr val="tx1"/>
+                </a:solidFill>
+                <a:latin typeface="+mn-lt"/>
+                <a:ea typeface="+mn-ea"/>
+                <a:cs typeface="+mn-cs"/>
+              </a:defRPr>
+            </a:lvl8pPr>
+            <a:lvl9pPr marL="3886200" indent="-228600" algn="l" defTabSz="457200" rtl="0" eaLnBrk="1" latinLnBrk="0" hangingPunct="1">
+              <a:spcBef>
+                <a:spcPct val="20000"/>
+              </a:spcBef>
+              <a:buFont typeface="Arial"/>
+              <a:buChar char="•"/>
+              <a:defRPr sz="2000" kern="1200">
+                <a:solidFill>
+                  <a:schemeClr val="tx1"/>
+                </a:solidFill>
+                <a:latin typeface="+mn-lt"/>
+                <a:ea typeface="+mn-ea"/>
+                <a:cs typeface="+mn-cs"/>
+              </a:defRPr>
+            </a:lvl9pPr>
+          </a:lstStyle>
+          <a:p>
+            <a:pPr marL="0" indent="0">
+              <a:buNone/>
+            </a:pPr>
+            <a:r>
+              <a:rPr lang="en-US" dirty="0" smtClean="0">
+                <a:latin typeface="PT Sans"/>
+                <a:cs typeface="PT Sans"/>
+              </a:rPr>
+              <a:t>So many factors that influence performance: CPU, motherboard, RAM, network, wear level, etc.</a:t>
+            </a:r>
+            <a:r>
+              <a:rPr lang="is-IS" dirty="0" smtClean="0">
+                <a:latin typeface="PT Sans"/>
+                <a:cs typeface="PT Sans"/>
+              </a:rPr>
+              <a:t>.</a:t>
+            </a:r>
+            <a:endParaRPr lang="en-US" dirty="0" smtClean="0">
+              <a:latin typeface="PT Sans"/>
+              <a:cs typeface="PT Sans"/>
+            </a:endParaRPr>
+          </a:p>
+        </p:txBody>
+      </p:sp>
+    </p:spTree>
+    <p:extLst>
+      <p:ext uri="{BB962C8B-B14F-4D97-AF65-F5344CB8AC3E}">
+        <p14:creationId xmlns:p14="http://schemas.microsoft.com/office/powerpoint/2010/main" val="1606856123"/>
+      </p:ext>
+    </p:extLst>
+  </p:cSld>
+  <p:clrMapOvr>
+    <a:masterClrMapping/>
+  </p:clrMapOvr>
+  <p:timing>
+    <p:tnLst>
+      <p:par>
+        <p:cTn xmlns:p14="http://schemas.microsoft.com/office/powerpoint/2010/main" id="1" dur="indefinite" restart="never" nodeType="tmRoot">
+          <p:childTnLst>
+            <p:seq concurrent="1" nextAc="seek">
+              <p:cTn id="2" dur="indefinite" nodeType="mainSeq">
+                <p:childTnLst>
+                  <p:par>
+                    <p:cTn id="3" fill="hold">
+                      <p:stCondLst>
+                        <p:cond delay="indefinite"/>
+                      </p:stCondLst>
+                      <p:childTnLst>
+                        <p:par>
+                          <p:cTn id="4" fill="hold">
+                            <p:stCondLst>
+                              <p:cond delay="0"/>
+                            </p:stCondLst>
+                            <p:childTnLst>
+                              <p:par>
+                                <p:cTn id="5" presetID="1" presetClass="entr" presetSubtype="0" fill="hold" nodeType="clickEffect">
+                                  <p:stCondLst>
+                                    <p:cond delay="0"/>
+                                  </p:stCondLst>
+                                  <p:childTnLst>
+                                    <p:set>
+                                      <p:cBhvr>
+                                        <p:cTn id="6" dur="1" fill="hold">
+                                          <p:stCondLst>
+                                            <p:cond delay="0"/>
+                                          </p:stCondLst>
+                                        </p:cTn>
+                                        <p:tgtEl>
+                                          <p:spTgt spid="20"/>
+                                        </p:tgtEl>
+                                        <p:attrNameLst>
+                                          <p:attrName>style.visibility</p:attrName>
+                                        </p:attrNameLst>
+                                      </p:cBhvr>
+                                      <p:to>
+                                        <p:strVal val="visible"/>
+                                      </p:to>
+                                    </p:set>
+                                  </p:childTnLst>
+                                </p:cTn>
+                              </p:par>
+                            </p:childTnLst>
+                          </p:cTn>
+                        </p:par>
+                      </p:childTnLst>
+                    </p:cTn>
+                  </p:par>
+                  <p:par>
+                    <p:cTn id="7" fill="hold">
+                      <p:stCondLst>
+                        <p:cond delay="indefinite"/>
+                      </p:stCondLst>
+                      <p:childTnLst>
+                        <p:par>
+                          <p:cTn id="8" fill="hold">
+                            <p:stCondLst>
+                              <p:cond delay="0"/>
+                            </p:stCondLst>
+                            <p:childTnLst>
+                              <p:par>
+                                <p:cTn id="9" presetID="1" presetClass="entr" presetSubtype="0" fill="hold" nodeType="clickEffect">
+                                  <p:stCondLst>
+                                    <p:cond delay="0"/>
+                                  </p:stCondLst>
+                                  <p:childTnLst>
+                                    <p:set>
+                                      <p:cBhvr>
+                                        <p:cTn id="10" dur="1" fill="hold">
+                                          <p:stCondLst>
+                                            <p:cond delay="0"/>
+                                          </p:stCondLst>
+                                        </p:cTn>
+                                        <p:tgtEl>
+                                          <p:spTgt spid="8"/>
+                                        </p:tgtEl>
+                                        <p:attrNameLst>
+                                          <p:attrName>style.visibility</p:attrName>
+                                        </p:attrNameLst>
+                                      </p:cBhvr>
+                                      <p:to>
+                                        <p:strVal val="visible"/>
+                                      </p:to>
+                                    </p:set>
+                                  </p:childTnLst>
+                                </p:cTn>
+                              </p:par>
+                            </p:childTnLst>
+                          </p:cTn>
+                        </p:par>
+                      </p:childTnLst>
+                    </p:cTn>
+                  </p:par>
+                  <p:par>
+                    <p:cTn id="11" fill="hold">
+                      <p:stCondLst>
+                        <p:cond delay="indefinite"/>
+                      </p:stCondLst>
+                      <p:childTnLst>
+                        <p:par>
+                          <p:cTn id="12" fill="hold">
+                            <p:stCondLst>
+                              <p:cond delay="0"/>
+                            </p:stCondLst>
+                            <p:childTnLst>
+                              <p:par>
+                                <p:cTn id="13" presetID="1" presetClass="entr" presetSubtype="0" fill="hold" nodeType="clickEffect">
+                                  <p:stCondLst>
+                                    <p:cond delay="0"/>
+                                  </p:stCondLst>
+                                  <p:childTnLst>
+                                    <p:set>
+                                      <p:cBhvr>
+                                        <p:cTn id="14" dur="1" fill="hold">
+                                          <p:stCondLst>
+                                            <p:cond delay="0"/>
+                                          </p:stCondLst>
+                                        </p:cTn>
+                                        <p:tgtEl>
+                                          <p:spTgt spid="14"/>
+                                        </p:tgtEl>
+                                        <p:attrNameLst>
+                                          <p:attrName>style.visibility</p:attrName>
+                                        </p:attrNameLst>
+                                      </p:cBhvr>
+                                      <p:to>
+                                        <p:strVal val="visible"/>
+                                      </p:to>
+                                    </p:set>
+                                  </p:childTnLst>
+                                </p:cTn>
+                              </p:par>
+                            </p:childTnLst>
+                          </p:cTn>
+                        </p:par>
+                      </p:childTnLst>
+                    </p:cTn>
+                  </p:par>
+                  <p:par>
+                    <p:cTn id="15" fill="hold">
+                      <p:stCondLst>
+                        <p:cond delay="indefinite"/>
+                      </p:stCondLst>
+                      <p:childTnLst>
+                        <p:par>
+                          <p:cTn id="16" fill="hold">
+                            <p:stCondLst>
+                              <p:cond delay="0"/>
+                            </p:stCondLst>
+                            <p:childTnLst>
+                              <p:par>
+                                <p:cTn id="17" presetID="1" presetClass="entr" presetSubtype="0" fill="hold" grpId="0" nodeType="clickEffect">
+                                  <p:stCondLst>
+                                    <p:cond delay="0"/>
+                                  </p:stCondLst>
+                                  <p:childTnLst>
+                                    <p:set>
+                                      <p:cBhvr>
+                                        <p:cTn id="18" dur="1" fill="hold">
+                                          <p:stCondLst>
+                                            <p:cond delay="0"/>
+                                          </p:stCondLst>
+                                        </p:cTn>
+                                        <p:tgtEl>
+                                          <p:spTgt spid="17"/>
+                                        </p:tgtEl>
+                                        <p:attrNameLst>
+                                          <p:attrName>style.visibility</p:attrName>
+                                        </p:attrNameLst>
+                                      </p:cBhvr>
+                                      <p:to>
+                                        <p:strVal val="visible"/>
+                                      </p:to>
+                                    </p:set>
+                                  </p:childTnLst>
+                                </p:cTn>
+                              </p:par>
+                            </p:childTnLst>
+                          </p:cTn>
+                        </p:par>
+                      </p:childTnLst>
+                    </p:cTn>
+                  </p:par>
+                  <p:par>
+                    <p:cTn id="19" fill="hold">
+                      <p:stCondLst>
+                        <p:cond delay="indefinite"/>
+                      </p:stCondLst>
+                      <p:childTnLst>
+                        <p:par>
+                          <p:cTn id="20" fill="hold">
+                            <p:stCondLst>
+                              <p:cond delay="0"/>
+                            </p:stCondLst>
+                            <p:childTnLst>
+                              <p:par>
+                                <p:cTn id="21" presetID="1" presetClass="entr" presetSubtype="0" fill="hold" nodeType="clickEffect">
+                                  <p:stCondLst>
+                                    <p:cond delay="0"/>
+                                  </p:stCondLst>
+                                  <p:childTnLst>
+                                    <p:set>
+                                      <p:cBhvr>
+                                        <p:cTn id="22" dur="1" fill="hold">
+                                          <p:stCondLst>
+                                            <p:cond delay="0"/>
+                                          </p:stCondLst>
+                                        </p:cTn>
+                                        <p:tgtEl>
+                                          <p:spTgt spid="23"/>
+                                        </p:tgtEl>
+                                        <p:attrNameLst>
+                                          <p:attrName>style.visibility</p:attrName>
+                                        </p:attrNameLst>
+                                      </p:cBhvr>
+                                      <p:to>
+                                        <p:strVal val="visible"/>
+                                      </p:to>
+                                    </p:set>
+                                  </p:childTnLst>
+                                </p:cTn>
+                              </p:par>
+                            </p:childTnLst>
+                          </p:cTn>
+                        </p:par>
+                      </p:childTnLst>
+                    </p:cTn>
+                  </p:par>
+                  <p:par>
+                    <p:cTn id="23" fill="hold">
+                      <p:stCondLst>
+                        <p:cond delay="indefinite"/>
+                      </p:stCondLst>
+                      <p:childTnLst>
+                        <p:par>
+                          <p:cTn id="24" fill="hold">
+                            <p:stCondLst>
+                              <p:cond delay="0"/>
+                            </p:stCondLst>
+                            <p:childTnLst>
+                              <p:par>
+                                <p:cTn id="25" presetID="1" presetClass="entr" presetSubtype="0" fill="hold" grpId="0" nodeType="clickEffect">
+                                  <p:stCondLst>
+                                    <p:cond delay="0"/>
+                                  </p:stCondLst>
+                                  <p:childTnLst>
+                                    <p:set>
+                                      <p:cBhvr>
+                                        <p:cTn id="26" dur="1" fill="hold">
+                                          <p:stCondLst>
+                                            <p:cond delay="0"/>
+                                          </p:stCondLst>
+                                        </p:cTn>
+                                        <p:tgtEl>
+                                          <p:spTgt spid="25"/>
+                                        </p:tgtEl>
+                                        <p:attrNameLst>
+                                          <p:attrName>style.visibility</p:attrName>
+                                        </p:attrNameLst>
+                                      </p:cBhvr>
+                                      <p:to>
+                                        <p:strVal val="visible"/>
+                                      </p:to>
+                                    </p:set>
+                                  </p:childTnLst>
+                                </p:cTn>
+                              </p:par>
+                            </p:childTnLst>
+                          </p:cTn>
+                        </p:par>
+                      </p:childTnLst>
+                    </p:cTn>
+                  </p:par>
+                  <p:par>
+                    <p:cTn id="27" fill="hold">
+                      <p:stCondLst>
+                        <p:cond delay="indefinite"/>
+                      </p:stCondLst>
+                      <p:childTnLst>
+                        <p:par>
+                          <p:cTn id="28" fill="hold">
+                            <p:stCondLst>
+                              <p:cond delay="0"/>
+                            </p:stCondLst>
+                            <p:childTnLst>
+                              <p:par>
+                                <p:cTn id="29" presetID="1" presetClass="entr" presetSubtype="0" fill="hold" grpId="0" nodeType="clickEffect">
+                                  <p:stCondLst>
+                                    <p:cond delay="0"/>
+                                  </p:stCondLst>
+                                  <p:childTnLst>
+                                    <p:set>
+                                      <p:cBhvr>
+                                        <p:cTn id="30" dur="1" fill="hold">
+                                          <p:stCondLst>
+                                            <p:cond delay="0"/>
+                                          </p:stCondLst>
+                                        </p:cTn>
+                                        <p:tgtEl>
+                                          <p:spTgt spid="24">
+                                            <p:bg/>
+                                          </p:spTgt>
+                                        </p:tgtEl>
+                                        <p:attrNameLst>
+                                          <p:attrName>style.visibility</p:attrName>
+                                        </p:attrNameLst>
+                                      </p:cBhvr>
+                                      <p:to>
+                                        <p:strVal val="visible"/>
+                                      </p:to>
+                                    </p:set>
+                                  </p:childTnLst>
+                                </p:cTn>
+                              </p:par>
+                            </p:childTnLst>
+                          </p:cTn>
+                        </p:par>
+                      </p:childTnLst>
+                    </p:cTn>
+                  </p:par>
+                  <p:par>
+                    <p:cTn id="31" fill="hold">
+                      <p:stCondLst>
+                        <p:cond delay="indefinite"/>
+                      </p:stCondLst>
+                      <p:childTnLst>
+                        <p:par>
+                          <p:cTn id="32" fill="hold">
+                            <p:stCondLst>
+                              <p:cond delay="0"/>
+                            </p:stCondLst>
+                            <p:childTnLst>
+                              <p:par>
+                                <p:cTn id="33" presetID="1" presetClass="entr" presetSubtype="0" fill="hold" grpId="0" nodeType="clickEffect">
+                                  <p:stCondLst>
+                                    <p:cond delay="0"/>
+                                  </p:stCondLst>
+                                  <p:childTnLst>
+                                    <p:set>
+                                      <p:cBhvr>
+                                        <p:cTn id="34" dur="1" fill="hold">
+                                          <p:stCondLst>
+                                            <p:cond delay="0"/>
+                                          </p:stCondLst>
+                                        </p:cTn>
+                                        <p:tgtEl>
+                                          <p:spTgt spid="24">
+                                            <p:txEl>
+                                              <p:pRg st="0" end="0"/>
+                                            </p:txEl>
+                                          </p:spTgt>
+                                        </p:tgtEl>
+                                        <p:attrNameLst>
+                                          <p:attrName>style.visibility</p:attrName>
+                                        </p:attrNameLst>
+                                      </p:cBhvr>
+                                      <p:to>
+                                        <p:strVal val="visible"/>
+                                      </p:to>
+                                    </p:set>
+                                  </p:childTnLst>
+                                </p:cTn>
+                              </p:par>
+                            </p:childTnLst>
+                          </p:cTn>
+                        </p:par>
+                      </p:childTnLst>
+                    </p:cTn>
+                  </p:par>
+                </p:childTnLst>
+              </p:cTn>
+              <p:prevCondLst>
+                <p:cond evt="onPrev" delay="0">
+                  <p:tgtEl>
+                    <p:sldTgt/>
+                  </p:tgtEl>
+                </p:cond>
+              </p:prevCondLst>
+              <p:nextCondLst>
+                <p:cond evt="onNext" delay="0">
+                  <p:tgtEl>
+                    <p:sldTgt/>
+                  </p:tgtEl>
+                </p:cond>
+              </p:nextCondLst>
+            </p:seq>
+          </p:childTnLst>
+        </p:cTn>
+      </p:par>
+    </p:tnLst>
+    <p:bldLst>
+      <p:bldP spid="17" grpId="0"/>
+      <p:bldP spid="24" grpId="0" build="p" animBg="1"/>
+      <p:bldP spid="25" grpId="0"/>
+    </p:bldLst>
+  </p:timing>
+</p:sld>
+</file>
+
+<file path=ppt/slides/slide20.xml><?xml version="1.0" encoding="utf-8"?>
+<p:sld xmlns:a="http://schemas.openxmlformats.org/drawingml/2006/main" xmlns:r="http://schemas.openxmlformats.org/officeDocument/2006/relationships" xmlns:p="http://schemas.openxmlformats.org/presentationml/2006/main">
+  <p:cSld>
+    <p:spTree>
+      <p:nvGrpSpPr>
+        <p:cNvPr id="1" name=""/>
+        <p:cNvGrpSpPr/>
+        <p:nvPr/>
+      </p:nvGrpSpPr>
+      <p:grpSpPr>
+        <a:xfrm>
+          <a:off x="0" y="0"/>
+          <a:ext cx="0" cy="0"/>
+          <a:chOff x="0" y="0"/>
+          <a:chExt cx="0" cy="0"/>
+        </a:xfrm>
+      </p:grpSpPr>
+      <p:sp>
+        <p:nvSpPr>
+          <p:cNvPr id="2" name="Title 1"/>
+          <p:cNvSpPr>
+            <a:spLocks noGrp="1"/>
+          </p:cNvSpPr>
+          <p:nvPr>
+            <p:ph type="title"/>
+          </p:nvPr>
+        </p:nvSpPr>
+        <p:spPr/>
+        <p:txBody>
+          <a:bodyPr>
+            <a:normAutofit/>
+          </a:bodyPr>
+          <a:lstStyle/>
+          <a:p>
+            <a:pPr algn="l"/>
+            <a:r>
+              <a:rPr lang="en-US" b="1" dirty="0" smtClean="0">
+                <a:latin typeface="PT Sans"/>
+                <a:cs typeface="PT Sans"/>
+              </a:rPr>
               <a:t>Statistical Study</a:t>
             </a:r>
             <a:endParaRPr lang="en-US" b="1" dirty="0">
@@ -6307,36 +9164,18 @@
                 <a:latin typeface="PT Sans"/>
                 <a:cs typeface="PT Sans"/>
               </a:rPr>
-              <a:t>Claim </a:t>
-            </a:r>
+              <a:t>Claim in statistical terms</a:t>
+            </a:r>
+          </a:p>
+          <a:p>
+            <a:pPr lvl="1"/>
             <a:r>
               <a:rPr lang="en-US" dirty="0" smtClean="0">
                 <a:latin typeface="PT Sans"/>
                 <a:cs typeface="PT Sans"/>
               </a:rPr>
-              <a:t>in statistical terms</a:t>
-            </a:r>
-          </a:p>
-          <a:p>
-            <a:pPr lvl="1"/>
-            <a:r>
-              <a:rPr lang="en-US" dirty="0" smtClean="0">
-                <a:latin typeface="PT Sans"/>
-                <a:cs typeface="PT Sans"/>
-              </a:rPr>
-              <a:t>“With 95% confidence, my KV beats </a:t>
-            </a:r>
-            <a:r>
-              <a:rPr lang="en-US" dirty="0" smtClean="0">
-                <a:latin typeface="PT Sans"/>
-                <a:cs typeface="PT Sans"/>
-              </a:rPr>
-              <a:t>XX.”</a:t>
-            </a:r>
-            <a:endParaRPr lang="en-US" dirty="0" smtClean="0">
-              <a:latin typeface="PT Sans"/>
-              <a:cs typeface="PT Sans"/>
-            </a:endParaRPr>
+              <a:t>“With 95% confidence, my KV beats XX.”</a:t>
+            </a:r>
           </a:p>
           <a:p>
             <a:pPr lvl="1"/>
@@ -6364,7 +9203,7 @@
           <a:p>
             <a:fld id="{FA8338FA-16C6-9C42-9987-80EFEA67B0E4}" type="slidenum">
               <a:rPr lang="en-US" smtClean="0"/>
-              <a:t>3</a:t>
+              <a:t>20</a:t>
             </a:fld>
             <a:endParaRPr lang="en-US"/>
           </a:p>
@@ -6390,7 +9229,7 @@
 </p:sld>
 </file>
 
-<file path=ppt/slides/slide4.xml><?xml version="1.0" encoding="utf-8"?>
+<file path=ppt/slides/slide21.xml><?xml version="1.0" encoding="utf-8"?>
 <p:sld xmlns:a="http://schemas.openxmlformats.org/drawingml/2006/main" xmlns:r="http://schemas.openxmlformats.org/officeDocument/2006/relationships" xmlns:p="http://schemas.openxmlformats.org/presentationml/2006/main">
   <p:cSld>
     <p:spTree>
@@ -6525,21 +9364,7 @@
                 <a:latin typeface="PT Sans"/>
                 <a:cs typeface="PT Sans"/>
               </a:rPr>
-              <a:t> conditions</a:t>
-            </a:r>
-            <a:r>
-              <a:rPr lang="en-US" dirty="0" smtClean="0">
-                <a:latin typeface="PT Sans"/>
-                <a:cs typeface="PT Sans"/>
-              </a:rPr>
-              <a:t>, my KV beats </a:t>
-            </a:r>
-            <a:r>
-              <a:rPr lang="en-US" dirty="0" smtClean="0">
-                <a:latin typeface="PT Sans"/>
-                <a:cs typeface="PT Sans"/>
-              </a:rPr>
-              <a:t>XX.”</a:t>
+              <a:t> conditions, my KV beats XX.”</a:t>
             </a:r>
             <a:endParaRPr lang="en-US" dirty="0">
               <a:latin typeface="PT Sans"/>
@@ -6565,7 +9390,7 @@
           <a:p>
             <a:fld id="{FA8338FA-16C6-9C42-9987-80EFEA67B0E4}" type="slidenum">
               <a:rPr lang="en-US" smtClean="0"/>
-              <a:t>4</a:t>
+              <a:t>21</a:t>
             </a:fld>
             <a:endParaRPr lang="en-US"/>
           </a:p>
@@ -6630,8 +9455,8 @@
         </p:nvSpPr>
         <p:spPr>
           <a:xfrm>
-            <a:off x="7775424" y="2988286"/>
-            <a:ext cx="3075807" cy="769441"/>
+            <a:off x="5113868" y="3064042"/>
+            <a:ext cx="4306498" cy="2123658"/>
           </a:xfrm>
           <a:prstGeom prst="rect">
             <a:avLst/>
@@ -6667,7 +9492,61 @@
                 <a:latin typeface="PT Sans"/>
                 <a:cs typeface="PT Sans"/>
               </a:rPr>
-              <a:t>Is it?</a:t>
+              <a:t>how impractical</a:t>
+            </a:r>
+          </a:p>
+          <a:p>
+            <a:r>
+              <a:rPr lang="en-US" sz="4400" b="1" dirty="0" smtClean="0">
+                <a:ln w="22225">
+                  <a:solidFill>
+                    <a:schemeClr val="tx1"/>
+                  </a:solidFill>
+                  <a:prstDash val="solid"/>
+                </a:ln>
+                <a:solidFill>
+                  <a:schemeClr val="accent5">
+                    <a:lumMod val="60000"/>
+                    <a:lumOff val="40000"/>
+                  </a:schemeClr>
+                </a:solidFill>
+                <a:effectLst>
+                  <a:outerShdw blurRad="41275" dist="20320" dir="1800000" algn="tl" rotWithShape="0">
+                    <a:srgbClr val="000000">
+                      <a:alpha val="40000"/>
+                    </a:srgbClr>
+                  </a:outerShdw>
+                </a:effectLst>
+                <a:latin typeface="PT Sans"/>
+                <a:cs typeface="PT Sans"/>
+              </a:rPr>
+              <a:t>is it, if we use containers</a:t>
+            </a:r>
+            <a:r>
+              <a:rPr lang="en-US" sz="4400" b="1" dirty="0" smtClean="0">
+                <a:ln w="22225">
+                  <a:solidFill>
+                    <a:schemeClr val="tx1"/>
+                  </a:solidFill>
+                  <a:prstDash val="solid"/>
+                </a:ln>
+                <a:solidFill>
+                  <a:schemeClr val="accent5">
+                    <a:lumMod val="60000"/>
+                    <a:lumOff val="40000"/>
+                  </a:schemeClr>
+                </a:solidFill>
+                <a:effectLst>
+                  <a:outerShdw blurRad="41275" dist="20320" dir="1800000" algn="tl" rotWithShape="0">
+                    <a:srgbClr val="000000">
+                      <a:alpha val="40000"/>
+                    </a:srgbClr>
+                  </a:outerShdw>
+                </a:effectLst>
+                <a:latin typeface="PT Sans"/>
+                <a:cs typeface="PT Sans"/>
+              </a:rPr>
+              <a:t>?</a:t>
             </a:r>
             <a:endParaRPr lang="en-US" sz="4400" dirty="0"/>
           </a:p>
@@ -6810,7 +9689,7 @@
 </p:sld>
 </file>
 
-<file path=ppt/slides/slide5.xml><?xml version="1.0" encoding="utf-8"?>
+<file path=ppt/slides/slide22.xml><?xml version="1.0" encoding="utf-8"?>
 <p:sld xmlns:a="http://schemas.openxmlformats.org/drawingml/2006/main" xmlns:r="http://schemas.openxmlformats.org/officeDocument/2006/relationships" xmlns:p="http://schemas.openxmlformats.org/presentationml/2006/main">
   <p:cSld>
     <p:spTree>
@@ -6837,25 +9716,22 @@
             <p:ph type="title"/>
           </p:nvPr>
         </p:nvSpPr>
-        <p:spPr>
-          <a:xfrm>
-            <a:off x="457200" y="274638"/>
-            <a:ext cx="8229600" cy="1143000"/>
-          </a:xfrm>
-        </p:spPr>
-        <p:txBody>
-          <a:bodyPr/>
+        <p:spPr/>
+        <p:txBody>
+          <a:bodyPr>
+            <a:normAutofit/>
+          </a:bodyPr>
           <a:lstStyle/>
           <a:p>
             <a:pPr algn="l"/>
             <a:r>
-              <a:rPr lang="en-US" b="1" dirty="0" smtClean="0">
-                <a:latin typeface="PT Sans"/>
-                <a:cs typeface="PT Sans"/>
-              </a:rPr>
-              <a:t>Outline</a:t>
-            </a:r>
-            <a:endParaRPr lang="en-US" b="1" dirty="0">
+              <a:rPr lang="en-US" sz="4000" b="1" dirty="0" smtClean="0">
+                <a:latin typeface="PT Sans"/>
+                <a:cs typeface="PT Sans"/>
+              </a:rPr>
+              <a:t>Conclusion</a:t>
+            </a:r>
+            <a:endParaRPr lang="en-US" sz="4000" b="1" dirty="0">
               <a:latin typeface="PT Sans"/>
               <a:cs typeface="PT Sans"/>
             </a:endParaRPr>
@@ -6874,7 +9750,9 @@
         </p:nvSpPr>
         <p:spPr/>
         <p:txBody>
-          <a:bodyPr/>
+          <a:bodyPr>
+            <a:normAutofit/>
+          </a:bodyPr>
           <a:lstStyle/>
           <a:p>
             <a:r>
@@ -6882,7 +9760,7 @@
                 <a:latin typeface="PT Sans"/>
                 <a:cs typeface="PT Sans"/>
               </a:rPr>
-              <a:t>Problem Definition</a:t>
+              <a:t>OS-level virtualization let’s us have control over environmental variables that affect application performance.</a:t>
             </a:r>
           </a:p>
           <a:p>
@@ -6891,7 +9769,7 @@
                 <a:latin typeface="PT Sans"/>
                 <a:cs typeface="PT Sans"/>
               </a:rPr>
-              <a:t>Characterize performance of a machine</a:t>
+              <a:t>Limiting CPU bandwidth results in having predictable variability between machines.</a:t>
             </a:r>
           </a:p>
           <a:p>
@@ -6900,25 +9778,17 @@
                 <a:latin typeface="PT Sans"/>
                 <a:cs typeface="PT Sans"/>
               </a:rPr>
-              <a:t>Quantify variability across machines</a:t>
-            </a:r>
-          </a:p>
-          <a:p>
+              <a:t>Initial steps towards having new category of  “Controlled Experiments”.</a:t>
+            </a:r>
+          </a:p>
+          <a:p>
+            <a:pPr lvl="1"/>
             <a:r>
               <a:rPr lang="en-US" dirty="0" smtClean="0">
                 <a:latin typeface="PT Sans"/>
                 <a:cs typeface="PT Sans"/>
               </a:rPr>
-              <a:t>Reduce variability using containers</a:t>
-            </a:r>
-          </a:p>
-          <a:p>
-            <a:r>
-              <a:rPr lang="en-US" dirty="0" smtClean="0">
-                <a:latin typeface="PT Sans"/>
-                <a:cs typeface="PT Sans"/>
-              </a:rPr>
-              <a:t>Next steps</a:t>
+              <a:t>Slow and predictable vs. fast and noisy</a:t>
             </a:r>
           </a:p>
           <a:p>
@@ -6946,7 +9816,389 @@
           <a:p>
             <a:fld id="{FA8338FA-16C6-9C42-9987-80EFEA67B0E4}" type="slidenum">
               <a:rPr lang="en-US" smtClean="0"/>
-              <a:t>5</a:t>
+              <a:t>22</a:t>
+            </a:fld>
+            <a:endParaRPr lang="en-US"/>
+          </a:p>
+        </p:txBody>
+      </p:sp>
+    </p:spTree>
+    <p:extLst>
+      <p:ext uri="{BB962C8B-B14F-4D97-AF65-F5344CB8AC3E}">
+        <p14:creationId xmlns:p14="http://schemas.microsoft.com/office/powerpoint/2010/main" val="3640826676"/>
+      </p:ext>
+    </p:extLst>
+  </p:cSld>
+  <p:clrMapOvr>
+    <a:masterClrMapping/>
+  </p:clrMapOvr>
+  <p:timing>
+    <p:tnLst>
+      <p:par>
+        <p:cTn xmlns:p14="http://schemas.microsoft.com/office/powerpoint/2010/main" id="1" dur="indefinite" restart="never" nodeType="tmRoot"/>
+      </p:par>
+    </p:tnLst>
+  </p:timing>
+</p:sld>
+</file>
+
+<file path=ppt/slides/slide23.xml><?xml version="1.0" encoding="utf-8"?>
+<p:sld xmlns:a="http://schemas.openxmlformats.org/drawingml/2006/main" xmlns:r="http://schemas.openxmlformats.org/officeDocument/2006/relationships" xmlns:p="http://schemas.openxmlformats.org/presentationml/2006/main">
+  <p:cSld>
+    <p:spTree>
+      <p:nvGrpSpPr>
+        <p:cNvPr id="1" name=""/>
+        <p:cNvGrpSpPr/>
+        <p:nvPr/>
+      </p:nvGrpSpPr>
+      <p:grpSpPr>
+        <a:xfrm>
+          <a:off x="0" y="0"/>
+          <a:ext cx="0" cy="0"/>
+          <a:chOff x="0" y="0"/>
+          <a:chExt cx="0" cy="0"/>
+        </a:xfrm>
+      </p:grpSpPr>
+      <p:sp>
+        <p:nvSpPr>
+          <p:cNvPr id="2" name="Title 1"/>
+          <p:cNvSpPr>
+            <a:spLocks noGrp="1"/>
+          </p:cNvSpPr>
+          <p:nvPr>
+            <p:ph type="title"/>
+          </p:nvPr>
+        </p:nvSpPr>
+        <p:spPr/>
+        <p:txBody>
+          <a:bodyPr>
+            <a:normAutofit/>
+          </a:bodyPr>
+          <a:lstStyle/>
+          <a:p>
+            <a:pPr algn="l"/>
+            <a:r>
+              <a:rPr lang="en-US" sz="4000" b="1" dirty="0" smtClean="0">
+                <a:latin typeface="PT Sans"/>
+                <a:cs typeface="PT Sans"/>
+              </a:rPr>
+              <a:t>Next Steps</a:t>
+            </a:r>
+            <a:endParaRPr lang="en-US" sz="4000" b="1" dirty="0">
+              <a:latin typeface="PT Sans"/>
+              <a:cs typeface="PT Sans"/>
+            </a:endParaRPr>
+          </a:p>
+        </p:txBody>
+      </p:sp>
+      <p:sp>
+        <p:nvSpPr>
+          <p:cNvPr id="4" name="Content Placeholder 3"/>
+          <p:cNvSpPr>
+            <a:spLocks noGrp="1"/>
+          </p:cNvSpPr>
+          <p:nvPr>
+            <p:ph idx="1"/>
+          </p:nvPr>
+        </p:nvSpPr>
+        <p:spPr/>
+        <p:txBody>
+          <a:bodyPr>
+            <a:normAutofit/>
+          </a:bodyPr>
+          <a:lstStyle/>
+          <a:p>
+            <a:r>
+              <a:rPr lang="en-US" dirty="0" smtClean="0">
+                <a:latin typeface="PT Sans"/>
+                <a:cs typeface="PT Sans"/>
+              </a:rPr>
+              <a:t>What’s the impact of controlling memory bandwidth?</a:t>
+            </a:r>
+          </a:p>
+          <a:p>
+            <a:pPr lvl="1"/>
+            <a:r>
+              <a:rPr lang="en-US" dirty="0" smtClean="0">
+                <a:latin typeface="PT Sans"/>
+                <a:cs typeface="PT Sans"/>
+              </a:rPr>
+              <a:t>Can we narrow the variability around x=1.0</a:t>
+            </a:r>
+          </a:p>
+          <a:p>
+            <a:r>
+              <a:rPr lang="en-US" dirty="0" smtClean="0">
+                <a:latin typeface="PT Sans"/>
+                <a:cs typeface="PT Sans"/>
+              </a:rPr>
+              <a:t>Consider other types of applications:</a:t>
+            </a:r>
+          </a:p>
+          <a:p>
+            <a:pPr lvl="1"/>
+            <a:r>
+              <a:rPr lang="en-US" dirty="0" smtClean="0">
+                <a:latin typeface="PT Sans"/>
+                <a:cs typeface="PT Sans"/>
+              </a:rPr>
+              <a:t>Multi-threaded applications, IO- and net-bound</a:t>
+            </a:r>
+            <a:r>
+              <a:rPr lang="en-US" dirty="0" smtClean="0">
+                <a:latin typeface="PT Sans"/>
+                <a:cs typeface="PT Sans"/>
+              </a:rPr>
+              <a:t>.</a:t>
+            </a:r>
+            <a:endParaRPr lang="en-US" dirty="0" smtClean="0">
+              <a:latin typeface="PT Sans"/>
+              <a:cs typeface="PT Sans"/>
+            </a:endParaRPr>
+          </a:p>
+          <a:p>
+            <a:endParaRPr lang="en-US" dirty="0">
+              <a:latin typeface="PT Sans"/>
+              <a:cs typeface="PT Sans"/>
+            </a:endParaRPr>
+          </a:p>
+        </p:txBody>
+      </p:sp>
+      <p:sp>
+        <p:nvSpPr>
+          <p:cNvPr id="3" name="Slide Number Placeholder 2"/>
+          <p:cNvSpPr>
+            <a:spLocks noGrp="1"/>
+          </p:cNvSpPr>
+          <p:nvPr>
+            <p:ph type="sldNum" sz="quarter" idx="12"/>
+          </p:nvPr>
+        </p:nvSpPr>
+        <p:spPr/>
+        <p:txBody>
+          <a:bodyPr/>
+          <a:lstStyle/>
+          <a:p>
+            <a:fld id="{FA8338FA-16C6-9C42-9987-80EFEA67B0E4}" type="slidenum">
+              <a:rPr lang="en-US" smtClean="0"/>
+              <a:t>23</a:t>
+            </a:fld>
+            <a:endParaRPr lang="en-US"/>
+          </a:p>
+        </p:txBody>
+      </p:sp>
+    </p:spTree>
+    <p:extLst>
+      <p:ext uri="{BB962C8B-B14F-4D97-AF65-F5344CB8AC3E}">
+        <p14:creationId xmlns:p14="http://schemas.microsoft.com/office/powerpoint/2010/main" val="142945982"/>
+      </p:ext>
+    </p:extLst>
+  </p:cSld>
+  <p:clrMapOvr>
+    <a:masterClrMapping/>
+  </p:clrMapOvr>
+  <p:timing>
+    <p:tnLst>
+      <p:par>
+        <p:cTn xmlns:p14="http://schemas.microsoft.com/office/powerpoint/2010/main" id="1" dur="indefinite" restart="never" nodeType="tmRoot"/>
+      </p:par>
+    </p:tnLst>
+  </p:timing>
+</p:sld>
+</file>
+
+<file path=ppt/slides/slide3.xml><?xml version="1.0" encoding="utf-8"?>
+<p:sld xmlns:a="http://schemas.openxmlformats.org/drawingml/2006/main" xmlns:r="http://schemas.openxmlformats.org/officeDocument/2006/relationships" xmlns:p="http://schemas.openxmlformats.org/presentationml/2006/main">
+  <p:cSld>
+    <p:spTree>
+      <p:nvGrpSpPr>
+        <p:cNvPr id="1" name=""/>
+        <p:cNvGrpSpPr/>
+        <p:nvPr/>
+      </p:nvGrpSpPr>
+      <p:grpSpPr>
+        <a:xfrm>
+          <a:off x="0" y="0"/>
+          <a:ext cx="0" cy="0"/>
+          <a:chOff x="0" y="0"/>
+          <a:chExt cx="0" cy="0"/>
+        </a:xfrm>
+      </p:grpSpPr>
+      <p:sp>
+        <p:nvSpPr>
+          <p:cNvPr id="2" name="Title 1"/>
+          <p:cNvSpPr>
+            <a:spLocks noGrp="1"/>
+          </p:cNvSpPr>
+          <p:nvPr>
+            <p:ph type="title"/>
+          </p:nvPr>
+        </p:nvSpPr>
+        <p:spPr>
+          <a:xfrm>
+            <a:off x="457200" y="274638"/>
+            <a:ext cx="8229600" cy="1143000"/>
+          </a:xfrm>
+        </p:spPr>
+        <p:txBody>
+          <a:bodyPr/>
+          <a:lstStyle/>
+          <a:p>
+            <a:pPr algn="l"/>
+            <a:r>
+              <a:rPr lang="en-US" b="1" dirty="0" smtClean="0">
+                <a:latin typeface="PT Sans"/>
+                <a:cs typeface="PT Sans"/>
+              </a:rPr>
+              <a:t>Outline</a:t>
+            </a:r>
+            <a:endParaRPr lang="en-US" b="1" dirty="0">
+              <a:latin typeface="PT Sans"/>
+              <a:cs typeface="PT Sans"/>
+            </a:endParaRPr>
+          </a:p>
+        </p:txBody>
+      </p:sp>
+      <p:sp>
+        <p:nvSpPr>
+          <p:cNvPr id="4" name="Content Placeholder 3"/>
+          <p:cNvSpPr>
+            <a:spLocks noGrp="1"/>
+          </p:cNvSpPr>
+          <p:nvPr>
+            <p:ph idx="1"/>
+          </p:nvPr>
+        </p:nvSpPr>
+        <p:spPr/>
+        <p:txBody>
+          <a:bodyPr/>
+          <a:lstStyle/>
+          <a:p>
+            <a:r>
+              <a:rPr lang="en-US" b="1" dirty="0" smtClean="0">
+                <a:latin typeface="PT Sans"/>
+                <a:cs typeface="PT Sans"/>
+              </a:rPr>
+              <a:t>Problem </a:t>
+            </a:r>
+            <a:r>
+              <a:rPr lang="en-US" b="1" dirty="0" smtClean="0">
+                <a:latin typeface="PT Sans"/>
+                <a:cs typeface="PT Sans"/>
+              </a:rPr>
+              <a:t>Definition.</a:t>
+            </a:r>
+            <a:endParaRPr lang="en-US" b="1" dirty="0" smtClean="0">
+              <a:latin typeface="PT Sans"/>
+              <a:cs typeface="PT Sans"/>
+            </a:endParaRPr>
+          </a:p>
+          <a:p>
+            <a:r>
+              <a:rPr lang="en-US" dirty="0" smtClean="0">
+                <a:latin typeface="PT Sans"/>
+                <a:cs typeface="PT Sans"/>
+              </a:rPr>
+              <a:t>Characterize performance of a </a:t>
+            </a:r>
+            <a:r>
+              <a:rPr lang="en-US" dirty="0" smtClean="0">
+                <a:latin typeface="PT Sans"/>
+                <a:cs typeface="PT Sans"/>
+              </a:rPr>
+              <a:t>machine.</a:t>
+            </a:r>
+            <a:endParaRPr lang="en-US" dirty="0" smtClean="0">
+              <a:latin typeface="PT Sans"/>
+              <a:cs typeface="PT Sans"/>
+            </a:endParaRPr>
+          </a:p>
+          <a:p>
+            <a:r>
+              <a:rPr lang="en-US" dirty="0" smtClean="0">
+                <a:latin typeface="PT Sans"/>
+                <a:cs typeface="PT Sans"/>
+              </a:rPr>
+              <a:t>Quantify variability across </a:t>
+            </a:r>
+            <a:r>
+              <a:rPr lang="en-US" dirty="0" smtClean="0">
+                <a:latin typeface="PT Sans"/>
+                <a:cs typeface="PT Sans"/>
+              </a:rPr>
+              <a:t>machines.</a:t>
+            </a:r>
+            <a:endParaRPr lang="en-US" dirty="0" smtClean="0">
+              <a:latin typeface="PT Sans"/>
+              <a:cs typeface="PT Sans"/>
+            </a:endParaRPr>
+          </a:p>
+          <a:p>
+            <a:r>
+              <a:rPr lang="en-US" dirty="0" smtClean="0">
+                <a:latin typeface="PT Sans"/>
+                <a:cs typeface="PT Sans"/>
+              </a:rPr>
+              <a:t>Reduce variability using </a:t>
+            </a:r>
+            <a:r>
+              <a:rPr lang="en-US" dirty="0" smtClean="0">
+                <a:latin typeface="PT Sans"/>
+                <a:cs typeface="PT Sans"/>
+              </a:rPr>
+              <a:t>containers.</a:t>
+            </a:r>
+            <a:endParaRPr lang="en-US" dirty="0" smtClean="0">
+              <a:latin typeface="PT Sans"/>
+              <a:cs typeface="PT Sans"/>
+            </a:endParaRPr>
+          </a:p>
+          <a:p>
+            <a:r>
+              <a:rPr lang="en-US" dirty="0" smtClean="0">
+                <a:latin typeface="PT Sans"/>
+                <a:cs typeface="PT Sans"/>
+              </a:rPr>
+              <a:t>Next </a:t>
+            </a:r>
+            <a:r>
+              <a:rPr lang="en-US" dirty="0" smtClean="0">
+                <a:latin typeface="PT Sans"/>
+                <a:cs typeface="PT Sans"/>
+              </a:rPr>
+              <a:t>steps.</a:t>
+            </a:r>
+            <a:endParaRPr lang="en-US" dirty="0" smtClean="0">
+              <a:latin typeface="PT Sans"/>
+              <a:cs typeface="PT Sans"/>
+            </a:endParaRPr>
+          </a:p>
+          <a:p>
+            <a:endParaRPr lang="en-US" dirty="0">
+              <a:latin typeface="PT Sans"/>
+              <a:cs typeface="PT Sans"/>
+            </a:endParaRPr>
+          </a:p>
+        </p:txBody>
+      </p:sp>
+      <p:sp>
+        <p:nvSpPr>
+          <p:cNvPr id="3" name="Slide Number Placeholder 2"/>
+          <p:cNvSpPr>
+            <a:spLocks noGrp="1"/>
+          </p:cNvSpPr>
+          <p:nvPr>
+            <p:ph type="sldNum" sz="quarter" idx="12"/>
+          </p:nvPr>
+        </p:nvSpPr>
+        <p:spPr/>
+        <p:txBody>
+          <a:bodyPr/>
+          <a:lstStyle/>
+          <a:p>
+            <a:fld id="{FA8338FA-16C6-9C42-9987-80EFEA67B0E4}" type="slidenum">
+              <a:rPr lang="en-US" smtClean="0"/>
+              <a:t>3</a:t>
             </a:fld>
             <a:endParaRPr lang="en-US"/>
           </a:p>
@@ -6972,7 +10224,7 @@
 </p:sld>
 </file>
 
-<file path=ppt/slides/slide6.xml><?xml version="1.0" encoding="utf-8"?>
+<file path=ppt/slides/slide4.xml><?xml version="1.0" encoding="utf-8"?>
 <p:sld xmlns:a="http://schemas.openxmlformats.org/drawingml/2006/main" xmlns:r="http://schemas.openxmlformats.org/officeDocument/2006/relationships" xmlns:p="http://schemas.openxmlformats.org/presentationml/2006/main">
   <p:cSld>
     <p:spTree>
@@ -7042,18 +10294,39 @@
           <a:lstStyle/>
           <a:p>
             <a:r>
+              <a:rPr lang="en-US" dirty="0">
+                <a:latin typeface="PT Sans"/>
+                <a:cs typeface="PT Sans"/>
+              </a:rPr>
+              <a:t>CPU-bound </a:t>
+            </a:r>
+            <a:r>
               <a:rPr lang="en-US" dirty="0" smtClean="0">
                 <a:latin typeface="PT Sans"/>
                 <a:cs typeface="PT Sans"/>
               </a:rPr>
-              <a:t>Discard network and I/</a:t>
+              <a:t>programs (ignore</a:t>
             </a:r>
             <a:r>
               <a:rPr lang="en-US" dirty="0" smtClean="0">
                 <a:latin typeface="PT Sans"/>
                 <a:cs typeface="PT Sans"/>
               </a:rPr>
-              <a:t>O (for now).</a:t>
+              <a:t> </a:t>
+            </a:r>
+            <a:r>
+              <a:rPr lang="en-US" dirty="0" smtClean="0">
+                <a:latin typeface="PT Sans"/>
+                <a:cs typeface="PT Sans"/>
+              </a:rPr>
+              <a:t>network and I/</a:t>
+            </a:r>
+            <a:r>
+              <a:rPr lang="en-US" dirty="0" smtClean="0">
+                <a:latin typeface="PT Sans"/>
+                <a:cs typeface="PT Sans"/>
+              </a:rPr>
+              <a:t>O).</a:t>
             </a:r>
             <a:endParaRPr lang="en-US" dirty="0" smtClean="0">
               <a:latin typeface="PT Sans"/>
@@ -7066,31 +10339,42 @@
                 <a:latin typeface="PT Sans"/>
                 <a:cs typeface="PT Sans"/>
               </a:rPr>
-              <a:t>single</a:t>
+              <a:t>single-</a:t>
             </a:r>
             <a:r>
               <a:rPr lang="en-US" dirty="0" smtClean="0">
                 <a:latin typeface="PT Sans"/>
                 <a:cs typeface="PT Sans"/>
               </a:rPr>
-              <a:t>-node</a:t>
-            </a:r>
-          </a:p>
-          <a:p>
+              <a:t>node, single</a:t>
+            </a:r>
             <a:r>
               <a:rPr lang="en-US" dirty="0" smtClean="0">
                 <a:latin typeface="PT Sans"/>
                 <a:cs typeface="PT Sans"/>
               </a:rPr>
-              <a:t>single</a:t>
+              <a:t>-threaded applications</a:t>
             </a:r>
             <a:r>
               <a:rPr lang="en-US" dirty="0" smtClean="0">
                 <a:latin typeface="PT Sans"/>
                 <a:cs typeface="PT Sans"/>
               </a:rPr>
-              <a:t>-threaded applications.</a:t>
-            </a:r>
+              <a:t>.</a:t>
+            </a:r>
+          </a:p>
+          <a:p>
+            <a:r>
+              <a:rPr lang="en-US" dirty="0" smtClean="0">
+                <a:latin typeface="PT Sans"/>
+                <a:cs typeface="PT Sans"/>
+              </a:rPr>
+              <a:t>Uncontended scenarios.</a:t>
+            </a:r>
+            <a:endParaRPr lang="en-US" dirty="0" smtClean="0">
+              <a:latin typeface="PT Sans"/>
+              <a:cs typeface="PT Sans"/>
+            </a:endParaRPr>
           </a:p>
           <a:p>
             <a:endParaRPr lang="en-US" dirty="0">
@@ -7117,7 +10401,7 @@
           <a:p>
             <a:fld id="{FA8338FA-16C6-9C42-9987-80EFEA67B0E4}" type="slidenum">
               <a:rPr lang="en-US" smtClean="0"/>
-              <a:t>6</a:t>
+              <a:t>4</a:t>
             </a:fld>
             <a:endParaRPr lang="en-US"/>
           </a:p>
@@ -7131,7 +10415,7 @@
         </p:nvGrpSpPr>
         <p:grpSpPr>
           <a:xfrm>
-            <a:off x="1901279" y="1593272"/>
+            <a:off x="2504385" y="1593272"/>
             <a:ext cx="1748495" cy="2944015"/>
             <a:chOff x="1982097" y="3198027"/>
             <a:chExt cx="1748495" cy="2944015"/>
@@ -7170,7 +10454,7 @@
           <p:spPr>
             <a:xfrm>
               <a:off x="2332182" y="5772710"/>
-              <a:ext cx="1043876" cy="369332"/>
+              <a:ext cx="1127269" cy="369332"/>
             </a:xfrm>
             <a:prstGeom prst="rect">
               <a:avLst/>
@@ -7185,7 +10469,11 @@
             <a:p>
               <a:r>
                 <a:rPr lang="en-US" dirty="0" smtClean="0"/>
-                <a:t>2500 ops</a:t>
+                <a:t>2500 </a:t>
+              </a:r>
+              <a:r>
+                <a:rPr lang="en-US" dirty="0" smtClean="0"/>
+                <a:t>op/s</a:t>
               </a:r>
               <a:endParaRPr lang="en-US" dirty="0"/>
             </a:p>
@@ -7239,7 +10527,7 @@
           <p:spPr>
             <a:xfrm>
               <a:off x="5509324" y="5740444"/>
-              <a:ext cx="997990" cy="369332"/>
+              <a:ext cx="1087144" cy="369332"/>
             </a:xfrm>
             <a:prstGeom prst="rect">
               <a:avLst/>
@@ -7254,9 +10542,88 @@
             <a:p>
               <a:r>
                 <a:rPr lang="en-US" dirty="0" smtClean="0"/>
-                <a:t>???? ops</a:t>
+                <a:t>???? </a:t>
+              </a:r>
+              <a:r>
+                <a:rPr lang="en-US" dirty="0" smtClean="0"/>
+                <a:t>op/s</a:t>
               </a:r>
               <a:endParaRPr lang="en-US" dirty="0"/>
+            </a:p>
+          </p:txBody>
+        </p:sp>
+      </p:grpSp>
+      <p:grpSp>
+        <p:nvGrpSpPr>
+          <p:cNvPr id="12" name="Group 11"/>
+          <p:cNvGrpSpPr/>
+          <p:nvPr/>
+        </p:nvGrpSpPr>
+        <p:grpSpPr>
+          <a:xfrm>
+            <a:off x="669660" y="2204557"/>
+            <a:ext cx="1000654" cy="1175976"/>
+            <a:chOff x="957527" y="1942583"/>
+            <a:chExt cx="1000654" cy="1175976"/>
+          </a:xfrm>
+        </p:grpSpPr>
+        <p:pic>
+          <p:nvPicPr>
+            <p:cNvPr id="13" name="Picture 12"/>
+            <p:cNvPicPr>
+              <a:picLocks noChangeAspect="1"/>
+            </p:cNvPicPr>
+            <p:nvPr/>
+          </p:nvPicPr>
+          <p:blipFill>
+            <a:blip r:embed="rId4"/>
+            <a:stretch>
+              <a:fillRect/>
+            </a:stretch>
+          </p:blipFill>
+          <p:spPr>
+            <a:xfrm>
+              <a:off x="957527" y="1942583"/>
+              <a:ext cx="1000654" cy="1000654"/>
+            </a:xfrm>
+            <a:prstGeom prst="rect">
+              <a:avLst/>
+            </a:prstGeom>
+          </p:spPr>
+        </p:pic>
+        <p:sp>
+          <p:nvSpPr>
+            <p:cNvPr id="14" name="TextBox 13"/>
+            <p:cNvSpPr txBox="1"/>
+            <p:nvPr/>
+          </p:nvSpPr>
+          <p:spPr>
+            <a:xfrm>
+              <a:off x="1062878" y="2872338"/>
+              <a:ext cx="789952" cy="246221"/>
+            </a:xfrm>
+            <a:prstGeom prst="rect">
+              <a:avLst/>
+            </a:prstGeom>
+            <a:noFill/>
+          </p:spPr>
+          <p:txBody>
+            <a:bodyPr wrap="none" rtlCol="0">
+              <a:spAutoFit/>
+            </a:bodyPr>
+            <a:lstStyle/>
+            <a:p>
+              <a:r>
+                <a:rPr lang="en-US" sz="1000" dirty="0" smtClean="0">
+                  <a:latin typeface="PT Sans"/>
+                  <a:cs typeface="PT Sans"/>
+                </a:rPr>
+                <a:t>benchmark</a:t>
+              </a:r>
+              <a:endParaRPr lang="en-US" sz="1000" dirty="0">
+                <a:latin typeface="PT Sans"/>
+                <a:cs typeface="PT Sans"/>
+              </a:endParaRPr>
             </a:p>
           </p:txBody>
         </p:sp>
@@ -7305,7 +10672,7 @@
                                           </p:stCondLst>
                                         </p:cTn>
                                         <p:tgtEl>
-                                          <p:spTgt spid="10"/>
+                                          <p:spTgt spid="12"/>
                                         </p:tgtEl>
                                         <p:attrNameLst>
                                           <p:attrName>style.visibility</p:attrName>
@@ -7350,7 +10717,7 @@
                                           </p:stCondLst>
                                         </p:cTn>
                                         <p:tgtEl>
-                                          <p:spTgt spid="11"/>
+                                          <p:spTgt spid="10"/>
                                         </p:tgtEl>
                                         <p:attrNameLst>
                                           <p:attrName>style.visibility</p:attrName>
@@ -7382,7 +10749,7 @@
                             </p:stCondLst>
                             <p:childTnLst>
                               <p:par>
-                                <p:cTn id="13" presetID="1" presetClass="entr" presetSubtype="0" fill="hold" grpId="0" nodeType="clickEffect">
+                                <p:cTn id="13" presetID="1" presetClass="entr" presetSubtype="0" fill="hold" nodeType="clickEffect">
                                   <p:stCondLst>
                                     <p:cond delay="0"/>
                                   </p:stCondLst>
@@ -7395,11 +10762,7 @@
                                           </p:stCondLst>
                                         </p:cTn>
                                         <p:tgtEl>
-                                          <p:spTgt spid="4">
-                                            <p:txEl>
-                                              <p:pRg st="0" end="0"/>
-                                            </p:txEl>
-                                          </p:spTgt>
+                                          <p:spTgt spid="11"/>
                                         </p:tgtEl>
                                         <p:attrNameLst>
                                           <p:attrName>style.visibility</p:attrName>
@@ -7446,7 +10809,7 @@
                                         <p:tgtEl>
                                           <p:spTgt spid="4">
                                             <p:txEl>
-                                              <p:pRg st="1" end="1"/>
+                                              <p:pRg st="0" end="0"/>
                                             </p:txEl>
                                           </p:spTgt>
                                         </p:tgtEl>
@@ -7488,6 +10851,55 @@
                                     <p:set>
                                       <p:cBhvr>
                                         <p:cTn id="22" dur="1" fill="hold">
+                                          <p:stCondLst>
+                                            <p:cond delay="0"/>
+                                          </p:stCondLst>
+                                        </p:cTn>
+                                        <p:tgtEl>
+                                          <p:spTgt spid="4">
+                                            <p:txEl>
+                                              <p:pRg st="1" end="1"/>
+                                            </p:txEl>
+                                          </p:spTgt>
+                                        </p:tgtEl>
+                                        <p:attrNameLst>
+                                          <p:attrName>style.visibility</p:attrName>
+                                        </p:attrNameLst>
+                                      </p:cBhvr>
+                                      <p:to>
+                                        <p:strVal val="visible"/>
+                                      </p:to>
+                                    </p:set>
+                                  </p:childTnLst>
+                                </p:cTn>
+                              </p:par>
+                            </p:childTnLst>
+                          </p:cTn>
+                        </p:par>
+                      </p:childTnLst>
+                    </p:cTn>
+                  </p:par>
+                  <p:par>
+                    <p:cTn id="23" fill="hold">
+                      <p:stCondLst>
+                        <p:cond delay="indefinite"/>
+                      </p:stCondLst>
+                      <p:childTnLst>
+                        <p:par>
+                          <p:cTn id="24" fill="hold">
+                            <p:stCondLst>
+                              <p:cond delay="0"/>
+                            </p:stCondLst>
+                            <p:childTnLst>
+                              <p:par>
+                                <p:cTn id="25" presetID="1" presetClass="entr" presetSubtype="0" fill="hold" grpId="0" nodeType="clickEffect">
+                                  <p:stCondLst>
+                                    <p:cond delay="0"/>
+                                  </p:stCondLst>
+                                  <p:childTnLst>
+                                    <p:set>
+                                      <p:cBhvr>
+                                        <p:cTn id="26" dur="1" fill="hold">
                                           <p:stCondLst>
                                             <p:cond delay="0"/>
                                           </p:stCondLst>
@@ -7544,7 +10956,7 @@
 </p:sld>
 </file>
 
-<file path=ppt/slides/slide7.xml><?xml version="1.0" encoding="utf-8"?>
+<file path=ppt/slides/slide5.xml><?xml version="1.0" encoding="utf-8"?>
 <p:sld xmlns:a="http://schemas.openxmlformats.org/drawingml/2006/main" xmlns:r="http://schemas.openxmlformats.org/officeDocument/2006/relationships" xmlns:p="http://schemas.openxmlformats.org/presentationml/2006/main">
   <p:cSld>
     <p:spTree>
@@ -7573,25 +10985,23 @@
         </p:nvSpPr>
         <p:spPr>
           <a:xfrm>
-            <a:off x="457199" y="274638"/>
-            <a:ext cx="8229601" cy="1143000"/>
+            <a:off x="457200" y="274638"/>
+            <a:ext cx="8229600" cy="1143000"/>
           </a:xfrm>
         </p:spPr>
         <p:txBody>
-          <a:bodyPr>
-            <a:normAutofit/>
-          </a:bodyPr>
+          <a:bodyPr/>
           <a:lstStyle/>
           <a:p>
             <a:pPr algn="l"/>
             <a:r>
-              <a:rPr lang="en-US" sz="3800" b="1" dirty="0" smtClean="0">
-                <a:latin typeface="PT Sans"/>
-                <a:cs typeface="PT Sans"/>
-              </a:rPr>
-              <a:t>Characterize a Machine’s Performance</a:t>
-            </a:r>
-            <a:endParaRPr lang="en-US" sz="3800" b="1" dirty="0">
+              <a:rPr lang="en-US" b="1" dirty="0" smtClean="0">
+                <a:latin typeface="PT Sans"/>
+                <a:cs typeface="PT Sans"/>
+              </a:rPr>
+              <a:t>Outline</a:t>
+            </a:r>
+            <a:endParaRPr lang="en-US" b="1" dirty="0">
               <a:latin typeface="PT Sans"/>
               <a:cs typeface="PT Sans"/>
             </a:endParaRPr>
@@ -7618,25 +11028,39 @@
                 <a:latin typeface="PT Sans"/>
                 <a:cs typeface="PT Sans"/>
               </a:rPr>
-              <a:t>What determines performance of an app?</a:t>
-            </a:r>
-          </a:p>
-          <a:p>
-            <a:pPr lvl="1"/>
-            <a:r>
-              <a:rPr lang="en-US" dirty="0" err="1" smtClean="0">
-                <a:latin typeface="PT Sans"/>
-                <a:cs typeface="PT Sans"/>
-              </a:rPr>
-              <a:t>opcode</a:t>
+              <a:t>Problem </a:t>
             </a:r>
             <a:r>
               <a:rPr lang="en-US" dirty="0" smtClean="0">
                 <a:latin typeface="PT Sans"/>
                 <a:cs typeface="PT Sans"/>
               </a:rPr>
-              <a:t> mix.</a:t>
-            </a:r>
+              <a:t>Definition.</a:t>
+            </a:r>
+            <a:endParaRPr lang="en-US" dirty="0" smtClean="0">
+              <a:latin typeface="PT Sans"/>
+              <a:cs typeface="PT Sans"/>
+            </a:endParaRPr>
+          </a:p>
+          <a:p>
+            <a:r>
+              <a:rPr lang="en-US" b="1" dirty="0" smtClean="0">
+                <a:latin typeface="PT Sans"/>
+                <a:cs typeface="PT Sans"/>
+              </a:rPr>
+              <a:t>Characterize performance of a </a:t>
+            </a:r>
+            <a:r>
+              <a:rPr lang="en-US" b="1" dirty="0" smtClean="0">
+                <a:latin typeface="PT Sans"/>
+                <a:cs typeface="PT Sans"/>
+              </a:rPr>
+              <a:t>machine.</a:t>
+            </a:r>
+            <a:endParaRPr lang="en-US" b="1" dirty="0" smtClean="0">
+              <a:latin typeface="PT Sans"/>
+              <a:cs typeface="PT Sans"/>
+            </a:endParaRPr>
           </a:p>
           <a:p>
             <a:r>
@@ -7644,18 +11068,19 @@
                 <a:latin typeface="PT Sans"/>
                 <a:cs typeface="PT Sans"/>
               </a:rPr>
-              <a:t>Our goal is to characterize a machine.</a:t>
-            </a:r>
-          </a:p>
-          <a:p>
-            <a:pPr lvl="1"/>
+              <a:t>Quantify variability across </a:t>
+            </a:r>
             <a:r>
               <a:rPr lang="en-US" dirty="0" smtClean="0">
                 <a:latin typeface="PT Sans"/>
                 <a:cs typeface="PT Sans"/>
               </a:rPr>
-              <a:t>Instead of an application.</a:t>
-            </a:r>
+              <a:t>machines.</a:t>
+            </a:r>
+            <a:endParaRPr lang="en-US" dirty="0" smtClean="0">
+              <a:latin typeface="PT Sans"/>
+              <a:cs typeface="PT Sans"/>
+            </a:endParaRPr>
           </a:p>
           <a:p>
             <a:r>
@@ -7663,25 +11088,35 @@
                 <a:latin typeface="PT Sans"/>
                 <a:cs typeface="PT Sans"/>
               </a:rPr>
-              <a:t>An alternative</a:t>
-            </a:r>
-            <a:r>
-              <a:rPr lang="en-US" dirty="0">
-                <a:latin typeface="PT Sans"/>
-                <a:cs typeface="PT Sans"/>
-              </a:rPr>
-              <a:t>:</a:t>
+              <a:t>Reduce variability using </a:t>
             </a:r>
             <a:r>
               <a:rPr lang="en-US" dirty="0" smtClean="0">
                 <a:latin typeface="PT Sans"/>
                 <a:cs typeface="PT Sans"/>
               </a:rPr>
-              <a:t> use an array of mini-apps.</a:t>
-            </a:r>
-          </a:p>
-          <a:p>
-            <a:pPr lvl="1"/>
+              <a:t>containers.</a:t>
+            </a:r>
+            <a:endParaRPr lang="en-US" dirty="0" smtClean="0">
+              <a:latin typeface="PT Sans"/>
+              <a:cs typeface="PT Sans"/>
+            </a:endParaRPr>
+          </a:p>
+          <a:p>
+            <a:r>
+              <a:rPr lang="en-US" dirty="0" smtClean="0">
+                <a:latin typeface="PT Sans"/>
+                <a:cs typeface="PT Sans"/>
+              </a:rPr>
+              <a:t>Next </a:t>
+            </a:r>
+            <a:r>
+              <a:rPr lang="en-US" dirty="0" smtClean="0">
+                <a:latin typeface="PT Sans"/>
+                <a:cs typeface="PT Sans"/>
+              </a:rPr>
+              <a:t>steps.</a:t>
+            </a:r>
             <a:endParaRPr lang="en-US" dirty="0" smtClean="0">
               <a:latin typeface="PT Sans"/>
               <a:cs typeface="PT Sans"/>
@@ -7712,7 +11147,7 @@
           <a:p>
             <a:fld id="{FA8338FA-16C6-9C42-9987-80EFEA67B0E4}" type="slidenum">
               <a:rPr lang="en-US" smtClean="0"/>
-              <a:t>7</a:t>
+              <a:t>5</a:t>
             </a:fld>
             <a:endParaRPr lang="en-US"/>
           </a:p>
@@ -7721,7 +11156,7 @@
     </p:spTree>
     <p:extLst>
       <p:ext uri="{BB962C8B-B14F-4D97-AF65-F5344CB8AC3E}">
-        <p14:creationId xmlns:p14="http://schemas.microsoft.com/office/powerpoint/2010/main" val="1295189996"/>
+        <p14:creationId xmlns:p14="http://schemas.microsoft.com/office/powerpoint/2010/main" val="3897566929"/>
       </p:ext>
     </p:extLst>
   </p:cSld>
@@ -7738,7 +11173,7 @@
 </p:sld>
 </file>
 
-<file path=ppt/slides/slide8.xml><?xml version="1.0" encoding="utf-8"?>
+<file path=ppt/slides/slide6.xml><?xml version="1.0" encoding="utf-8"?>
 <p:sld xmlns:a="http://schemas.openxmlformats.org/drawingml/2006/main" xmlns:r="http://schemas.openxmlformats.org/officeDocument/2006/relationships" xmlns:p="http://schemas.openxmlformats.org/presentationml/2006/main">
   <p:cSld>
     <p:spTree>
@@ -7780,21 +11215,14 @@
             <a:pPr algn="l"/>
             <a:r>
               <a:rPr lang="en-US" sz="3800" b="1" dirty="0" smtClean="0">
-                <a:latin typeface="DejaVu Sans Mono"/>
-                <a:cs typeface="DejaVu Sans Mono"/>
-              </a:rPr>
-              <a:t>    stress-</a:t>
-            </a:r>
-            <a:r>
-              <a:rPr lang="en-US" sz="3800" b="1" dirty="0" err="1" smtClean="0">
-                <a:latin typeface="DejaVu Sans Mono"/>
-                <a:cs typeface="DejaVu Sans Mono"/>
-              </a:rPr>
-              <a:t>ng</a:t>
+                <a:latin typeface="PT Sans"/>
+                <a:cs typeface="PT Sans"/>
+              </a:rPr>
+              <a:t>Characterize a Machine’s Performance</a:t>
             </a:r>
             <a:endParaRPr lang="en-US" sz="3800" b="1" dirty="0">
-              <a:latin typeface="DejaVu Sans Mono"/>
-              <a:cs typeface="DejaVu Sans Mono"/>
+              <a:latin typeface="PT Sans"/>
+              <a:cs typeface="PT Sans"/>
             </a:endParaRPr>
           </a:p>
         </p:txBody>
@@ -7816,384 +11244,143 @@
           <a:p>
             <a:fld id="{FA8338FA-16C6-9C42-9987-80EFEA67B0E4}" type="slidenum">
               <a:rPr lang="en-US" smtClean="0"/>
-              <a:t>8</a:t>
+              <a:t>6</a:t>
             </a:fld>
             <a:endParaRPr lang="en-US"/>
           </a:p>
         </p:txBody>
       </p:sp>
-      <p:pic>
-        <p:nvPicPr>
-          <p:cNvPr id="8" name="Picture 7"/>
-          <p:cNvPicPr>
-            <a:picLocks noChangeAspect="1"/>
-          </p:cNvPicPr>
-          <p:nvPr/>
-        </p:nvPicPr>
-        <p:blipFill>
-          <a:blip r:embed="rId2"/>
-          <a:stretch>
-            <a:fillRect/>
-          </a:stretch>
-        </p:blipFill>
-        <p:spPr>
-          <a:xfrm>
-            <a:off x="0" y="0"/>
-            <a:ext cx="1625600" cy="1930400"/>
-          </a:xfrm>
-          <a:prstGeom prst="rect">
-            <a:avLst/>
-          </a:prstGeom>
-        </p:spPr>
-      </p:pic>
-      <p:sp>
-        <p:nvSpPr>
-          <p:cNvPr id="9" name="Content Placeholder 3"/>
-          <p:cNvSpPr>
-            <a:spLocks noGrp="1"/>
-          </p:cNvSpPr>
-          <p:nvPr>
-            <p:ph idx="1"/>
-          </p:nvPr>
-        </p:nvSpPr>
-        <p:spPr>
-          <a:xfrm>
-            <a:off x="457200" y="1600200"/>
-            <a:ext cx="8229600" cy="4525963"/>
-          </a:xfrm>
-        </p:spPr>
-        <p:txBody>
-          <a:bodyPr>
-            <a:normAutofit fontScale="92500" lnSpcReduction="10000"/>
-          </a:bodyPr>
-          <a:lstStyle/>
-          <a:p>
-            <a:endParaRPr lang="en-US" dirty="0" smtClean="0">
-              <a:latin typeface="PT Sans"/>
-              <a:cs typeface="PT Sans"/>
-            </a:endParaRPr>
-          </a:p>
-          <a:p>
-            <a:r>
-              <a:rPr lang="en-US" dirty="0" smtClean="0">
-                <a:latin typeface="PT Sans"/>
-                <a:cs typeface="PT Sans"/>
-              </a:rPr>
-              <a:t>120 stressors that test multiple subsystems of a computer.</a:t>
-            </a:r>
-          </a:p>
-          <a:p>
-            <a:pPr lvl="1"/>
-            <a:r>
-              <a:rPr lang="en-US" dirty="0" smtClean="0">
-                <a:latin typeface="PT Sans"/>
-                <a:cs typeface="PT Sans"/>
-              </a:rPr>
-              <a:t>CPU, CPU cache, memory, network, disk, OS.</a:t>
-            </a:r>
-          </a:p>
-          <a:p>
-            <a:pPr lvl="1"/>
-            <a:r>
-              <a:rPr lang="en-US" dirty="0" smtClean="0">
-                <a:latin typeface="PT Sans"/>
-                <a:cs typeface="PT Sans"/>
-              </a:rPr>
-              <a:t>CPU stressor.</a:t>
-            </a:r>
-          </a:p>
-          <a:p>
-            <a:pPr lvl="2"/>
-            <a:r>
-              <a:rPr lang="en-US" dirty="0" smtClean="0">
-                <a:latin typeface="PT Sans"/>
-                <a:cs typeface="PT Sans"/>
-              </a:rPr>
-              <a:t>Loop a function for </a:t>
-            </a:r>
-            <a:r>
-              <a:rPr lang="en-US" sz="2200" b="1" dirty="0" smtClean="0">
-                <a:latin typeface="DejaVu Sans Mono"/>
-                <a:cs typeface="DejaVu Sans Mono"/>
-              </a:rPr>
-              <a:t>n</a:t>
-            </a:r>
-            <a:r>
-              <a:rPr lang="en-US" dirty="0" smtClean="0">
-                <a:latin typeface="PT Sans"/>
-                <a:cs typeface="PT Sans"/>
-              </a:rPr>
-              <a:t> seconds and report </a:t>
-            </a:r>
-            <a:r>
-              <a:rPr lang="en-US" sz="2200" b="1" dirty="0" smtClean="0">
-                <a:latin typeface="DejaVu Sans Mono"/>
-                <a:cs typeface="DejaVu Sans Mono"/>
-              </a:rPr>
-              <a:t>ops.</a:t>
-            </a:r>
-            <a:endParaRPr lang="en-US" dirty="0">
-              <a:latin typeface="PT Sans"/>
-              <a:cs typeface="PT Sans"/>
-            </a:endParaRPr>
-          </a:p>
-          <a:p>
-            <a:pPr lvl="2"/>
-            <a:r>
-              <a:rPr lang="en-US" dirty="0" smtClean="0">
-                <a:latin typeface="PT Sans"/>
-                <a:cs typeface="PT Sans"/>
-              </a:rPr>
-              <a:t>More than 80 functions (called methods).</a:t>
-            </a:r>
-          </a:p>
-          <a:p>
-            <a:r>
-              <a:rPr lang="en-US" sz="3400" b="1" dirty="0" smtClean="0">
-                <a:latin typeface="PT Sans"/>
-                <a:cs typeface="PT Sans"/>
-              </a:rPr>
-              <a:t>Idea:</a:t>
-            </a:r>
-            <a:r>
-              <a:rPr lang="en-US" sz="3400" dirty="0" smtClean="0">
-                <a:latin typeface="PT Sans"/>
-                <a:cs typeface="PT Sans"/>
-              </a:rPr>
-              <a:t> use this “spectrum” of </a:t>
-            </a:r>
-            <a:r>
-              <a:rPr lang="en-US" sz="3400" dirty="0" err="1" smtClean="0">
-                <a:latin typeface="PT Sans"/>
-                <a:cs typeface="PT Sans"/>
-              </a:rPr>
-              <a:t>microbenchmarks</a:t>
-            </a:r>
-            <a:r>
-              <a:rPr lang="en-US" sz="3400" dirty="0" smtClean="0">
-                <a:latin typeface="PT Sans"/>
-                <a:cs typeface="PT Sans"/>
-              </a:rPr>
-              <a:t> to characterize the performance of a machine.</a:t>
-            </a:r>
-            <a:endParaRPr lang="en-US" sz="3400" b="1" dirty="0" smtClean="0">
-              <a:latin typeface="DejaVu Sans Mono"/>
-              <a:cs typeface="DejaVu Sans Mono"/>
-            </a:endParaRPr>
-          </a:p>
-        </p:txBody>
-      </p:sp>
-    </p:spTree>
-    <p:extLst>
-      <p:ext uri="{BB962C8B-B14F-4D97-AF65-F5344CB8AC3E}">
-        <p14:creationId xmlns:p14="http://schemas.microsoft.com/office/powerpoint/2010/main" val="2839098732"/>
-      </p:ext>
-    </p:extLst>
-  </p:cSld>
-  <p:clrMapOvr>
-    <a:masterClrMapping/>
-  </p:clrMapOvr>
-  <p:timing>
-    <p:tnLst>
-      <p:par>
-        <p:cTn xmlns:p14="http://schemas.microsoft.com/office/powerpoint/2010/main" id="1" dur="indefinite" restart="never" nodeType="tmRoot"/>
-      </p:par>
-    </p:tnLst>
-  </p:timing>
-</p:sld>
-</file>
-
-<file path=ppt/slides/slide9.xml><?xml version="1.0" encoding="utf-8"?>
-<p:sld xmlns:a="http://schemas.openxmlformats.org/drawingml/2006/main" xmlns:r="http://schemas.openxmlformats.org/officeDocument/2006/relationships" xmlns:p="http://schemas.openxmlformats.org/presentationml/2006/main">
-  <p:cSld>
-    <p:spTree>
-      <p:nvGrpSpPr>
-        <p:cNvPr id="1" name=""/>
-        <p:cNvGrpSpPr/>
-        <p:nvPr/>
-      </p:nvGrpSpPr>
-      <p:grpSpPr>
-        <a:xfrm>
-          <a:off x="0" y="0"/>
-          <a:ext cx="0" cy="0"/>
-          <a:chOff x="0" y="0"/>
-          <a:chExt cx="0" cy="0"/>
-        </a:xfrm>
-      </p:grpSpPr>
-      <p:sp>
-        <p:nvSpPr>
-          <p:cNvPr id="3" name="Slide Number Placeholder 2"/>
-          <p:cNvSpPr>
-            <a:spLocks noGrp="1"/>
-          </p:cNvSpPr>
-          <p:nvPr>
-            <p:ph type="sldNum" sz="quarter" idx="12"/>
-          </p:nvPr>
-        </p:nvSpPr>
-        <p:spPr/>
-        <p:txBody>
-          <a:bodyPr/>
-          <a:lstStyle/>
-          <a:p>
-            <a:fld id="{FA8338FA-16C6-9C42-9987-80EFEA67B0E4}" type="slidenum">
-              <a:rPr lang="en-US" smtClean="0"/>
-              <a:t>9</a:t>
-            </a:fld>
-            <a:endParaRPr lang="en-US"/>
-          </a:p>
-        </p:txBody>
-      </p:sp>
       <p:grpSp>
         <p:nvGrpSpPr>
-          <p:cNvPr id="21" name="Group 20"/>
+          <p:cNvPr id="15" name="Group 14"/>
           <p:cNvGrpSpPr/>
           <p:nvPr/>
         </p:nvGrpSpPr>
         <p:grpSpPr>
           <a:xfrm>
-            <a:off x="1377116" y="104031"/>
-            <a:ext cx="1748495" cy="4317464"/>
-            <a:chOff x="1377116" y="104031"/>
-            <a:chExt cx="1748495" cy="4317464"/>
+            <a:off x="4886406" y="1818881"/>
+            <a:ext cx="1576274" cy="2655411"/>
+            <a:chOff x="3599473" y="1470083"/>
+            <a:chExt cx="1576274" cy="2655411"/>
           </a:xfrm>
         </p:grpSpPr>
-        <p:grpSp>
-          <p:nvGrpSpPr>
-            <p:cNvPr id="6" name="Group 5"/>
-            <p:cNvGrpSpPr/>
+        <p:pic>
+          <p:nvPicPr>
+            <p:cNvPr id="7" name="Picture 6"/>
+            <p:cNvPicPr>
+              <a:picLocks noChangeAspect="1"/>
+            </p:cNvPicPr>
             <p:nvPr/>
-          </p:nvGrpSpPr>
-          <p:grpSpPr>
+          </p:nvPicPr>
+          <p:blipFill>
+            <a:blip r:embed="rId2"/>
+            <a:stretch>
+              <a:fillRect/>
+            </a:stretch>
+          </p:blipFill>
+          <p:spPr>
             <a:xfrm>
-              <a:off x="1377116" y="473363"/>
-              <a:ext cx="1748495" cy="3948132"/>
-              <a:chOff x="1982097" y="3198027"/>
-              <a:chExt cx="1748495" cy="3948132"/>
+              <a:off x="3599473" y="1470083"/>
+              <a:ext cx="1576274" cy="2310676"/>
             </a:xfrm>
-          </p:grpSpPr>
-          <p:pic>
-            <p:nvPicPr>
-              <p:cNvPr id="7" name="Picture 6"/>
-              <p:cNvPicPr>
-                <a:picLocks noChangeAspect="1"/>
-              </p:cNvPicPr>
-              <p:nvPr/>
-            </p:nvPicPr>
-            <p:blipFill>
-              <a:blip r:embed="rId2"/>
-              <a:stretch>
-                <a:fillRect/>
-              </a:stretch>
-            </p:blipFill>
-            <p:spPr>
-              <a:xfrm>
-                <a:off x="1982097" y="3198027"/>
-                <a:ext cx="1748495" cy="2563137"/>
-              </a:xfrm>
-              <a:prstGeom prst="rect">
-                <a:avLst/>
-              </a:prstGeom>
-            </p:spPr>
-          </p:pic>
-          <p:sp>
-            <p:nvSpPr>
-              <p:cNvPr id="8" name="TextBox 7"/>
-              <p:cNvSpPr txBox="1"/>
-              <p:nvPr/>
-            </p:nvSpPr>
-            <p:spPr>
-              <a:xfrm>
-                <a:off x="2117788" y="5761164"/>
-                <a:ext cx="1612804" cy="1384995"/>
-              </a:xfrm>
-              <a:prstGeom prst="rect">
-                <a:avLst/>
-              </a:prstGeom>
-              <a:noFill/>
-            </p:spPr>
-            <p:txBody>
-              <a:bodyPr wrap="none" rtlCol="0">
-                <a:spAutoFit/>
-              </a:bodyPr>
-              <a:lstStyle/>
-              <a:p>
-                <a:r>
-                  <a:rPr lang="en-US" sz="1400" dirty="0" err="1" smtClean="0"/>
-                  <a:t>ackerman</a:t>
-                </a:r>
-                <a:r>
-                  <a:rPr lang="en-US" sz="1400" dirty="0" smtClean="0"/>
-                  <a:t> - 530 ops</a:t>
-                </a:r>
-              </a:p>
-              <a:p>
-                <a:r>
-                  <a:rPr lang="en-US" sz="1400" dirty="0" smtClean="0"/>
-                  <a:t>matrix - 1343 ops</a:t>
-                </a:r>
-              </a:p>
-              <a:p>
-                <a:r>
-                  <a:rPr lang="en-US" sz="1400" dirty="0" smtClean="0"/>
-                  <a:t>int32 - 433 ops</a:t>
-                </a:r>
-              </a:p>
-              <a:p>
-                <a:r>
-                  <a:rPr lang="en-US" sz="1400" dirty="0" smtClean="0"/>
-                  <a:t>int64 </a:t>
-                </a:r>
-                <a:r>
-                  <a:rPr lang="en-US" sz="1400" dirty="0"/>
-                  <a:t>- </a:t>
-                </a:r>
-                <a:r>
-                  <a:rPr lang="en-US" sz="1400" dirty="0" smtClean="0"/>
-                  <a:t>333 </a:t>
-                </a:r>
-                <a:r>
-                  <a:rPr lang="en-US" sz="1400" dirty="0"/>
-                  <a:t>ops</a:t>
-                </a:r>
-              </a:p>
-              <a:p>
-                <a:r>
-                  <a:rPr lang="en-US" sz="1400" dirty="0" smtClean="0"/>
-                  <a:t>int128 </a:t>
-                </a:r>
-                <a:r>
-                  <a:rPr lang="en-US" sz="1400" dirty="0"/>
-                  <a:t>- </a:t>
-                </a:r>
-                <a:r>
-                  <a:rPr lang="en-US" sz="1400" dirty="0" smtClean="0"/>
-                  <a:t>233 </a:t>
-                </a:r>
-                <a:r>
-                  <a:rPr lang="en-US" sz="1400" dirty="0"/>
-                  <a:t>ops</a:t>
-                </a:r>
-              </a:p>
-              <a:p>
-                <a:r>
-                  <a:rPr lang="is-IS" sz="1400" dirty="0" smtClean="0"/>
-                  <a:t>…</a:t>
-                </a:r>
-                <a:endParaRPr lang="en-US" sz="1400" dirty="0"/>
-              </a:p>
-            </p:txBody>
-          </p:sp>
-        </p:grpSp>
+            <a:prstGeom prst="rect">
+              <a:avLst/>
+            </a:prstGeom>
+          </p:spPr>
+        </p:pic>
         <p:sp>
           <p:nvSpPr>
-            <p:cNvPr id="13" name="TextBox 12"/>
+            <p:cNvPr id="8" name="TextBox 7"/>
             <p:cNvSpPr txBox="1"/>
             <p:nvPr/>
           </p:nvSpPr>
           <p:spPr>
             <a:xfrm>
-              <a:off x="1842651" y="104031"/>
-              <a:ext cx="1186330" cy="369332"/>
+              <a:off x="3980537" y="3848495"/>
+              <a:ext cx="813068" cy="276999"/>
+            </a:xfrm>
+            <a:prstGeom prst="rect">
+              <a:avLst/>
+            </a:prstGeom>
+            <a:solidFill>
+              <a:srgbClr val="A7B2F6"/>
+            </a:solidFill>
+          </p:spPr>
+          <p:txBody>
+            <a:bodyPr wrap="none" rtlCol="0">
+              <a:spAutoFit/>
+            </a:bodyPr>
+            <a:lstStyle/>
+            <a:p>
+              <a:r>
+                <a:rPr lang="en-US" sz="1200" dirty="0" smtClean="0"/>
+                <a:t>2500 </a:t>
+              </a:r>
+              <a:r>
+                <a:rPr lang="en-US" sz="1200" dirty="0" smtClean="0"/>
+                <a:t>op/s</a:t>
+              </a:r>
+              <a:endParaRPr lang="en-US" sz="1200" dirty="0"/>
+            </a:p>
+          </p:txBody>
+        </p:sp>
+      </p:grpSp>
+      <p:grpSp>
+        <p:nvGrpSpPr>
+          <p:cNvPr id="9" name="Group 8"/>
+          <p:cNvGrpSpPr/>
+          <p:nvPr/>
+        </p:nvGrpSpPr>
+        <p:grpSpPr>
+          <a:xfrm>
+            <a:off x="2024327" y="1832023"/>
+            <a:ext cx="1000654" cy="1175976"/>
+            <a:chOff x="957527" y="1942583"/>
+            <a:chExt cx="1000654" cy="1175976"/>
+          </a:xfrm>
+        </p:grpSpPr>
+        <p:pic>
+          <p:nvPicPr>
+            <p:cNvPr id="10" name="Picture 9"/>
+            <p:cNvPicPr>
+              <a:picLocks noChangeAspect="1"/>
+            </p:cNvPicPr>
+            <p:nvPr/>
+          </p:nvPicPr>
+          <p:blipFill>
+            <a:blip r:embed="rId3">
+              <a:duotone>
+                <a:prstClr val="black"/>
+                <a:schemeClr val="tx2">
+                  <a:tint val="45000"/>
+                  <a:satMod val="400000"/>
+                </a:schemeClr>
+              </a:duotone>
+            </a:blip>
+            <a:stretch>
+              <a:fillRect/>
+            </a:stretch>
+          </p:blipFill>
+          <p:spPr>
+            <a:xfrm>
+              <a:off x="957527" y="1942583"/>
+              <a:ext cx="1000654" cy="1000654"/>
+            </a:xfrm>
+            <a:prstGeom prst="rect">
+              <a:avLst/>
+            </a:prstGeom>
+          </p:spPr>
+        </p:pic>
+        <p:sp>
+          <p:nvSpPr>
+            <p:cNvPr id="11" name="TextBox 10"/>
+            <p:cNvSpPr txBox="1"/>
+            <p:nvPr/>
+          </p:nvSpPr>
+          <p:spPr>
+            <a:xfrm>
+              <a:off x="999862" y="2872338"/>
+              <a:ext cx="902811" cy="246221"/>
             </a:xfrm>
             <a:prstGeom prst="rect">
               <a:avLst/>
@@ -8207,247 +11394,51 @@
             <a:lstStyle/>
             <a:p>
               <a:r>
-                <a:rPr lang="en-US" dirty="0" smtClean="0"/>
-                <a:t>Machine A</a:t>
+                <a:rPr lang="en-US" sz="1000" dirty="0" smtClean="0">
+                  <a:latin typeface="PT Sans"/>
+                  <a:cs typeface="PT Sans"/>
+                </a:rPr>
+                <a:t>benchmark A</a:t>
               </a:r>
-              <a:endParaRPr lang="en-US" dirty="0"/>
+              <a:endParaRPr lang="en-US" sz="1000" dirty="0">
+                <a:latin typeface="PT Sans"/>
+                <a:cs typeface="PT Sans"/>
+              </a:endParaRPr>
             </a:p>
           </p:txBody>
         </p:sp>
       </p:grpSp>
       <p:grpSp>
         <p:nvGrpSpPr>
-          <p:cNvPr id="23" name="Group 22"/>
+          <p:cNvPr id="12" name="Group 11"/>
           <p:cNvGrpSpPr/>
           <p:nvPr/>
         </p:nvGrpSpPr>
         <p:grpSpPr>
           <a:xfrm>
-            <a:off x="4756729" y="60158"/>
-            <a:ext cx="2782454" cy="4352107"/>
-            <a:chOff x="4756729" y="60158"/>
-            <a:chExt cx="2782454" cy="4352107"/>
+            <a:off x="2024327" y="3042311"/>
+            <a:ext cx="1000654" cy="1175976"/>
+            <a:chOff x="957527" y="1942583"/>
+            <a:chExt cx="1000654" cy="1175976"/>
           </a:xfrm>
         </p:grpSpPr>
         <p:pic>
           <p:nvPicPr>
-            <p:cNvPr id="10" name="Picture 9"/>
+            <p:cNvPr id="13" name="Picture 12"/>
             <p:cNvPicPr>
               <a:picLocks noChangeAspect="1"/>
             </p:cNvPicPr>
             <p:nvPr/>
           </p:nvPicPr>
           <p:blipFill>
-            <a:blip r:embed="rId3"/>
-            <a:stretch>
-              <a:fillRect/>
-            </a:stretch>
-          </p:blipFill>
-          <p:spPr>
-            <a:xfrm>
-              <a:off x="4756729" y="334861"/>
-              <a:ext cx="2782454" cy="2761680"/>
-            </a:xfrm>
-            <a:prstGeom prst="rect">
-              <a:avLst/>
-            </a:prstGeom>
-          </p:spPr>
-        </p:pic>
-        <p:grpSp>
-          <p:nvGrpSpPr>
-            <p:cNvPr id="22" name="Group 21"/>
-            <p:cNvGrpSpPr/>
-            <p:nvPr/>
-          </p:nvGrpSpPr>
-          <p:grpSpPr>
-            <a:xfrm>
-              <a:off x="5348206" y="60158"/>
-              <a:ext cx="1612804" cy="4352107"/>
-              <a:chOff x="5348206" y="60158"/>
-              <a:chExt cx="1612804" cy="4352107"/>
-            </a:xfrm>
-          </p:grpSpPr>
-          <p:sp>
-            <p:nvSpPr>
-              <p:cNvPr id="14" name="TextBox 13"/>
-              <p:cNvSpPr txBox="1"/>
-              <p:nvPr/>
-            </p:nvSpPr>
-            <p:spPr>
-              <a:xfrm>
-                <a:off x="5705759" y="60158"/>
-                <a:ext cx="1184940" cy="369332"/>
-              </a:xfrm>
-              <a:prstGeom prst="rect">
-                <a:avLst/>
-              </a:prstGeom>
-              <a:noFill/>
-            </p:spPr>
-            <p:txBody>
-              <a:bodyPr wrap="none" rtlCol="0">
-                <a:spAutoFit/>
-              </a:bodyPr>
-              <a:lstStyle/>
-              <a:p>
-                <a:r>
-                  <a:rPr lang="en-US" dirty="0" smtClean="0"/>
-                  <a:t>Machine B</a:t>
-                </a:r>
-                <a:endParaRPr lang="en-US" dirty="0"/>
-              </a:p>
-            </p:txBody>
-          </p:sp>
-          <p:sp>
-            <p:nvSpPr>
-              <p:cNvPr id="15" name="TextBox 14"/>
-              <p:cNvSpPr txBox="1"/>
-              <p:nvPr/>
-            </p:nvSpPr>
-            <p:spPr>
-              <a:xfrm>
-                <a:off x="5348206" y="3027270"/>
-                <a:ext cx="1612804" cy="1384995"/>
-              </a:xfrm>
-              <a:prstGeom prst="rect">
-                <a:avLst/>
-              </a:prstGeom>
-              <a:noFill/>
-            </p:spPr>
-            <p:txBody>
-              <a:bodyPr wrap="none" rtlCol="0">
-                <a:spAutoFit/>
-              </a:bodyPr>
-              <a:lstStyle/>
-              <a:p>
-                <a:r>
-                  <a:rPr lang="en-US" sz="1400" dirty="0" err="1" smtClean="0"/>
-                  <a:t>ackerman</a:t>
-                </a:r>
-                <a:r>
-                  <a:rPr lang="en-US" sz="1400" dirty="0" smtClean="0"/>
-                  <a:t> - 330 ops</a:t>
-                </a:r>
-              </a:p>
-              <a:p>
-                <a:r>
-                  <a:rPr lang="en-US" sz="1400" dirty="0" smtClean="0"/>
-                  <a:t>matrix - 1643 ops</a:t>
-                </a:r>
-              </a:p>
-              <a:p>
-                <a:r>
-                  <a:rPr lang="en-US" sz="1400" dirty="0" smtClean="0"/>
-                  <a:t>int32 - 967 ops</a:t>
-                </a:r>
-              </a:p>
-              <a:p>
-                <a:r>
-                  <a:rPr lang="en-US" sz="1400" dirty="0" smtClean="0"/>
-                  <a:t>int64 </a:t>
-                </a:r>
-                <a:r>
-                  <a:rPr lang="en-US" sz="1400" dirty="0"/>
-                  <a:t>- </a:t>
-                </a:r>
-                <a:r>
-                  <a:rPr lang="en-US" sz="1400" dirty="0" smtClean="0"/>
-                  <a:t>852 </a:t>
-                </a:r>
-                <a:r>
-                  <a:rPr lang="en-US" sz="1400" dirty="0"/>
-                  <a:t>ops</a:t>
-                </a:r>
-              </a:p>
-              <a:p>
-                <a:r>
-                  <a:rPr lang="en-US" sz="1400" dirty="0" smtClean="0"/>
-                  <a:t>int128 </a:t>
-                </a:r>
-                <a:r>
-                  <a:rPr lang="en-US" sz="1400" dirty="0"/>
-                  <a:t>- </a:t>
-                </a:r>
-                <a:r>
-                  <a:rPr lang="en-US" sz="1400" dirty="0" smtClean="0"/>
-                  <a:t>436 </a:t>
-                </a:r>
-                <a:r>
-                  <a:rPr lang="en-US" sz="1400" dirty="0"/>
-                  <a:t>ops</a:t>
-                </a:r>
-              </a:p>
-              <a:p>
-                <a:r>
-                  <a:rPr lang="is-IS" sz="1400" dirty="0" smtClean="0"/>
-                  <a:t>…</a:t>
-                </a:r>
-                <a:endParaRPr lang="en-US" sz="1400" dirty="0"/>
-              </a:p>
-            </p:txBody>
-          </p:sp>
-        </p:grpSp>
-      </p:grpSp>
-      <p:cxnSp>
-        <p:nvCxnSpPr>
-          <p:cNvPr id="17" name="Straight Connector 16"/>
-          <p:cNvCxnSpPr/>
-          <p:nvPr/>
-        </p:nvCxnSpPr>
-        <p:spPr>
-          <a:xfrm flipV="1">
-            <a:off x="3556000" y="219364"/>
-            <a:ext cx="1200729" cy="4192901"/>
-          </a:xfrm>
-          <a:prstGeom prst="line">
-            <a:avLst/>
-          </a:prstGeom>
-          <a:ln w="76200" cmpd="sng"/>
-          <a:effectLst/>
-        </p:spPr>
-        <p:style>
-          <a:lnRef idx="3">
-            <a:schemeClr val="dk1"/>
-          </a:lnRef>
-          <a:fillRef idx="0">
-            <a:schemeClr val="dk1"/>
-          </a:fillRef>
-          <a:effectRef idx="2">
-            <a:schemeClr val="dk1"/>
-          </a:effectRef>
-          <a:fontRef idx="minor">
-            <a:schemeClr val="tx1"/>
-          </a:fontRef>
-        </p:style>
-      </p:cxnSp>
-      <p:grpSp>
-        <p:nvGrpSpPr>
-          <p:cNvPr id="39" name="Group 38"/>
-          <p:cNvGrpSpPr/>
-          <p:nvPr/>
-        </p:nvGrpSpPr>
-        <p:grpSpPr>
-          <a:xfrm>
-            <a:off x="1" y="3096281"/>
-            <a:ext cx="9143999" cy="3821760"/>
-            <a:chOff x="1" y="3096281"/>
-            <a:chExt cx="9143999" cy="3821760"/>
-          </a:xfrm>
-        </p:grpSpPr>
-        <p:pic>
-          <p:nvPicPr>
-            <p:cNvPr id="20" name="Picture 19" descr="without.png"/>
-            <p:cNvPicPr>
-              <a:picLocks noChangeAspect="1"/>
-            </p:cNvPicPr>
-            <p:nvPr/>
-          </p:nvPicPr>
-          <p:blipFill>
-            <a:blip r:embed="rId4">
-              <a:extLst>
-                <a:ext uri="{28A0092B-C50C-407E-A947-70E740481C1C}">
-                  <a14:useLocalDpi xmlns:a14="http://schemas.microsoft.com/office/drawing/2010/main" val="0"/>
-                </a:ext>
-              </a:extLst>
+            <a:blip r:embed="rId3">
+              <a:duotone>
+                <a:prstClr val="black"/>
+                <a:schemeClr val="accent2">
+                  <a:tint val="45000"/>
+                  <a:satMod val="400000"/>
+                </a:schemeClr>
+              </a:duotone>
             </a:blip>
             <a:stretch>
               <a:fillRect/>
@@ -8455,101 +11446,24 @@
           </p:blipFill>
           <p:spPr>
             <a:xfrm>
-              <a:off x="1" y="3096541"/>
-              <a:ext cx="9143999" cy="3821500"/>
+              <a:off x="957527" y="1942583"/>
+              <a:ext cx="1000654" cy="1000654"/>
             </a:xfrm>
             <a:prstGeom prst="rect">
               <a:avLst/>
             </a:prstGeom>
           </p:spPr>
         </p:pic>
-        <p:cxnSp>
-          <p:nvCxnSpPr>
-            <p:cNvPr id="24" name="Straight Connector 23"/>
-            <p:cNvCxnSpPr/>
-            <p:nvPr/>
-          </p:nvCxnSpPr>
-          <p:spPr>
-            <a:xfrm flipV="1">
-              <a:off x="884367" y="3194050"/>
-              <a:ext cx="0" cy="3402637"/>
-            </a:xfrm>
-            <a:prstGeom prst="line">
-              <a:avLst/>
-            </a:prstGeom>
-            <a:ln w="38100" cmpd="sng">
-              <a:solidFill>
-                <a:schemeClr val="accent4">
-                  <a:lumMod val="60000"/>
-                  <a:lumOff val="40000"/>
-                </a:schemeClr>
-              </a:solidFill>
-            </a:ln>
-            <a:effectLst/>
-          </p:spPr>
-          <p:style>
-            <a:lnRef idx="3">
-              <a:schemeClr val="dk1"/>
-            </a:lnRef>
-            <a:fillRef idx="0">
-              <a:schemeClr val="dk1"/>
-            </a:fillRef>
-            <a:effectRef idx="2">
-              <a:schemeClr val="dk1"/>
-            </a:effectRef>
-            <a:fontRef idx="minor">
-              <a:schemeClr val="tx1"/>
-            </a:fontRef>
-          </p:style>
-        </p:cxnSp>
-        <p:cxnSp>
-          <p:nvCxnSpPr>
-            <p:cNvPr id="32" name="Straight Arrow Connector 31"/>
-            <p:cNvCxnSpPr/>
-            <p:nvPr/>
-          </p:nvCxnSpPr>
-          <p:spPr>
-            <a:xfrm>
-              <a:off x="900866" y="3450166"/>
-              <a:ext cx="476250" cy="0"/>
-            </a:xfrm>
-            <a:prstGeom prst="straightConnector1">
-              <a:avLst/>
-            </a:prstGeom>
-            <a:ln>
-              <a:solidFill>
-                <a:schemeClr val="tx1"/>
-              </a:solidFill>
-              <a:headEnd type="none"/>
-              <a:tailEnd type="triangle" w="lg" len="lg"/>
-            </a:ln>
-            <a:effectLst/>
-          </p:spPr>
-          <p:style>
-            <a:lnRef idx="2">
-              <a:schemeClr val="accent4"/>
-            </a:lnRef>
-            <a:fillRef idx="0">
-              <a:schemeClr val="accent4"/>
-            </a:fillRef>
-            <a:effectRef idx="1">
-              <a:schemeClr val="accent4"/>
-            </a:effectRef>
-            <a:fontRef idx="minor">
-              <a:schemeClr val="tx1"/>
-            </a:fontRef>
-          </p:style>
-        </p:cxnSp>
         <p:sp>
           <p:nvSpPr>
-            <p:cNvPr id="34" name="TextBox 33"/>
+            <p:cNvPr id="14" name="TextBox 13"/>
             <p:cNvSpPr txBox="1"/>
             <p:nvPr/>
           </p:nvSpPr>
           <p:spPr>
             <a:xfrm>
-              <a:off x="865891" y="3096281"/>
-              <a:ext cx="699831" cy="338554"/>
+              <a:off x="999862" y="2872338"/>
+              <a:ext cx="899084" cy="246221"/>
             </a:xfrm>
             <a:prstGeom prst="rect">
               <a:avLst/>
@@ -8563,23 +11477,112 @@
             <a:lstStyle/>
             <a:p>
               <a:r>
-                <a:rPr lang="en-US" sz="1600" dirty="0" smtClean="0"/>
-                <a:t>Faster</a:t>
+                <a:rPr lang="en-US" sz="1000" dirty="0" smtClean="0">
+                  <a:latin typeface="PT Sans"/>
+                  <a:cs typeface="PT Sans"/>
+                </a:rPr>
+                <a:t>benchmark B</a:t>
               </a:r>
-              <a:endParaRPr lang="en-US" sz="1600" dirty="0"/>
+              <a:endParaRPr lang="en-US" sz="1000" dirty="0">
+                <a:latin typeface="PT Sans"/>
+                <a:cs typeface="PT Sans"/>
+              </a:endParaRPr>
             </a:p>
           </p:txBody>
         </p:sp>
+      </p:grpSp>
+      <p:sp>
+        <p:nvSpPr>
+          <p:cNvPr id="16" name="TextBox 15"/>
+          <p:cNvSpPr txBox="1"/>
+          <p:nvPr/>
+        </p:nvSpPr>
+        <p:spPr>
+          <a:xfrm>
+            <a:off x="5267470" y="4628356"/>
+            <a:ext cx="813068" cy="276999"/>
+          </a:xfrm>
+          <a:prstGeom prst="rect">
+            <a:avLst/>
+          </a:prstGeom>
+          <a:solidFill>
+            <a:srgbClr val="EFEE95"/>
+          </a:solidFill>
+        </p:spPr>
+        <p:txBody>
+          <a:bodyPr wrap="none" rtlCol="0">
+            <a:spAutoFit/>
+          </a:bodyPr>
+          <a:lstStyle/>
+          <a:p>
+            <a:r>
+              <a:rPr lang="en-US" sz="1200" dirty="0" smtClean="0"/>
+              <a:t>1300</a:t>
+            </a:r>
+            <a:r>
+              <a:rPr lang="en-US" sz="1200" dirty="0" smtClean="0"/>
+              <a:t> op/s</a:t>
+            </a:r>
+            <a:endParaRPr lang="en-US" sz="1200" dirty="0"/>
+          </a:p>
+        </p:txBody>
+      </p:sp>
+      <p:grpSp>
+        <p:nvGrpSpPr>
+          <p:cNvPr id="17" name="Group 16"/>
+          <p:cNvGrpSpPr/>
+          <p:nvPr/>
+        </p:nvGrpSpPr>
+        <p:grpSpPr>
+          <a:xfrm>
+            <a:off x="2024327" y="4252599"/>
+            <a:ext cx="1000654" cy="1175976"/>
+            <a:chOff x="957527" y="1942583"/>
+            <a:chExt cx="1000654" cy="1175976"/>
+          </a:xfrm>
+        </p:grpSpPr>
+        <p:pic>
+          <p:nvPicPr>
+            <p:cNvPr id="18" name="Picture 17"/>
+            <p:cNvPicPr>
+              <a:picLocks noChangeAspect="1"/>
+            </p:cNvPicPr>
+            <p:nvPr/>
+          </p:nvPicPr>
+          <p:blipFill>
+            <a:blip r:embed="rId3">
+              <a:duotone>
+                <a:prstClr val="black"/>
+                <a:schemeClr val="accent4">
+                  <a:tint val="45000"/>
+                  <a:satMod val="400000"/>
+                </a:schemeClr>
+              </a:duotone>
+            </a:blip>
+            <a:stretch>
+              <a:fillRect/>
+            </a:stretch>
+          </p:blipFill>
+          <p:spPr>
+            <a:xfrm>
+              <a:off x="957527" y="1942583"/>
+              <a:ext cx="1000654" cy="1000654"/>
+            </a:xfrm>
+            <a:prstGeom prst="rect">
+              <a:avLst/>
+            </a:prstGeom>
+          </p:spPr>
+        </p:pic>
         <p:sp>
           <p:nvSpPr>
-            <p:cNvPr id="35" name="TextBox 34"/>
+            <p:cNvPr id="19" name="TextBox 18"/>
             <p:cNvSpPr txBox="1"/>
             <p:nvPr/>
           </p:nvSpPr>
           <p:spPr>
             <a:xfrm>
-              <a:off x="194221" y="3551139"/>
-              <a:ext cx="917027" cy="338554"/>
+              <a:off x="999862" y="2872338"/>
+              <a:ext cx="897417" cy="246221"/>
             </a:xfrm>
             <a:prstGeom prst="rect">
               <a:avLst/>
@@ -8587,62 +11590,138 @@
             <a:noFill/>
           </p:spPr>
           <p:txBody>
-            <a:bodyPr wrap="square" rtlCol="0">
+            <a:bodyPr wrap="none" rtlCol="0">
               <a:spAutoFit/>
             </a:bodyPr>
             <a:lstStyle/>
             <a:p>
               <a:r>
-                <a:rPr lang="en-US" sz="1600" dirty="0" smtClean="0"/>
-                <a:t>Slower</a:t>
+                <a:rPr lang="en-US" sz="1000" dirty="0" smtClean="0">
+                  <a:latin typeface="PT Sans"/>
+                  <a:cs typeface="PT Sans"/>
+                </a:rPr>
+                <a:t>benchmark C</a:t>
               </a:r>
-              <a:endParaRPr lang="en-US" sz="1600" dirty="0"/>
+              <a:endParaRPr lang="en-US" sz="1000" dirty="0">
+                <a:latin typeface="PT Sans"/>
+                <a:cs typeface="PT Sans"/>
+              </a:endParaRPr>
             </a:p>
           </p:txBody>
         </p:sp>
-        <p:cxnSp>
-          <p:nvCxnSpPr>
-            <p:cNvPr id="36" name="Straight Arrow Connector 35"/>
-            <p:cNvCxnSpPr/>
-            <p:nvPr/>
-          </p:nvCxnSpPr>
-          <p:spPr>
-            <a:xfrm flipH="1">
-              <a:off x="338668" y="3581400"/>
-              <a:ext cx="545699" cy="0"/>
-            </a:xfrm>
-            <a:prstGeom prst="straightConnector1">
-              <a:avLst/>
-            </a:prstGeom>
-            <a:ln>
-              <a:solidFill>
-                <a:schemeClr val="tx1"/>
-              </a:solidFill>
-              <a:headEnd type="none"/>
-              <a:tailEnd type="triangle" w="lg" len="lg"/>
-            </a:ln>
-            <a:effectLst/>
-          </p:spPr>
-          <p:style>
-            <a:lnRef idx="2">
-              <a:schemeClr val="accent4"/>
-            </a:lnRef>
-            <a:fillRef idx="0">
-              <a:schemeClr val="accent4"/>
-            </a:fillRef>
-            <a:effectRef idx="1">
-              <a:schemeClr val="accent4"/>
-            </a:effectRef>
-            <a:fontRef idx="minor">
-              <a:schemeClr val="tx1"/>
-            </a:fontRef>
-          </p:style>
-        </p:cxnSp>
       </p:grpSp>
+      <p:sp>
+        <p:nvSpPr>
+          <p:cNvPr id="20" name="TextBox 19"/>
+          <p:cNvSpPr txBox="1"/>
+          <p:nvPr/>
+        </p:nvSpPr>
+        <p:spPr>
+          <a:xfrm>
+            <a:off x="5267470" y="5059419"/>
+            <a:ext cx="813043" cy="276999"/>
+          </a:xfrm>
+          <a:prstGeom prst="rect">
+            <a:avLst/>
+          </a:prstGeom>
+          <a:solidFill>
+            <a:srgbClr val="FD7D7D"/>
+          </a:solidFill>
+        </p:spPr>
+        <p:txBody>
+          <a:bodyPr wrap="none" rtlCol="0">
+            <a:spAutoFit/>
+          </a:bodyPr>
+          <a:lstStyle/>
+          <a:p>
+            <a:r>
+              <a:rPr lang="en-US" sz="1200" dirty="0" smtClean="0"/>
+              <a:t>  590</a:t>
+            </a:r>
+            <a:r>
+              <a:rPr lang="en-US" sz="1200" dirty="0" smtClean="0"/>
+              <a:t> op/s</a:t>
+            </a:r>
+            <a:endParaRPr lang="en-US" sz="1200" dirty="0"/>
+          </a:p>
+        </p:txBody>
+      </p:sp>
+      <p:sp>
+        <p:nvSpPr>
+          <p:cNvPr id="21" name="Rectangle 20"/>
+          <p:cNvSpPr/>
+          <p:nvPr/>
+        </p:nvSpPr>
+        <p:spPr>
+          <a:xfrm>
+            <a:off x="2226733" y="5428575"/>
+            <a:ext cx="501457" cy="584776"/>
+          </a:xfrm>
+          <a:prstGeom prst="rect">
+            <a:avLst/>
+          </a:prstGeom>
+        </p:spPr>
+        <p:txBody>
+          <a:bodyPr wrap="none">
+            <a:spAutoFit/>
+          </a:bodyPr>
+          <a:lstStyle/>
+          <a:p>
+            <a:r>
+              <a:rPr lang="is-IS" sz="3200" dirty="0" smtClean="0">
+                <a:solidFill>
+                  <a:prstClr val="black"/>
+                </a:solidFill>
+                <a:latin typeface="PT Sans"/>
+                <a:cs typeface="PT Sans"/>
+              </a:rPr>
+              <a:t>…</a:t>
+            </a:r>
+            <a:endParaRPr lang="en-US" dirty="0"/>
+          </a:p>
+        </p:txBody>
+      </p:sp>
+      <p:sp>
+        <p:nvSpPr>
+          <p:cNvPr id="22" name="TextBox 21"/>
+          <p:cNvSpPr txBox="1"/>
+          <p:nvPr/>
+        </p:nvSpPr>
+        <p:spPr>
+          <a:xfrm>
+            <a:off x="1727201" y="1540748"/>
+            <a:ext cx="1617132" cy="246221"/>
+          </a:xfrm>
+          <a:prstGeom prst="rect">
+            <a:avLst/>
+          </a:prstGeom>
+          <a:noFill/>
+        </p:spPr>
+        <p:txBody>
+          <a:bodyPr wrap="square" rtlCol="0">
+            <a:spAutoFit/>
+          </a:bodyPr>
+          <a:lstStyle/>
+          <a:p>
+            <a:pPr algn="ctr"/>
+            <a:r>
+              <a:rPr lang="en-US" sz="1000" dirty="0" smtClean="0">
+                <a:latin typeface="PT Sans"/>
+                <a:cs typeface="PT Sans"/>
+              </a:rPr>
+              <a:t>CPU-bound benchmarks</a:t>
+            </a:r>
+            <a:endParaRPr lang="en-US" sz="1000" dirty="0">
+              <a:latin typeface="PT Sans"/>
+              <a:cs typeface="PT Sans"/>
+            </a:endParaRPr>
+          </a:p>
+        </p:txBody>
+      </p:sp>
     </p:spTree>
     <p:extLst>
       <p:ext uri="{BB962C8B-B14F-4D97-AF65-F5344CB8AC3E}">
-        <p14:creationId xmlns:p14="http://schemas.microsoft.com/office/powerpoint/2010/main" val="2082483610"/>
+        <p14:creationId xmlns:p14="http://schemas.microsoft.com/office/powerpoint/2010/main" val="1295189996"/>
       </p:ext>
     </p:extLst>
   </p:cSld>
@@ -8670,7 +11749,7 @@
                             </p:stCondLst>
                             <p:childTnLst>
                               <p:par>
-                                <p:cTn id="5" presetID="1" presetClass="entr" presetSubtype="0" fill="hold" nodeType="clickEffect">
+                                <p:cTn id="5" presetID="1" presetClass="entr" presetSubtype="0" fill="hold" grpId="0" nodeType="clickEffect">
                                   <p:stCondLst>
                                     <p:cond delay="0"/>
                                   </p:stCondLst>
@@ -8683,7 +11762,7 @@
                                           </p:stCondLst>
                                         </p:cTn>
                                         <p:tgtEl>
-                                          <p:spTgt spid="21"/>
+                                          <p:spTgt spid="22"/>
                                         </p:tgtEl>
                                         <p:attrNameLst>
                                           <p:attrName>style.visibility</p:attrName>
@@ -8728,7 +11807,34 @@
                                           </p:stCondLst>
                                         </p:cTn>
                                         <p:tgtEl>
-                                          <p:spTgt spid="23"/>
+                                          <p:spTgt spid="9"/>
+                                        </p:tgtEl>
+                                        <p:attrNameLst>
+                                          <p:attrName>style.visibility</p:attrName>
+                                        </p:attrNameLst>
+                                      </p:cBhvr>
+                                      <p:to>
+                                        <p:strVal val="visible"/>
+                                      </p:to>
+                                    </p:set>
+                                  </p:childTnLst>
+                                </p:cTn>
+                              </p:par>
+                              <p:par>
+                                <p:cTn id="11" presetID="1" presetClass="entr" presetSubtype="0" fill="hold" nodeType="withEffect">
+                                  <p:stCondLst>
+                                    <p:cond delay="0"/>
+                                  </p:stCondLst>
+                                  <p:childTnLst>
+                                    <p:set>
+                                      <p:cBhvr>
+                                        <p:cTn id="12" dur="1" fill="hold">
+                                          <p:stCondLst>
+                                            <p:cond delay="0"/>
+                                          </p:stCondLst>
+                                        </p:cTn>
+                                        <p:tgtEl>
+                                          <p:spTgt spid="15"/>
                                         </p:tgtEl>
                                         <p:attrNameLst>
                                           <p:attrName>style.visibility</p:attrName>
@@ -8748,32 +11854,59 @@
                     </p:cTn>
                   </p:par>
                   <p:par>
-                    <p:cTn id="11" fill="hold">
+                    <p:cTn id="13" fill="hold">
                       <p:stCondLst>
                         <p:cond delay="indefinite"/>
                       </p:stCondLst>
                       <p:childTnLst>
                         <p:par>
-                          <p:cTn id="12" fill="hold">
+                          <p:cTn id="14" fill="hold">
                             <p:stCondLst>
                               <p:cond delay="0"/>
                             </p:stCondLst>
                             <p:childTnLst>
                               <p:par>
-                                <p:cTn id="13" presetID="1" presetClass="entr" presetSubtype="0" fill="hold" nodeType="clickEffect">
+                                <p:cTn id="15" presetID="1" presetClass="entr" presetSubtype="0" fill="hold" nodeType="clickEffect">
                                   <p:stCondLst>
                                     <p:cond delay="0"/>
                                   </p:stCondLst>
                                   <p:childTnLst>
                                     <p:set>
                                       <p:cBhvr>
-                                        <p:cTn id="14" dur="1" fill="hold">
+                                        <p:cTn id="16" dur="1" fill="hold">
                                           <p:stCondLst>
                                             <p:cond delay="0"/>
                                           </p:stCondLst>
                                         </p:cTn>
                                         <p:tgtEl>
-                                          <p:spTgt spid="17"/>
+                                          <p:spTgt spid="12"/>
+                                        </p:tgtEl>
+                                        <p:attrNameLst>
+                                          <p:attrName>style.visibility</p:attrName>
+                                        </p:attrNameLst>
+                                      </p:cBhvr>
+                                      <p:to>
+                                        <p:strVal val="visible"/>
+                                      </p:to>
+                                    </p:set>
+                                  </p:childTnLst>
+                                </p:cTn>
+                              </p:par>
+                              <p:par>
+                                <p:cTn id="17" presetID="1" presetClass="entr" presetSubtype="0" fill="hold" grpId="0" nodeType="withEffect">
+                                  <p:stCondLst>
+                                    <p:cond delay="0"/>
+                                  </p:stCondLst>
+                                  <p:childTnLst>
+                                    <p:set>
+                                      <p:cBhvr>
+                                        <p:cTn id="18" dur="1" fill="hold">
+                                          <p:stCondLst>
+                                            <p:cond delay="0"/>
+                                          </p:stCondLst>
+                                        </p:cTn>
+                                        <p:tgtEl>
+                                          <p:spTgt spid="16"/>
                                         </p:tgtEl>
                                         <p:attrNameLst>
                                           <p:attrName>style.visibility</p:attrName>
@@ -8793,32 +11926,104 @@
                     </p:cTn>
                   </p:par>
                   <p:par>
-                    <p:cTn id="15" fill="hold">
+                    <p:cTn id="19" fill="hold">
                       <p:stCondLst>
                         <p:cond delay="indefinite"/>
                       </p:stCondLst>
                       <p:childTnLst>
                         <p:par>
-                          <p:cTn id="16" fill="hold">
+                          <p:cTn id="20" fill="hold">
                             <p:stCondLst>
                               <p:cond delay="0"/>
                             </p:stCondLst>
                             <p:childTnLst>
                               <p:par>
-                                <p:cTn id="17" presetID="1" presetClass="entr" presetSubtype="0" fill="hold" nodeType="clickEffect">
+                                <p:cTn id="21" presetID="1" presetClass="entr" presetSubtype="0" fill="hold" nodeType="clickEffect">
                                   <p:stCondLst>
                                     <p:cond delay="0"/>
                                   </p:stCondLst>
                                   <p:childTnLst>
                                     <p:set>
                                       <p:cBhvr>
-                                        <p:cTn id="18" dur="1" fill="hold">
+                                        <p:cTn id="22" dur="1" fill="hold">
                                           <p:stCondLst>
                                             <p:cond delay="0"/>
                                           </p:stCondLst>
                                         </p:cTn>
                                         <p:tgtEl>
-                                          <p:spTgt spid="39"/>
+                                          <p:spTgt spid="17"/>
+                                        </p:tgtEl>
+                                        <p:attrNameLst>
+                                          <p:attrName>style.visibility</p:attrName>
+                                        </p:attrNameLst>
+                                      </p:cBhvr>
+                                      <p:to>
+                                        <p:strVal val="visible"/>
+                                      </p:to>
+                                    </p:set>
+                                  </p:childTnLst>
+                                </p:cTn>
+                              </p:par>
+                              <p:par>
+                                <p:cTn id="23" presetID="1" presetClass="entr" presetSubtype="0" fill="hold" grpId="0" nodeType="withEffect">
+                                  <p:stCondLst>
+                                    <p:cond delay="0"/>
+                                  </p:stCondLst>
+                                  <p:childTnLst>
+                                    <p:set>
+                                      <p:cBhvr>
+                                        <p:cTn id="24" dur="1" fill="hold">
+                                          <p:stCondLst>
+                                            <p:cond delay="0"/>
+                                          </p:stCondLst>
+                                        </p:cTn>
+                                        <p:tgtEl>
+                                          <p:spTgt spid="20"/>
+                                        </p:tgtEl>
+                                        <p:attrNameLst>
+                                          <p:attrName>style.visibility</p:attrName>
+                                        </p:attrNameLst>
+                                      </p:cBhvr>
+                                      <p:to>
+                                        <p:strVal val="visible"/>
+                                      </p:to>
+                                    </p:set>
+                                  </p:childTnLst>
+                                </p:cTn>
+                              </p:par>
+                            </p:childTnLst>
+                          </p:cTn>
+                        </p:par>
+                      </p:childTnLst>
+                    </p:cTn>
+                  </p:par>
+                  <p:par>
+                    <p:cTn id="25" fill="hold">
+                      <p:stCondLst>
+                        <p:cond delay="indefinite"/>
+                      </p:stCondLst>
+                      <p:childTnLst>
+                        <p:par>
+                          <p:cTn id="26" fill="hold">
+                            <p:stCondLst>
+                              <p:cond delay="0"/>
+                            </p:stCondLst>
+                            <p:childTnLst>
+                              <p:par>
+                                <p:cTn id="27" presetID="1" presetClass="entr" presetSubtype="0" fill="hold" grpId="0" nodeType="clickEffect">
+                                  <p:stCondLst>
+                                    <p:cond delay="0"/>
+                                  </p:stCondLst>
+                                  <p:childTnLst>
+                                    <p:set>
+                                      <p:cBhvr>
+                                        <p:cTn id="28" dur="1" fill="hold">
+                                          <p:stCondLst>
+                                            <p:cond delay="0"/>
+                                          </p:stCondLst>
+                                        </p:cTn>
+                                        <p:tgtEl>
+                                          <p:spTgt spid="21"/>
                                         </p:tgtEl>
                                         <p:attrNameLst>
                                           <p:attrName>style.visibility</p:attrName>
@@ -8858,6 +12063,1472 @@
         </p:cTn>
       </p:par>
     </p:tnLst>
+    <p:bldLst>
+      <p:bldP spid="16" grpId="0" animBg="1"/>
+      <p:bldP spid="20" grpId="0" animBg="1"/>
+      <p:bldP spid="21" grpId="0"/>
+      <p:bldP spid="22" grpId="0"/>
+    </p:bldLst>
+  </p:timing>
+</p:sld>
+</file>
+
+<file path=ppt/slides/slide7.xml><?xml version="1.0" encoding="utf-8"?>
+<p:sld xmlns:a="http://schemas.openxmlformats.org/drawingml/2006/main" xmlns:r="http://schemas.openxmlformats.org/officeDocument/2006/relationships" xmlns:p="http://schemas.openxmlformats.org/presentationml/2006/main">
+  <p:cSld>
+    <p:spTree>
+      <p:nvGrpSpPr>
+        <p:cNvPr id="1" name=""/>
+        <p:cNvGrpSpPr/>
+        <p:nvPr/>
+      </p:nvGrpSpPr>
+      <p:grpSpPr>
+        <a:xfrm>
+          <a:off x="0" y="0"/>
+          <a:ext cx="0" cy="0"/>
+          <a:chOff x="0" y="0"/>
+          <a:chExt cx="0" cy="0"/>
+        </a:xfrm>
+      </p:grpSpPr>
+      <p:sp>
+        <p:nvSpPr>
+          <p:cNvPr id="2" name="Title 1"/>
+          <p:cNvSpPr>
+            <a:spLocks noGrp="1"/>
+          </p:cNvSpPr>
+          <p:nvPr>
+            <p:ph type="title"/>
+          </p:nvPr>
+        </p:nvSpPr>
+        <p:spPr>
+          <a:xfrm>
+            <a:off x="457199" y="274638"/>
+            <a:ext cx="8229601" cy="1143000"/>
+          </a:xfrm>
+        </p:spPr>
+        <p:txBody>
+          <a:bodyPr>
+            <a:normAutofit/>
+          </a:bodyPr>
+          <a:lstStyle/>
+          <a:p>
+            <a:pPr algn="l"/>
+            <a:r>
+              <a:rPr lang="en-US" sz="3800" b="1" dirty="0" smtClean="0">
+                <a:latin typeface="PT Sans"/>
+                <a:cs typeface="PT Sans"/>
+              </a:rPr>
+              <a:t>Characterize a Machine’s Performance</a:t>
+            </a:r>
+            <a:endParaRPr lang="en-US" sz="3800" b="1" dirty="0">
+              <a:latin typeface="PT Sans"/>
+              <a:cs typeface="PT Sans"/>
+            </a:endParaRPr>
+          </a:p>
+        </p:txBody>
+      </p:sp>
+      <p:sp>
+        <p:nvSpPr>
+          <p:cNvPr id="4" name="Content Placeholder 3"/>
+          <p:cNvSpPr>
+            <a:spLocks noGrp="1"/>
+          </p:cNvSpPr>
+          <p:nvPr>
+            <p:ph idx="1"/>
+          </p:nvPr>
+        </p:nvSpPr>
+        <p:spPr>
+          <a:xfrm>
+            <a:off x="457200" y="1591733"/>
+            <a:ext cx="8229600" cy="4525963"/>
+          </a:xfrm>
+        </p:spPr>
+        <p:txBody>
+          <a:bodyPr/>
+          <a:lstStyle/>
+          <a:p>
+            <a:r>
+              <a:rPr lang="en-US" dirty="0" smtClean="0">
+                <a:latin typeface="PT Sans"/>
+                <a:cs typeface="PT Sans"/>
+              </a:rPr>
+              <a:t>Given a particular machine, </a:t>
+            </a:r>
+            <a:r>
+              <a:rPr lang="en-US" dirty="0" err="1" smtClean="0">
+                <a:latin typeface="PT Sans"/>
+                <a:cs typeface="PT Sans"/>
+              </a:rPr>
+              <a:t>opcode</a:t>
+            </a:r>
+            <a:r>
+              <a:rPr lang="en-US" dirty="0" smtClean="0">
+                <a:latin typeface="PT Sans"/>
+                <a:cs typeface="PT Sans"/>
+              </a:rPr>
+              <a:t> mix determines </a:t>
+            </a:r>
+            <a:r>
+              <a:rPr lang="en-US" dirty="0" smtClean="0">
+                <a:latin typeface="PT Sans"/>
+                <a:cs typeface="PT Sans"/>
+              </a:rPr>
+              <a:t>performance of an </a:t>
+            </a:r>
+            <a:r>
+              <a:rPr lang="en-US" dirty="0" smtClean="0">
+                <a:latin typeface="PT Sans"/>
+                <a:cs typeface="PT Sans"/>
+              </a:rPr>
+              <a:t>application.</a:t>
+            </a:r>
+            <a:endParaRPr lang="en-US" dirty="0" smtClean="0">
+              <a:latin typeface="PT Sans"/>
+              <a:cs typeface="PT Sans"/>
+            </a:endParaRPr>
+          </a:p>
+          <a:p>
+            <a:r>
+              <a:rPr lang="en-US" dirty="0" smtClean="0">
+                <a:latin typeface="PT Sans"/>
+                <a:cs typeface="PT Sans"/>
+              </a:rPr>
+              <a:t>Alternatives:</a:t>
+            </a:r>
+          </a:p>
+          <a:p>
+            <a:pPr lvl="1"/>
+            <a:r>
+              <a:rPr lang="en-US" dirty="0" smtClean="0">
+                <a:latin typeface="PT Sans"/>
+                <a:cs typeface="PT Sans"/>
+              </a:rPr>
+              <a:t>Generate all possible programs that exercise all possible combinations of the instruction set of a machine (e.g. 50/50</a:t>
+            </a:r>
+            <a:r>
+              <a:rPr lang="en-US" dirty="0">
+                <a:latin typeface="PT Sans"/>
+                <a:cs typeface="PT Sans"/>
+              </a:rPr>
+              <a:t> </a:t>
+            </a:r>
+            <a:r>
+              <a:rPr lang="en-US" dirty="0" smtClean="0">
+                <a:latin typeface="PT Sans"/>
+                <a:cs typeface="PT Sans"/>
+              </a:rPr>
+              <a:t>flops/</a:t>
+            </a:r>
+            <a:r>
+              <a:rPr lang="en-US" dirty="0" err="1" smtClean="0">
+                <a:latin typeface="PT Sans"/>
+                <a:cs typeface="PT Sans"/>
+              </a:rPr>
+              <a:t>ints</a:t>
+            </a:r>
+            <a:r>
+              <a:rPr lang="en-US" dirty="0" smtClean="0">
+                <a:latin typeface="PT Sans"/>
+                <a:cs typeface="PT Sans"/>
+              </a:rPr>
+              <a:t> </a:t>
+            </a:r>
+            <a:r>
+              <a:rPr lang="en-US" dirty="0" err="1" smtClean="0">
+                <a:latin typeface="PT Sans"/>
+                <a:cs typeface="PT Sans"/>
+              </a:rPr>
+              <a:t>vs</a:t>
+            </a:r>
+            <a:r>
+              <a:rPr lang="en-US" dirty="0" smtClean="0">
+                <a:latin typeface="PT Sans"/>
+                <a:cs typeface="PT Sans"/>
+              </a:rPr>
+              <a:t> 25/75 </a:t>
+            </a:r>
+            <a:r>
+              <a:rPr lang="en-US" dirty="0" err="1" smtClean="0">
+                <a:latin typeface="PT Sans"/>
+                <a:cs typeface="PT Sans"/>
+              </a:rPr>
+              <a:t>vs</a:t>
+            </a:r>
+            <a:r>
+              <a:rPr lang="en-US" dirty="0" smtClean="0">
+                <a:latin typeface="PT Sans"/>
+                <a:cs typeface="PT Sans"/>
+              </a:rPr>
+              <a:t> </a:t>
+            </a:r>
+            <a:r>
+              <a:rPr lang="is-IS" dirty="0" smtClean="0">
+                <a:latin typeface="PT Sans"/>
+                <a:cs typeface="PT Sans"/>
+              </a:rPr>
+              <a:t>…</a:t>
+            </a:r>
+            <a:r>
+              <a:rPr lang="en-US" dirty="0" smtClean="0">
+                <a:latin typeface="PT Sans"/>
+                <a:cs typeface="PT Sans"/>
+              </a:rPr>
+              <a:t>).</a:t>
+            </a:r>
+          </a:p>
+          <a:p>
+            <a:pPr lvl="1"/>
+            <a:r>
+              <a:rPr lang="en-US" dirty="0" smtClean="0">
+                <a:latin typeface="PT Sans"/>
+                <a:cs typeface="PT Sans"/>
+              </a:rPr>
+              <a:t>Use an </a:t>
+            </a:r>
+            <a:r>
+              <a:rPr lang="en-US" dirty="0" smtClean="0">
+                <a:latin typeface="PT Sans"/>
+                <a:cs typeface="PT Sans"/>
+              </a:rPr>
+              <a:t>array of </a:t>
+            </a:r>
+            <a:r>
+              <a:rPr lang="en-US" dirty="0" smtClean="0">
+                <a:latin typeface="PT Sans"/>
+                <a:cs typeface="PT Sans"/>
+              </a:rPr>
+              <a:t>programs that exercise multiple CPU subsystems.</a:t>
+            </a:r>
+            <a:endParaRPr lang="en-US" dirty="0" smtClean="0">
+              <a:latin typeface="PT Sans"/>
+              <a:cs typeface="PT Sans"/>
+            </a:endParaRPr>
+          </a:p>
+          <a:p>
+            <a:endParaRPr lang="en-US" dirty="0">
+              <a:latin typeface="PT Sans"/>
+              <a:cs typeface="PT Sans"/>
+            </a:endParaRPr>
+          </a:p>
+        </p:txBody>
+      </p:sp>
+      <p:sp>
+        <p:nvSpPr>
+          <p:cNvPr id="3" name="Slide Number Placeholder 2"/>
+          <p:cNvSpPr>
+            <a:spLocks noGrp="1"/>
+          </p:cNvSpPr>
+          <p:nvPr>
+            <p:ph type="sldNum" sz="quarter" idx="12"/>
+          </p:nvPr>
+        </p:nvSpPr>
+        <p:spPr/>
+        <p:txBody>
+          <a:bodyPr/>
+          <a:lstStyle/>
+          <a:p>
+            <a:fld id="{FA8338FA-16C6-9C42-9987-80EFEA67B0E4}" type="slidenum">
+              <a:rPr lang="en-US" smtClean="0"/>
+              <a:t>7</a:t>
+            </a:fld>
+            <a:endParaRPr lang="en-US"/>
+          </a:p>
+        </p:txBody>
+      </p:sp>
+    </p:spTree>
+    <p:extLst>
+      <p:ext uri="{BB962C8B-B14F-4D97-AF65-F5344CB8AC3E}">
+        <p14:creationId xmlns:p14="http://schemas.microsoft.com/office/powerpoint/2010/main" val="405545968"/>
+      </p:ext>
+    </p:extLst>
+  </p:cSld>
+  <p:clrMapOvr>
+    <a:masterClrMapping/>
+  </p:clrMapOvr>
+  <p:timing>
+    <p:tnLst>
+      <p:par>
+        <p:cTn xmlns:p14="http://schemas.microsoft.com/office/powerpoint/2010/main" id="1" dur="indefinite" restart="never" nodeType="tmRoot"/>
+      </p:par>
+    </p:tnLst>
+  </p:timing>
+</p:sld>
+</file>
+
+<file path=ppt/slides/slide8.xml><?xml version="1.0" encoding="utf-8"?>
+<p:sld xmlns:a="http://schemas.openxmlformats.org/drawingml/2006/main" xmlns:r="http://schemas.openxmlformats.org/officeDocument/2006/relationships" xmlns:p="http://schemas.openxmlformats.org/presentationml/2006/main">
+  <p:cSld>
+    <p:spTree>
+      <p:nvGrpSpPr>
+        <p:cNvPr id="1" name=""/>
+        <p:cNvGrpSpPr/>
+        <p:nvPr/>
+      </p:nvGrpSpPr>
+      <p:grpSpPr>
+        <a:xfrm>
+          <a:off x="0" y="0"/>
+          <a:ext cx="0" cy="0"/>
+          <a:chOff x="0" y="0"/>
+          <a:chExt cx="0" cy="0"/>
+        </a:xfrm>
+      </p:grpSpPr>
+      <p:sp>
+        <p:nvSpPr>
+          <p:cNvPr id="2" name="Title 1"/>
+          <p:cNvSpPr>
+            <a:spLocks noGrp="1"/>
+          </p:cNvSpPr>
+          <p:nvPr>
+            <p:ph type="title"/>
+          </p:nvPr>
+        </p:nvSpPr>
+        <p:spPr>
+          <a:xfrm>
+            <a:off x="457199" y="274638"/>
+            <a:ext cx="8229601" cy="1143000"/>
+          </a:xfrm>
+        </p:spPr>
+        <p:txBody>
+          <a:bodyPr>
+            <a:normAutofit/>
+          </a:bodyPr>
+          <a:lstStyle/>
+          <a:p>
+            <a:pPr algn="l"/>
+            <a:r>
+              <a:rPr lang="en-US" sz="3800" b="1" dirty="0" smtClean="0">
+                <a:latin typeface="DejaVu Sans Mono"/>
+                <a:cs typeface="DejaVu Sans Mono"/>
+              </a:rPr>
+              <a:t>    stress-</a:t>
+            </a:r>
+            <a:r>
+              <a:rPr lang="en-US" sz="3800" b="1" dirty="0" err="1" smtClean="0">
+                <a:latin typeface="DejaVu Sans Mono"/>
+                <a:cs typeface="DejaVu Sans Mono"/>
+              </a:rPr>
+              <a:t>ng</a:t>
+            </a:r>
+            <a:endParaRPr lang="en-US" sz="3800" b="1" dirty="0">
+              <a:latin typeface="DejaVu Sans Mono"/>
+              <a:cs typeface="DejaVu Sans Mono"/>
+            </a:endParaRPr>
+          </a:p>
+        </p:txBody>
+      </p:sp>
+      <p:sp>
+        <p:nvSpPr>
+          <p:cNvPr id="3" name="Slide Number Placeholder 2"/>
+          <p:cNvSpPr>
+            <a:spLocks noGrp="1"/>
+          </p:cNvSpPr>
+          <p:nvPr>
+            <p:ph type="sldNum" sz="quarter" idx="12"/>
+          </p:nvPr>
+        </p:nvSpPr>
+        <p:spPr/>
+        <p:txBody>
+          <a:bodyPr/>
+          <a:lstStyle/>
+          <a:p>
+            <a:fld id="{FA8338FA-16C6-9C42-9987-80EFEA67B0E4}" type="slidenum">
+              <a:rPr lang="en-US" smtClean="0"/>
+              <a:t>8</a:t>
+            </a:fld>
+            <a:endParaRPr lang="en-US"/>
+          </a:p>
+        </p:txBody>
+      </p:sp>
+      <p:pic>
+        <p:nvPicPr>
+          <p:cNvPr id="8" name="Picture 7"/>
+          <p:cNvPicPr>
+            <a:picLocks noChangeAspect="1"/>
+          </p:cNvPicPr>
+          <p:nvPr/>
+        </p:nvPicPr>
+        <p:blipFill>
+          <a:blip r:embed="rId2"/>
+          <a:stretch>
+            <a:fillRect/>
+          </a:stretch>
+        </p:blipFill>
+        <p:spPr>
+          <a:xfrm>
+            <a:off x="0" y="0"/>
+            <a:ext cx="1625600" cy="1930400"/>
+          </a:xfrm>
+          <a:prstGeom prst="rect">
+            <a:avLst/>
+          </a:prstGeom>
+        </p:spPr>
+      </p:pic>
+      <p:sp>
+        <p:nvSpPr>
+          <p:cNvPr id="9" name="Content Placeholder 3"/>
+          <p:cNvSpPr>
+            <a:spLocks noGrp="1"/>
+          </p:cNvSpPr>
+          <p:nvPr>
+            <p:ph idx="1"/>
+          </p:nvPr>
+        </p:nvSpPr>
+        <p:spPr>
+          <a:xfrm>
+            <a:off x="457200" y="1930400"/>
+            <a:ext cx="8229600" cy="3547533"/>
+          </a:xfrm>
+        </p:spPr>
+        <p:txBody>
+          <a:bodyPr>
+            <a:normAutofit/>
+          </a:bodyPr>
+          <a:lstStyle/>
+          <a:p>
+            <a:r>
+              <a:rPr lang="en-US" dirty="0" smtClean="0">
+                <a:latin typeface="PT Sans"/>
+                <a:cs typeface="PT Sans"/>
+              </a:rPr>
+              <a:t>130 stressors that test multiple subsystems of a computer.</a:t>
+            </a:r>
+          </a:p>
+          <a:p>
+            <a:pPr lvl="1"/>
+            <a:r>
+              <a:rPr lang="en-US" dirty="0" smtClean="0">
+                <a:latin typeface="PT Sans"/>
+                <a:cs typeface="PT Sans"/>
+              </a:rPr>
+              <a:t>CPU, CPU cache, memory, network, disk and OS.</a:t>
+            </a:r>
+          </a:p>
+          <a:p>
+            <a:pPr lvl="1"/>
+            <a:r>
+              <a:rPr lang="en-US" dirty="0" smtClean="0">
+                <a:latin typeface="PT Sans"/>
+                <a:cs typeface="PT Sans"/>
+              </a:rPr>
+              <a:t>CPU stressor.</a:t>
+            </a:r>
+          </a:p>
+          <a:p>
+            <a:pPr lvl="2"/>
+            <a:r>
+              <a:rPr lang="en-US" dirty="0" smtClean="0">
+                <a:latin typeface="PT Sans"/>
+                <a:cs typeface="PT Sans"/>
+              </a:rPr>
+              <a:t>Loop a function for </a:t>
+            </a:r>
+            <a:r>
+              <a:rPr lang="en-US" sz="2200" b="1" dirty="0" smtClean="0">
+                <a:latin typeface="DejaVu Sans Mono"/>
+                <a:cs typeface="DejaVu Sans Mono"/>
+              </a:rPr>
+              <a:t>n</a:t>
+            </a:r>
+            <a:r>
+              <a:rPr lang="en-US" dirty="0" smtClean="0">
+                <a:latin typeface="PT Sans"/>
+                <a:cs typeface="PT Sans"/>
+              </a:rPr>
+              <a:t> seconds and report </a:t>
+            </a:r>
+            <a:r>
+              <a:rPr lang="en-US" sz="2200" b="1" dirty="0" smtClean="0">
+                <a:latin typeface="DejaVu Sans Mono"/>
+                <a:cs typeface="DejaVu Sans Mono"/>
+              </a:rPr>
+              <a:t>op/s.</a:t>
+            </a:r>
+            <a:endParaRPr lang="en-US" dirty="0" smtClean="0">
+              <a:latin typeface="PT Sans"/>
+              <a:cs typeface="PT Sans"/>
+            </a:endParaRPr>
+          </a:p>
+          <a:p>
+            <a:pPr lvl="2"/>
+            <a:r>
+              <a:rPr lang="en-US" dirty="0" smtClean="0">
+                <a:latin typeface="PT Sans"/>
+                <a:cs typeface="PT Sans"/>
+              </a:rPr>
+              <a:t>More than 80 functions (called methods).</a:t>
+            </a:r>
+            <a:endParaRPr lang="en-US" dirty="0" smtClean="0">
+              <a:latin typeface="PT Sans"/>
+              <a:cs typeface="PT Sans"/>
+            </a:endParaRPr>
+          </a:p>
+        </p:txBody>
+      </p:sp>
+      <p:sp>
+        <p:nvSpPr>
+          <p:cNvPr id="5" name="Rectangle 4"/>
+          <p:cNvSpPr/>
+          <p:nvPr/>
+        </p:nvSpPr>
+        <p:spPr>
+          <a:xfrm>
+            <a:off x="270933" y="5219807"/>
+            <a:ext cx="8644467" cy="1046440"/>
+          </a:xfrm>
+          <a:prstGeom prst="rect">
+            <a:avLst/>
+          </a:prstGeom>
+          <a:ln>
+            <a:solidFill>
+              <a:schemeClr val="tx1"/>
+            </a:solidFill>
+          </a:ln>
+        </p:spPr>
+        <p:txBody>
+          <a:bodyPr wrap="square">
+            <a:spAutoFit/>
+          </a:bodyPr>
+          <a:lstStyle/>
+          <a:p>
+            <a:pPr lvl="0">
+              <a:spcBef>
+                <a:spcPct val="20000"/>
+              </a:spcBef>
+            </a:pPr>
+            <a:r>
+              <a:rPr lang="en-US" sz="3100" b="1" dirty="0">
+                <a:solidFill>
+                  <a:prstClr val="black"/>
+                </a:solidFill>
+                <a:latin typeface="PT Sans"/>
+                <a:cs typeface="PT Sans"/>
+              </a:rPr>
+              <a:t>Idea:</a:t>
+            </a:r>
+            <a:r>
+              <a:rPr lang="en-US" sz="3100" dirty="0">
+                <a:solidFill>
+                  <a:prstClr val="black"/>
+                </a:solidFill>
+                <a:latin typeface="PT Sans"/>
+                <a:cs typeface="PT Sans"/>
+              </a:rPr>
+              <a:t> use this “spectrum” of </a:t>
+            </a:r>
+            <a:r>
+              <a:rPr lang="en-US" sz="3100" dirty="0" smtClean="0">
+                <a:solidFill>
+                  <a:prstClr val="black"/>
+                </a:solidFill>
+                <a:latin typeface="PT Sans"/>
+                <a:cs typeface="PT Sans"/>
+              </a:rPr>
+              <a:t>CPU microbenchmarks </a:t>
+            </a:r>
+            <a:r>
+              <a:rPr lang="en-US" sz="3100" dirty="0">
+                <a:solidFill>
+                  <a:prstClr val="black"/>
+                </a:solidFill>
+                <a:latin typeface="PT Sans"/>
+                <a:cs typeface="PT Sans"/>
+              </a:rPr>
+              <a:t>to characterize the performance of a machine.</a:t>
+            </a:r>
+            <a:endParaRPr lang="en-US" sz="3100" b="1" dirty="0">
+              <a:solidFill>
+                <a:prstClr val="black"/>
+              </a:solidFill>
+              <a:latin typeface="DejaVu Sans Mono"/>
+              <a:cs typeface="DejaVu Sans Mono"/>
+            </a:endParaRPr>
+          </a:p>
+        </p:txBody>
+      </p:sp>
+    </p:spTree>
+    <p:extLst>
+      <p:ext uri="{BB962C8B-B14F-4D97-AF65-F5344CB8AC3E}">
+        <p14:creationId xmlns:p14="http://schemas.microsoft.com/office/powerpoint/2010/main" val="2839098732"/>
+      </p:ext>
+    </p:extLst>
+  </p:cSld>
+  <p:clrMapOvr>
+    <a:masterClrMapping/>
+  </p:clrMapOvr>
+  <p:timing>
+    <p:tnLst>
+      <p:par>
+        <p:cTn xmlns:p14="http://schemas.microsoft.com/office/powerpoint/2010/main" id="1" dur="indefinite" restart="never" nodeType="tmRoot">
+          <p:childTnLst>
+            <p:seq concurrent="1" nextAc="seek">
+              <p:cTn id="2" dur="indefinite" nodeType="mainSeq">
+                <p:childTnLst>
+                  <p:par>
+                    <p:cTn id="3" fill="hold">
+                      <p:stCondLst>
+                        <p:cond delay="indefinite"/>
+                      </p:stCondLst>
+                      <p:childTnLst>
+                        <p:par>
+                          <p:cTn id="4" fill="hold">
+                            <p:stCondLst>
+                              <p:cond delay="0"/>
+                            </p:stCondLst>
+                            <p:childTnLst>
+                              <p:par>
+                                <p:cTn id="5" presetID="1" presetClass="entr" presetSubtype="0" fill="hold" grpId="0" nodeType="clickEffect">
+                                  <p:stCondLst>
+                                    <p:cond delay="0"/>
+                                  </p:stCondLst>
+                                  <p:childTnLst>
+                                    <p:set>
+                                      <p:cBhvr>
+                                        <p:cTn id="6" dur="1" fill="hold">
+                                          <p:stCondLst>
+                                            <p:cond delay="0"/>
+                                          </p:stCondLst>
+                                        </p:cTn>
+                                        <p:tgtEl>
+                                          <p:spTgt spid="5"/>
+                                        </p:tgtEl>
+                                        <p:attrNameLst>
+                                          <p:attrName>style.visibility</p:attrName>
+                                        </p:attrNameLst>
+                                      </p:cBhvr>
+                                      <p:to>
+                                        <p:strVal val="visible"/>
+                                      </p:to>
+                                    </p:set>
+                                  </p:childTnLst>
+                                </p:cTn>
+                              </p:par>
+                            </p:childTnLst>
+                          </p:cTn>
+                        </p:par>
+                      </p:childTnLst>
+                    </p:cTn>
+                  </p:par>
+                </p:childTnLst>
+              </p:cTn>
+              <p:prevCondLst>
+                <p:cond evt="onPrev" delay="0">
+                  <p:tgtEl>
+                    <p:sldTgt/>
+                  </p:tgtEl>
+                </p:cond>
+              </p:prevCondLst>
+              <p:nextCondLst>
+                <p:cond evt="onNext" delay="0">
+                  <p:tgtEl>
+                    <p:sldTgt/>
+                  </p:tgtEl>
+                </p:cond>
+              </p:nextCondLst>
+            </p:seq>
+          </p:childTnLst>
+        </p:cTn>
+      </p:par>
+    </p:tnLst>
+    <p:bldLst>
+      <p:bldP spid="5" grpId="0" animBg="1"/>
+    </p:bldLst>
+  </p:timing>
+</p:sld>
+</file>
+
+<file path=ppt/slides/slide9.xml><?xml version="1.0" encoding="utf-8"?>
+<p:sld xmlns:a="http://schemas.openxmlformats.org/drawingml/2006/main" xmlns:r="http://schemas.openxmlformats.org/officeDocument/2006/relationships" xmlns:p="http://schemas.openxmlformats.org/presentationml/2006/main">
+  <p:cSld>
+    <p:spTree>
+      <p:nvGrpSpPr>
+        <p:cNvPr id="1" name=""/>
+        <p:cNvGrpSpPr/>
+        <p:nvPr/>
+      </p:nvGrpSpPr>
+      <p:grpSpPr>
+        <a:xfrm>
+          <a:off x="0" y="0"/>
+          <a:ext cx="0" cy="0"/>
+          <a:chOff x="0" y="0"/>
+          <a:chExt cx="0" cy="0"/>
+        </a:xfrm>
+      </p:grpSpPr>
+      <p:sp>
+        <p:nvSpPr>
+          <p:cNvPr id="2" name="Title 1"/>
+          <p:cNvSpPr>
+            <a:spLocks noGrp="1"/>
+          </p:cNvSpPr>
+          <p:nvPr>
+            <p:ph type="title"/>
+          </p:nvPr>
+        </p:nvSpPr>
+        <p:spPr>
+          <a:xfrm>
+            <a:off x="457199" y="274638"/>
+            <a:ext cx="8229601" cy="1143000"/>
+          </a:xfrm>
+        </p:spPr>
+        <p:txBody>
+          <a:bodyPr>
+            <a:normAutofit/>
+          </a:bodyPr>
+          <a:lstStyle/>
+          <a:p>
+            <a:pPr algn="l"/>
+            <a:r>
+              <a:rPr lang="en-US" sz="3800" b="1" dirty="0" smtClean="0">
+                <a:latin typeface="PT Sans"/>
+                <a:cs typeface="PT Sans"/>
+              </a:rPr>
+              <a:t>Performance Fingerprint of a Machine</a:t>
+            </a:r>
+            <a:endParaRPr lang="en-US" sz="3800" b="1" dirty="0">
+              <a:latin typeface="PT Sans"/>
+              <a:cs typeface="PT Sans"/>
+            </a:endParaRPr>
+          </a:p>
+        </p:txBody>
+      </p:sp>
+      <p:sp>
+        <p:nvSpPr>
+          <p:cNvPr id="3" name="Slide Number Placeholder 2"/>
+          <p:cNvSpPr>
+            <a:spLocks noGrp="1"/>
+          </p:cNvSpPr>
+          <p:nvPr>
+            <p:ph type="sldNum" sz="quarter" idx="12"/>
+          </p:nvPr>
+        </p:nvSpPr>
+        <p:spPr/>
+        <p:txBody>
+          <a:bodyPr/>
+          <a:lstStyle/>
+          <a:p>
+            <a:fld id="{FA8338FA-16C6-9C42-9987-80EFEA67B0E4}" type="slidenum">
+              <a:rPr lang="en-US" smtClean="0"/>
+              <a:t>9</a:t>
+            </a:fld>
+            <a:endParaRPr lang="en-US"/>
+          </a:p>
+        </p:txBody>
+      </p:sp>
+      <p:pic>
+        <p:nvPicPr>
+          <p:cNvPr id="7" name="Picture 6"/>
+          <p:cNvPicPr>
+            <a:picLocks noChangeAspect="1"/>
+          </p:cNvPicPr>
+          <p:nvPr/>
+        </p:nvPicPr>
+        <p:blipFill>
+          <a:blip r:embed="rId2"/>
+          <a:stretch>
+            <a:fillRect/>
+          </a:stretch>
+        </p:blipFill>
+        <p:spPr>
+          <a:xfrm>
+            <a:off x="4886406" y="1818881"/>
+            <a:ext cx="1576274" cy="2310676"/>
+          </a:xfrm>
+          <a:prstGeom prst="rect">
+            <a:avLst/>
+          </a:prstGeom>
+        </p:spPr>
+      </p:pic>
+      <p:grpSp>
+        <p:nvGrpSpPr>
+          <p:cNvPr id="9" name="Group 8"/>
+          <p:cNvGrpSpPr/>
+          <p:nvPr/>
+        </p:nvGrpSpPr>
+        <p:grpSpPr>
+          <a:xfrm>
+            <a:off x="2024327" y="1679617"/>
+            <a:ext cx="1000654" cy="1175976"/>
+            <a:chOff x="957527" y="1942583"/>
+            <a:chExt cx="1000654" cy="1175976"/>
+          </a:xfrm>
+        </p:grpSpPr>
+        <p:pic>
+          <p:nvPicPr>
+            <p:cNvPr id="10" name="Picture 9"/>
+            <p:cNvPicPr>
+              <a:picLocks noChangeAspect="1"/>
+            </p:cNvPicPr>
+            <p:nvPr/>
+          </p:nvPicPr>
+          <p:blipFill>
+            <a:blip r:embed="rId3">
+              <a:duotone>
+                <a:prstClr val="black"/>
+                <a:schemeClr val="tx2">
+                  <a:tint val="45000"/>
+                  <a:satMod val="400000"/>
+                </a:schemeClr>
+              </a:duotone>
+            </a:blip>
+            <a:stretch>
+              <a:fillRect/>
+            </a:stretch>
+          </p:blipFill>
+          <p:spPr>
+            <a:xfrm>
+              <a:off x="957527" y="1942583"/>
+              <a:ext cx="1000654" cy="1000654"/>
+            </a:xfrm>
+            <a:prstGeom prst="rect">
+              <a:avLst/>
+            </a:prstGeom>
+          </p:spPr>
+        </p:pic>
+        <p:sp>
+          <p:nvSpPr>
+            <p:cNvPr id="11" name="TextBox 10"/>
+            <p:cNvSpPr txBox="1"/>
+            <p:nvPr/>
+          </p:nvSpPr>
+          <p:spPr>
+            <a:xfrm>
+              <a:off x="999862" y="2872338"/>
+              <a:ext cx="715316" cy="246221"/>
+            </a:xfrm>
+            <a:prstGeom prst="rect">
+              <a:avLst/>
+            </a:prstGeom>
+            <a:noFill/>
+          </p:spPr>
+          <p:txBody>
+            <a:bodyPr wrap="none" rtlCol="0">
+              <a:spAutoFit/>
+            </a:bodyPr>
+            <a:lstStyle/>
+            <a:p>
+              <a:r>
+                <a:rPr lang="en-US" sz="1000" dirty="0" smtClean="0">
+                  <a:latin typeface="PT Sans"/>
+                  <a:cs typeface="PT Sans"/>
+                </a:rPr>
+                <a:t>stressor 1</a:t>
+              </a:r>
+              <a:endParaRPr lang="en-US" sz="1000" dirty="0">
+                <a:latin typeface="PT Sans"/>
+                <a:cs typeface="PT Sans"/>
+              </a:endParaRPr>
+            </a:p>
+          </p:txBody>
+        </p:sp>
+      </p:grpSp>
+      <p:grpSp>
+        <p:nvGrpSpPr>
+          <p:cNvPr id="12" name="Group 11"/>
+          <p:cNvGrpSpPr/>
+          <p:nvPr/>
+        </p:nvGrpSpPr>
+        <p:grpSpPr>
+          <a:xfrm>
+            <a:off x="2024327" y="2889905"/>
+            <a:ext cx="1000654" cy="1175976"/>
+            <a:chOff x="957527" y="1942583"/>
+            <a:chExt cx="1000654" cy="1175976"/>
+          </a:xfrm>
+        </p:grpSpPr>
+        <p:pic>
+          <p:nvPicPr>
+            <p:cNvPr id="13" name="Picture 12"/>
+            <p:cNvPicPr>
+              <a:picLocks noChangeAspect="1"/>
+            </p:cNvPicPr>
+            <p:nvPr/>
+          </p:nvPicPr>
+          <p:blipFill>
+            <a:blip r:embed="rId3">
+              <a:duotone>
+                <a:prstClr val="black"/>
+                <a:schemeClr val="accent2">
+                  <a:tint val="45000"/>
+                  <a:satMod val="400000"/>
+                </a:schemeClr>
+              </a:duotone>
+            </a:blip>
+            <a:stretch>
+              <a:fillRect/>
+            </a:stretch>
+          </p:blipFill>
+          <p:spPr>
+            <a:xfrm>
+              <a:off x="957527" y="1942583"/>
+              <a:ext cx="1000654" cy="1000654"/>
+            </a:xfrm>
+            <a:prstGeom prst="rect">
+              <a:avLst/>
+            </a:prstGeom>
+          </p:spPr>
+        </p:pic>
+        <p:sp>
+          <p:nvSpPr>
+            <p:cNvPr id="14" name="TextBox 13"/>
+            <p:cNvSpPr txBox="1"/>
+            <p:nvPr/>
+          </p:nvSpPr>
+          <p:spPr>
+            <a:xfrm>
+              <a:off x="999862" y="2872338"/>
+              <a:ext cx="715316" cy="246221"/>
+            </a:xfrm>
+            <a:prstGeom prst="rect">
+              <a:avLst/>
+            </a:prstGeom>
+            <a:noFill/>
+          </p:spPr>
+          <p:txBody>
+            <a:bodyPr wrap="none" rtlCol="0">
+              <a:spAutoFit/>
+            </a:bodyPr>
+            <a:lstStyle/>
+            <a:p>
+              <a:r>
+                <a:rPr lang="en-US" sz="1000" dirty="0" smtClean="0">
+                  <a:latin typeface="PT Sans"/>
+                  <a:cs typeface="PT Sans"/>
+                </a:rPr>
+                <a:t>stressor 2</a:t>
+              </a:r>
+              <a:endParaRPr lang="en-US" sz="1000" dirty="0">
+                <a:latin typeface="PT Sans"/>
+                <a:cs typeface="PT Sans"/>
+              </a:endParaRPr>
+            </a:p>
+          </p:txBody>
+        </p:sp>
+      </p:grpSp>
+      <p:grpSp>
+        <p:nvGrpSpPr>
+          <p:cNvPr id="17" name="Group 16"/>
+          <p:cNvGrpSpPr/>
+          <p:nvPr/>
+        </p:nvGrpSpPr>
+        <p:grpSpPr>
+          <a:xfrm>
+            <a:off x="2024327" y="4100193"/>
+            <a:ext cx="1000654" cy="1175976"/>
+            <a:chOff x="957527" y="1942583"/>
+            <a:chExt cx="1000654" cy="1175976"/>
+          </a:xfrm>
+        </p:grpSpPr>
+        <p:pic>
+          <p:nvPicPr>
+            <p:cNvPr id="18" name="Picture 17"/>
+            <p:cNvPicPr>
+              <a:picLocks noChangeAspect="1"/>
+            </p:cNvPicPr>
+            <p:nvPr/>
+          </p:nvPicPr>
+          <p:blipFill>
+            <a:blip r:embed="rId3">
+              <a:duotone>
+                <a:prstClr val="black"/>
+                <a:schemeClr val="accent4">
+                  <a:tint val="45000"/>
+                  <a:satMod val="400000"/>
+                </a:schemeClr>
+              </a:duotone>
+            </a:blip>
+            <a:stretch>
+              <a:fillRect/>
+            </a:stretch>
+          </p:blipFill>
+          <p:spPr>
+            <a:xfrm>
+              <a:off x="957527" y="1942583"/>
+              <a:ext cx="1000654" cy="1000654"/>
+            </a:xfrm>
+            <a:prstGeom prst="rect">
+              <a:avLst/>
+            </a:prstGeom>
+          </p:spPr>
+        </p:pic>
+        <p:sp>
+          <p:nvSpPr>
+            <p:cNvPr id="19" name="TextBox 18"/>
+            <p:cNvSpPr txBox="1"/>
+            <p:nvPr/>
+          </p:nvSpPr>
+          <p:spPr>
+            <a:xfrm>
+              <a:off x="999862" y="2872338"/>
+              <a:ext cx="715316" cy="246221"/>
+            </a:xfrm>
+            <a:prstGeom prst="rect">
+              <a:avLst/>
+            </a:prstGeom>
+            <a:noFill/>
+          </p:spPr>
+          <p:txBody>
+            <a:bodyPr wrap="none" rtlCol="0">
+              <a:spAutoFit/>
+            </a:bodyPr>
+            <a:lstStyle/>
+            <a:p>
+              <a:r>
+                <a:rPr lang="en-US" sz="1000" dirty="0" smtClean="0">
+                  <a:latin typeface="PT Sans"/>
+                  <a:cs typeface="PT Sans"/>
+                </a:rPr>
+                <a:t>stressor 3</a:t>
+              </a:r>
+              <a:endParaRPr lang="en-US" sz="1000" dirty="0">
+                <a:latin typeface="PT Sans"/>
+                <a:cs typeface="PT Sans"/>
+              </a:endParaRPr>
+            </a:p>
+          </p:txBody>
+        </p:sp>
+      </p:grpSp>
+      <p:sp>
+        <p:nvSpPr>
+          <p:cNvPr id="21" name="Rectangle 20"/>
+          <p:cNvSpPr/>
+          <p:nvPr/>
+        </p:nvSpPr>
+        <p:spPr>
+          <a:xfrm>
+            <a:off x="2226733" y="4990776"/>
+            <a:ext cx="501457" cy="584776"/>
+          </a:xfrm>
+          <a:prstGeom prst="rect">
+            <a:avLst/>
+          </a:prstGeom>
+        </p:spPr>
+        <p:txBody>
+          <a:bodyPr wrap="none">
+            <a:spAutoFit/>
+          </a:bodyPr>
+          <a:lstStyle/>
+          <a:p>
+            <a:r>
+              <a:rPr lang="is-IS" sz="3200" dirty="0" smtClean="0">
+                <a:solidFill>
+                  <a:prstClr val="black"/>
+                </a:solidFill>
+                <a:latin typeface="PT Sans"/>
+                <a:cs typeface="PT Sans"/>
+              </a:rPr>
+              <a:t>…</a:t>
+            </a:r>
+            <a:endParaRPr lang="en-US" dirty="0"/>
+          </a:p>
+        </p:txBody>
+      </p:sp>
+      <p:sp>
+        <p:nvSpPr>
+          <p:cNvPr id="22" name="TextBox 21"/>
+          <p:cNvSpPr txBox="1"/>
+          <p:nvPr/>
+        </p:nvSpPr>
+        <p:spPr>
+          <a:xfrm>
+            <a:off x="1727201" y="1295205"/>
+            <a:ext cx="1617132" cy="400110"/>
+          </a:xfrm>
+          <a:prstGeom prst="rect">
+            <a:avLst/>
+          </a:prstGeom>
+          <a:noFill/>
+        </p:spPr>
+        <p:txBody>
+          <a:bodyPr wrap="square" rtlCol="0">
+            <a:spAutoFit/>
+          </a:bodyPr>
+          <a:lstStyle/>
+          <a:p>
+            <a:pPr algn="ctr"/>
+            <a:r>
+              <a:rPr lang="en-US" sz="1000" dirty="0" smtClean="0">
+                <a:latin typeface="PT Sans"/>
+                <a:cs typeface="PT Sans"/>
+              </a:rPr>
+              <a:t>CPU-bound stress-</a:t>
+            </a:r>
+            <a:r>
+              <a:rPr lang="en-US" sz="1000" dirty="0" err="1" smtClean="0">
+                <a:latin typeface="PT Sans"/>
+                <a:cs typeface="PT Sans"/>
+              </a:rPr>
+              <a:t>ng</a:t>
+            </a:r>
+            <a:r>
+              <a:rPr lang="en-US" sz="1000" dirty="0" smtClean="0">
+                <a:latin typeface="PT Sans"/>
+                <a:cs typeface="PT Sans"/>
+              </a:rPr>
+              <a:t> benchmarks</a:t>
+            </a:r>
+            <a:endParaRPr lang="en-US" sz="1000" dirty="0">
+              <a:latin typeface="PT Sans"/>
+              <a:cs typeface="PT Sans"/>
+            </a:endParaRPr>
+          </a:p>
+        </p:txBody>
+      </p:sp>
+      <p:sp>
+        <p:nvSpPr>
+          <p:cNvPr id="23" name="TextBox 22"/>
+          <p:cNvSpPr txBox="1"/>
+          <p:nvPr/>
+        </p:nvSpPr>
+        <p:spPr>
+          <a:xfrm>
+            <a:off x="2066662" y="5541684"/>
+            <a:ext cx="785207" cy="246221"/>
+          </a:xfrm>
+          <a:prstGeom prst="rect">
+            <a:avLst/>
+          </a:prstGeom>
+          <a:noFill/>
+        </p:spPr>
+        <p:txBody>
+          <a:bodyPr wrap="none" rtlCol="0">
+            <a:spAutoFit/>
+          </a:bodyPr>
+          <a:lstStyle/>
+          <a:p>
+            <a:r>
+              <a:rPr lang="en-US" sz="1000" dirty="0" smtClean="0">
+                <a:latin typeface="PT Sans"/>
+                <a:cs typeface="PT Sans"/>
+              </a:rPr>
+              <a:t>stressor 80</a:t>
+            </a:r>
+            <a:endParaRPr lang="en-US" sz="1000" dirty="0">
+              <a:latin typeface="PT Sans"/>
+              <a:cs typeface="PT Sans"/>
+            </a:endParaRPr>
+          </a:p>
+        </p:txBody>
+      </p:sp>
+      <p:sp>
+        <p:nvSpPr>
+          <p:cNvPr id="24" name="TextBox 23"/>
+          <p:cNvSpPr txBox="1"/>
+          <p:nvPr/>
+        </p:nvSpPr>
+        <p:spPr>
+          <a:xfrm>
+            <a:off x="4793509" y="4191068"/>
+            <a:ext cx="1759691" cy="1569660"/>
+          </a:xfrm>
+          <a:prstGeom prst="rect">
+            <a:avLst/>
+          </a:prstGeom>
+          <a:noFill/>
+          <a:ln>
+            <a:noFill/>
+          </a:ln>
+        </p:spPr>
+        <p:txBody>
+          <a:bodyPr wrap="none" rtlCol="0">
+            <a:spAutoFit/>
+          </a:bodyPr>
+          <a:lstStyle/>
+          <a:p>
+            <a:r>
+              <a:rPr lang="en-US" sz="1200" dirty="0" smtClean="0">
+                <a:latin typeface="DejaVu Sans Mono"/>
+                <a:cs typeface="DejaVu Sans Mono"/>
+              </a:rPr>
+              <a:t> stressor | op/s</a:t>
+            </a:r>
+          </a:p>
+          <a:p>
+            <a:r>
+              <a:rPr lang="en-US" sz="1200" dirty="0" smtClean="0">
+                <a:latin typeface="DejaVu Sans Mono"/>
+                <a:cs typeface="DejaVu Sans Mono"/>
+              </a:rPr>
+              <a:t>-----------------</a:t>
+            </a:r>
+          </a:p>
+          <a:p>
+            <a:r>
+              <a:rPr lang="en-US" sz="1200" dirty="0" smtClean="0">
+                <a:latin typeface="DejaVu Sans Mono"/>
+                <a:cs typeface="DejaVu Sans Mono"/>
+              </a:rPr>
+              <a:t> </a:t>
+            </a:r>
+            <a:r>
+              <a:rPr lang="en-US" sz="1200" dirty="0" err="1" smtClean="0">
+                <a:latin typeface="DejaVu Sans Mono"/>
+                <a:cs typeface="DejaVu Sans Mono"/>
+              </a:rPr>
+              <a:t>ackerman</a:t>
+            </a:r>
+            <a:r>
+              <a:rPr lang="en-US" sz="1200" dirty="0" smtClean="0">
+                <a:latin typeface="DejaVu Sans Mono"/>
+                <a:cs typeface="DejaVu Sans Mono"/>
+              </a:rPr>
+              <a:t> |  530</a:t>
+            </a:r>
+          </a:p>
+          <a:p>
+            <a:r>
+              <a:rPr lang="en-US" sz="1200" dirty="0" smtClean="0">
+                <a:latin typeface="DejaVu Sans Mono"/>
+                <a:cs typeface="DejaVu Sans Mono"/>
+              </a:rPr>
+              <a:t> matrix   | 1343</a:t>
+            </a:r>
+            <a:endParaRPr lang="en-US" sz="1200" dirty="0" smtClean="0">
+              <a:latin typeface="DejaVu Sans Mono"/>
+              <a:cs typeface="DejaVu Sans Mono"/>
+            </a:endParaRPr>
+          </a:p>
+          <a:p>
+            <a:r>
+              <a:rPr lang="en-US" sz="1200" dirty="0" smtClean="0">
+                <a:latin typeface="DejaVu Sans Mono"/>
+                <a:cs typeface="DejaVu Sans Mono"/>
+              </a:rPr>
+              <a:t> int32    |  433</a:t>
+            </a:r>
+            <a:endParaRPr lang="en-US" sz="1200" dirty="0" smtClean="0">
+              <a:latin typeface="DejaVu Sans Mono"/>
+              <a:cs typeface="DejaVu Sans Mono"/>
+            </a:endParaRPr>
+          </a:p>
+          <a:p>
+            <a:r>
+              <a:rPr lang="en-US" sz="1200" dirty="0" smtClean="0">
+                <a:latin typeface="DejaVu Sans Mono"/>
+                <a:cs typeface="DejaVu Sans Mono"/>
+              </a:rPr>
+              <a:t> int64    |  333</a:t>
+            </a:r>
+            <a:endParaRPr lang="en-US" sz="1200" dirty="0">
+              <a:latin typeface="DejaVu Sans Mono"/>
+              <a:cs typeface="DejaVu Sans Mono"/>
+            </a:endParaRPr>
+          </a:p>
+          <a:p>
+            <a:r>
+              <a:rPr lang="en-US" sz="1200" dirty="0" smtClean="0">
+                <a:latin typeface="DejaVu Sans Mono"/>
+                <a:cs typeface="DejaVu Sans Mono"/>
+              </a:rPr>
+              <a:t> int128   |  233</a:t>
+            </a:r>
+            <a:endParaRPr lang="en-US" sz="1200" dirty="0">
+              <a:latin typeface="DejaVu Sans Mono"/>
+              <a:cs typeface="DejaVu Sans Mono"/>
+            </a:endParaRPr>
+          </a:p>
+          <a:p>
+            <a:r>
+              <a:rPr lang="is-IS" sz="1200" dirty="0" smtClean="0">
+                <a:latin typeface="DejaVu Sans Mono"/>
+                <a:cs typeface="DejaVu Sans Mono"/>
+              </a:rPr>
+              <a:t>…</a:t>
+            </a:r>
+            <a:endParaRPr lang="en-US" sz="1200" dirty="0">
+              <a:latin typeface="DejaVu Sans Mono"/>
+              <a:cs typeface="DejaVu Sans Mono"/>
+            </a:endParaRPr>
+          </a:p>
+        </p:txBody>
+      </p:sp>
+      <p:sp>
+        <p:nvSpPr>
+          <p:cNvPr id="25" name="TextBox 24"/>
+          <p:cNvSpPr txBox="1"/>
+          <p:nvPr/>
+        </p:nvSpPr>
+        <p:spPr>
+          <a:xfrm>
+            <a:off x="821267" y="5940851"/>
+            <a:ext cx="7425265" cy="830997"/>
+          </a:xfrm>
+          <a:prstGeom prst="rect">
+            <a:avLst/>
+          </a:prstGeom>
+          <a:noFill/>
+          <a:ln>
+            <a:solidFill>
+              <a:schemeClr val="tx1"/>
+            </a:solidFill>
+          </a:ln>
+        </p:spPr>
+        <p:txBody>
+          <a:bodyPr wrap="square" rtlCol="0">
+            <a:spAutoFit/>
+          </a:bodyPr>
+          <a:lstStyle/>
+          <a:p>
+            <a:pPr algn="ctr"/>
+            <a:r>
+              <a:rPr lang="en-US" sz="2400" dirty="0" smtClean="0">
+                <a:latin typeface="PT Sans"/>
+                <a:cs typeface="PT Sans"/>
+              </a:rPr>
+              <a:t>The profile of stress-</a:t>
+            </a:r>
+            <a:r>
+              <a:rPr lang="en-US" sz="2400" dirty="0" err="1" smtClean="0">
+                <a:latin typeface="PT Sans"/>
+                <a:cs typeface="PT Sans"/>
+              </a:rPr>
+              <a:t>ng</a:t>
+            </a:r>
+            <a:r>
+              <a:rPr lang="en-US" sz="2400" dirty="0" smtClean="0">
+                <a:latin typeface="PT Sans"/>
+                <a:cs typeface="PT Sans"/>
+              </a:rPr>
+              <a:t> on a machine constitutes its “performance identity”</a:t>
+            </a:r>
+            <a:endParaRPr lang="en-US" sz="2400" dirty="0">
+              <a:latin typeface="PT Sans"/>
+              <a:cs typeface="PT Sans"/>
+            </a:endParaRPr>
+          </a:p>
+        </p:txBody>
+      </p:sp>
+    </p:spTree>
+    <p:extLst>
+      <p:ext uri="{BB962C8B-B14F-4D97-AF65-F5344CB8AC3E}">
+        <p14:creationId xmlns:p14="http://schemas.microsoft.com/office/powerpoint/2010/main" val="2761341987"/>
+      </p:ext>
+    </p:extLst>
+  </p:cSld>
+  <p:clrMapOvr>
+    <a:masterClrMapping/>
+  </p:clrMapOvr>
+  <p:timing>
+    <p:tnLst>
+      <p:par>
+        <p:cTn xmlns:p14="http://schemas.microsoft.com/office/powerpoint/2010/main" id="1" dur="indefinite" restart="never" nodeType="tmRoot">
+          <p:childTnLst>
+            <p:seq concurrent="1" nextAc="seek">
+              <p:cTn id="2" dur="indefinite" nodeType="mainSeq">
+                <p:childTnLst>
+                  <p:par>
+                    <p:cTn id="3" fill="hold">
+                      <p:stCondLst>
+                        <p:cond delay="indefinite"/>
+                      </p:stCondLst>
+                      <p:childTnLst>
+                        <p:par>
+                          <p:cTn id="4" fill="hold">
+                            <p:stCondLst>
+                              <p:cond delay="0"/>
+                            </p:stCondLst>
+                            <p:childTnLst>
+                              <p:par>
+                                <p:cTn id="5" presetID="1" presetClass="entr" presetSubtype="0" fill="hold" grpId="0" nodeType="clickEffect">
+                                  <p:stCondLst>
+                                    <p:cond delay="0"/>
+                                  </p:stCondLst>
+                                  <p:childTnLst>
+                                    <p:set>
+                                      <p:cBhvr>
+                                        <p:cTn id="6" dur="1" fill="hold">
+                                          <p:stCondLst>
+                                            <p:cond delay="0"/>
+                                          </p:stCondLst>
+                                        </p:cTn>
+                                        <p:tgtEl>
+                                          <p:spTgt spid="24"/>
+                                        </p:tgtEl>
+                                        <p:attrNameLst>
+                                          <p:attrName>style.visibility</p:attrName>
+                                        </p:attrNameLst>
+                                      </p:cBhvr>
+                                      <p:to>
+                                        <p:strVal val="visible"/>
+                                      </p:to>
+                                    </p:set>
+                                  </p:childTnLst>
+                                </p:cTn>
+                              </p:par>
+                            </p:childTnLst>
+                          </p:cTn>
+                        </p:par>
+                      </p:childTnLst>
+                    </p:cTn>
+                  </p:par>
+                  <p:par>
+                    <p:cTn id="7" fill="hold">
+                      <p:stCondLst>
+                        <p:cond delay="indefinite"/>
+                      </p:stCondLst>
+                      <p:childTnLst>
+                        <p:par>
+                          <p:cTn id="8" fill="hold">
+                            <p:stCondLst>
+                              <p:cond delay="0"/>
+                            </p:stCondLst>
+                            <p:childTnLst>
+                              <p:par>
+                                <p:cTn id="9" presetID="1" presetClass="entr" presetSubtype="0" fill="hold" grpId="0" nodeType="clickEffect">
+                                  <p:stCondLst>
+                                    <p:cond delay="0"/>
+                                  </p:stCondLst>
+                                  <p:childTnLst>
+                                    <p:set>
+                                      <p:cBhvr>
+                                        <p:cTn id="10" dur="1" fill="hold">
+                                          <p:stCondLst>
+                                            <p:cond delay="0"/>
+                                          </p:stCondLst>
+                                        </p:cTn>
+                                        <p:tgtEl>
+                                          <p:spTgt spid="25"/>
+                                        </p:tgtEl>
+                                        <p:attrNameLst>
+                                          <p:attrName>style.visibility</p:attrName>
+                                        </p:attrNameLst>
+                                      </p:cBhvr>
+                                      <p:to>
+                                        <p:strVal val="visible"/>
+                                      </p:to>
+                                    </p:set>
+                                  </p:childTnLst>
+                                </p:cTn>
+                              </p:par>
+                            </p:childTnLst>
+                          </p:cTn>
+                        </p:par>
+                      </p:childTnLst>
+                    </p:cTn>
+                  </p:par>
+                </p:childTnLst>
+              </p:cTn>
+              <p:prevCondLst>
+                <p:cond evt="onPrev" delay="0">
+                  <p:tgtEl>
+                    <p:sldTgt/>
+                  </p:tgtEl>
+                </p:cond>
+              </p:prevCondLst>
+              <p:nextCondLst>
+                <p:cond evt="onNext" delay="0">
+                  <p:tgtEl>
+                    <p:sldTgt/>
+                  </p:tgtEl>
+                </p:cond>
+              </p:nextCondLst>
+            </p:seq>
+          </p:childTnLst>
+        </p:cTn>
+      </p:par>
+    </p:tnLst>
+    <p:bldLst>
+      <p:bldP spid="24" grpId="0"/>
+      <p:bldP spid="25" grpId="0" animBg="1"/>
+    </p:bldLst>
   </p:timing>
 </p:sld>
 </file>
